--- a/Documents/Suika.Watermelon/박정우 기획서.pptx
+++ b/Documents/Suika.Watermelon/박정우 기획서.pptx
@@ -8,11 +8,12 @@
     <p:sldId id="256" r:id="rId2"/>
     <p:sldId id="257" r:id="rId3"/>
     <p:sldId id="258" r:id="rId4"/>
-    <p:sldId id="260" r:id="rId5"/>
-    <p:sldId id="261" r:id="rId6"/>
-    <p:sldId id="262" r:id="rId7"/>
-    <p:sldId id="263" r:id="rId8"/>
-    <p:sldId id="259" r:id="rId9"/>
+    <p:sldId id="264" r:id="rId5"/>
+    <p:sldId id="260" r:id="rId6"/>
+    <p:sldId id="261" r:id="rId7"/>
+    <p:sldId id="262" r:id="rId8"/>
+    <p:sldId id="263" r:id="rId9"/>
+    <p:sldId id="259" r:id="rId10"/>
   </p:sldIdLst>
   <p:sldSz cx="12192000" cy="6858000"/>
   <p:notesSz cx="6858000" cy="9144000"/>
@@ -3384,9 +3385,10 @@
           <a:lstStyle/>
           <a:p>
             <a:r>
-              <a:rPr lang="ko-KR" altLang="en-US"/>
-              <a:t>수박게임</a:t>
-            </a:r>
+              <a:rPr lang="ko-KR" altLang="en-US" smtClean="0"/>
+              <a:t>수박게임 기획</a:t>
+            </a:r>
+            <a:endParaRPr lang="ko-KR" altLang="en-US"/>
           </a:p>
         </p:txBody>
       </p:sp>
@@ -3719,11 +3721,28 @@
             </a:r>
             <a:r>
               <a:rPr lang="ko-KR" altLang="en-US" sz="2400"/>
-              <a:t>과일이 이 라인 위로 넘어가면 게임 오버</a:t>
-            </a:r>
-            <a:endParaRPr lang="en-US" altLang="ko-KR" sz="2400"/>
-          </a:p>
-          <a:p>
+              <a:t>과일이 이 라인 위로 </a:t>
+            </a:r>
+            <a:r>
+              <a:rPr lang="ko-KR" altLang="en-US" sz="2400" smtClean="0"/>
+              <a:t>넘어가고 </a:t>
+            </a:r>
+            <a:r>
+              <a:rPr lang="en-US" altLang="ko-KR" sz="2400" smtClean="0"/>
+              <a:t>5</a:t>
+            </a:r>
+            <a:r>
+              <a:rPr lang="ko-KR" altLang="en-US" sz="2400" smtClean="0"/>
+              <a:t>초가 지나면 </a:t>
+            </a:r>
+            <a:r>
+              <a:rPr lang="ko-KR" altLang="en-US" sz="2400"/>
+              <a:t>게임 </a:t>
+            </a:r>
+            <a:r>
+              <a:rPr lang="ko-KR" altLang="en-US" sz="2400" smtClean="0"/>
+              <a:t>오버</a:t>
+            </a:r>
             <a:endParaRPr lang="en-US" altLang="ko-KR" sz="2400"/>
           </a:p>
         </p:txBody>
@@ -3760,13 +3779,7 @@
       </p:grpSpPr>
       <p:sp>
         <p:nvSpPr>
-          <p:cNvPr id="2" name="제목 1">
-            <a:extLst>
-              <a:ext uri="{FF2B5EF4-FFF2-40B4-BE49-F238E27FC236}">
-                <a16:creationId xmlns:a16="http://schemas.microsoft.com/office/drawing/2014/main" id="{82D0E276-BDBD-B3D5-0B49-1DF4ADE89E97}"/>
-              </a:ext>
-            </a:extLst>
-          </p:cNvPr>
+          <p:cNvPr id="2" name="제목 1"/>
           <p:cNvSpPr>
             <a:spLocks noGrp="1"/>
           </p:cNvSpPr>
@@ -3774,2204 +3787,91 @@
             <p:ph type="title"/>
           </p:nvPr>
         </p:nvSpPr>
-        <p:spPr>
-          <a:xfrm>
-            <a:off x="524608" y="-253173"/>
-            <a:ext cx="10515600" cy="1325563"/>
-          </a:xfrm>
-        </p:spPr>
-        <p:txBody>
-          <a:bodyPr>
-            <a:normAutofit/>
-          </a:bodyPr>
-          <a:lstStyle/>
-          <a:p>
-            <a:r>
-              <a:rPr lang="ko-KR" altLang="en-US" sz="3200"/>
-              <a:t>현실적인 공의 크기와 순서</a:t>
-            </a:r>
-            <a:r>
-              <a:rPr lang="en-US" altLang="ko-KR" sz="3200"/>
-              <a:t>, </a:t>
-            </a:r>
-            <a:r>
-              <a:rPr lang="ko-KR" altLang="en-US" sz="3200"/>
-              <a:t>배율</a:t>
-            </a:r>
-          </a:p>
-        </p:txBody>
-      </p:sp>
-      <p:pic>
-        <p:nvPicPr>
-          <p:cNvPr id="7" name="그림 6">
-            <a:extLst>
-              <a:ext uri="{FF2B5EF4-FFF2-40B4-BE49-F238E27FC236}">
-                <a16:creationId xmlns:a16="http://schemas.microsoft.com/office/drawing/2014/main" id="{2783CD56-55EB-0A67-2467-E61368349E35}"/>
-              </a:ext>
-            </a:extLst>
-          </p:cNvPr>
-          <p:cNvPicPr>
-            <a:picLocks noChangeAspect="1"/>
-          </p:cNvPicPr>
-          <p:nvPr/>
-        </p:nvPicPr>
-        <p:blipFill>
-          <a:blip r:embed="rId2">
-            <a:extLst>
-              <a:ext uri="{28A0092B-C50C-407E-A947-70E740481C1C}">
-                <a14:useLocalDpi xmlns:a14="http://schemas.microsoft.com/office/drawing/2010/main" val="0"/>
-              </a:ext>
-            </a:extLst>
-          </a:blip>
-          <a:stretch>
-            <a:fillRect/>
-          </a:stretch>
-        </p:blipFill>
-        <p:spPr>
-          <a:xfrm>
-            <a:off x="9927945" y="978909"/>
-            <a:ext cx="1143000" cy="1143000"/>
-          </a:xfrm>
-          <a:prstGeom prst="rect">
-            <a:avLst/>
-          </a:prstGeom>
-        </p:spPr>
-      </p:pic>
-      <p:pic>
-        <p:nvPicPr>
-          <p:cNvPr id="10" name="그림 9">
-            <a:extLst>
-              <a:ext uri="{FF2B5EF4-FFF2-40B4-BE49-F238E27FC236}">
-                <a16:creationId xmlns:a16="http://schemas.microsoft.com/office/drawing/2014/main" id="{80B4682D-1805-4B3E-DB54-3279A9F3D1B9}"/>
-              </a:ext>
-            </a:extLst>
-          </p:cNvPr>
-          <p:cNvPicPr>
-            <a:picLocks noChangeAspect="1"/>
-          </p:cNvPicPr>
-          <p:nvPr/>
-        </p:nvPicPr>
-        <p:blipFill>
-          <a:blip r:embed="rId3">
-            <a:extLst>
-              <a:ext uri="{28A0092B-C50C-407E-A947-70E740481C1C}">
-                <a14:useLocalDpi xmlns:a14="http://schemas.microsoft.com/office/drawing/2010/main" val="0"/>
-              </a:ext>
-            </a:extLst>
-          </a:blip>
-          <a:stretch>
-            <a:fillRect/>
-          </a:stretch>
-        </p:blipFill>
-        <p:spPr>
-          <a:xfrm>
-            <a:off x="4799338" y="5589825"/>
-            <a:ext cx="1227667" cy="1227667"/>
-          </a:xfrm>
-          <a:prstGeom prst="rect">
-            <a:avLst/>
-          </a:prstGeom>
-        </p:spPr>
-      </p:pic>
-      <p:pic>
-        <p:nvPicPr>
-          <p:cNvPr id="13" name="그림 12">
-            <a:extLst>
-              <a:ext uri="{FF2B5EF4-FFF2-40B4-BE49-F238E27FC236}">
-                <a16:creationId xmlns:a16="http://schemas.microsoft.com/office/drawing/2014/main" id="{17F8B443-37EC-AD0E-9D8C-6830172ED408}"/>
-              </a:ext>
-            </a:extLst>
-          </p:cNvPr>
-          <p:cNvPicPr>
-            <a:picLocks noChangeAspect="1"/>
-          </p:cNvPicPr>
-          <p:nvPr/>
-        </p:nvPicPr>
-        <p:blipFill>
-          <a:blip r:embed="rId4">
-            <a:extLst>
-              <a:ext uri="{28A0092B-C50C-407E-A947-70E740481C1C}">
-                <a14:useLocalDpi xmlns:a14="http://schemas.microsoft.com/office/drawing/2010/main" val="0"/>
-              </a:ext>
-            </a:extLst>
-          </a:blip>
-          <a:stretch>
-            <a:fillRect/>
-          </a:stretch>
-        </p:blipFill>
-        <p:spPr>
-          <a:xfrm>
-            <a:off x="3066410" y="3584826"/>
-            <a:ext cx="1107922" cy="1107922"/>
-          </a:xfrm>
-          <a:prstGeom prst="rect">
-            <a:avLst/>
-          </a:prstGeom>
-        </p:spPr>
-      </p:pic>
-      <p:pic>
-        <p:nvPicPr>
-          <p:cNvPr id="16" name="그림 15">
-            <a:extLst>
-              <a:ext uri="{FF2B5EF4-FFF2-40B4-BE49-F238E27FC236}">
-                <a16:creationId xmlns:a16="http://schemas.microsoft.com/office/drawing/2014/main" id="{FB756FA1-B798-98AE-9E9E-6B4BB87E76D7}"/>
-              </a:ext>
-            </a:extLst>
-          </p:cNvPr>
-          <p:cNvPicPr>
-            <a:picLocks noChangeAspect="1"/>
-          </p:cNvPicPr>
-          <p:nvPr/>
-        </p:nvPicPr>
-        <p:blipFill>
-          <a:blip r:embed="rId5">
-            <a:extLst>
-              <a:ext uri="{28A0092B-C50C-407E-A947-70E740481C1C}">
-                <a14:useLocalDpi xmlns:a14="http://schemas.microsoft.com/office/drawing/2010/main" val="0"/>
-              </a:ext>
-            </a:extLst>
-          </a:blip>
-          <a:stretch>
-            <a:fillRect/>
-          </a:stretch>
-        </p:blipFill>
-        <p:spPr>
-          <a:xfrm>
-            <a:off x="3105011" y="1090205"/>
-            <a:ext cx="995345" cy="995345"/>
-          </a:xfrm>
-          <a:prstGeom prst="rect">
-            <a:avLst/>
-          </a:prstGeom>
-        </p:spPr>
-      </p:pic>
-      <p:pic>
-        <p:nvPicPr>
-          <p:cNvPr id="19" name="그림 18">
-            <a:extLst>
-              <a:ext uri="{FF2B5EF4-FFF2-40B4-BE49-F238E27FC236}">
-                <a16:creationId xmlns:a16="http://schemas.microsoft.com/office/drawing/2014/main" id="{4C6EB0D6-571F-ED32-0277-D02FAE83E916}"/>
-              </a:ext>
-            </a:extLst>
-          </p:cNvPr>
-          <p:cNvPicPr>
-            <a:picLocks noChangeAspect="1"/>
-          </p:cNvPicPr>
-          <p:nvPr/>
-        </p:nvPicPr>
-        <p:blipFill>
-          <a:blip r:embed="rId6">
-            <a:extLst>
-              <a:ext uri="{28A0092B-C50C-407E-A947-70E740481C1C}">
-                <a14:useLocalDpi xmlns:a14="http://schemas.microsoft.com/office/drawing/2010/main" val="0"/>
-              </a:ext>
-            </a:extLst>
-          </a:blip>
-          <a:stretch>
-            <a:fillRect/>
-          </a:stretch>
-        </p:blipFill>
-        <p:spPr>
-          <a:xfrm>
-            <a:off x="7815599" y="3591358"/>
-            <a:ext cx="1094857" cy="1094857"/>
-          </a:xfrm>
-          <a:prstGeom prst="rect">
-            <a:avLst/>
-          </a:prstGeom>
-        </p:spPr>
-      </p:pic>
-      <p:pic>
-        <p:nvPicPr>
-          <p:cNvPr id="22" name="그림 21">
-            <a:extLst>
-              <a:ext uri="{FF2B5EF4-FFF2-40B4-BE49-F238E27FC236}">
-                <a16:creationId xmlns:a16="http://schemas.microsoft.com/office/drawing/2014/main" id="{ABBB656C-EF99-C5DA-F704-39235CE8D152}"/>
-              </a:ext>
-            </a:extLst>
-          </p:cNvPr>
-          <p:cNvPicPr>
-            <a:picLocks noChangeAspect="1"/>
-          </p:cNvPicPr>
-          <p:nvPr/>
-        </p:nvPicPr>
-        <p:blipFill>
-          <a:blip r:embed="rId7">
-            <a:extLst>
-              <a:ext uri="{28A0092B-C50C-407E-A947-70E740481C1C}">
-                <a14:useLocalDpi xmlns:a14="http://schemas.microsoft.com/office/drawing/2010/main" val="0"/>
-              </a:ext>
-            </a:extLst>
-          </a:blip>
-          <a:stretch>
-            <a:fillRect/>
-          </a:stretch>
-        </p:blipFill>
-        <p:spPr>
-          <a:xfrm>
-            <a:off x="907547" y="1133056"/>
-            <a:ext cx="1116078" cy="1116078"/>
-          </a:xfrm>
-          <a:prstGeom prst="rect">
-            <a:avLst/>
-          </a:prstGeom>
-        </p:spPr>
-      </p:pic>
-      <p:sp>
-        <p:nvSpPr>
-          <p:cNvPr id="23" name="직사각형 22">
-            <a:extLst>
-              <a:ext uri="{FF2B5EF4-FFF2-40B4-BE49-F238E27FC236}">
-                <a16:creationId xmlns:a16="http://schemas.microsoft.com/office/drawing/2014/main" id="{AE0A83F0-869C-0B4D-CDD8-A87C5CBEA082}"/>
-              </a:ext>
-            </a:extLst>
-          </p:cNvPr>
-          <p:cNvSpPr/>
-          <p:nvPr/>
-        </p:nvSpPr>
-        <p:spPr>
-          <a:xfrm>
-            <a:off x="5001473" y="2197692"/>
-            <a:ext cx="1846212" cy="397933"/>
-          </a:xfrm>
-          <a:prstGeom prst="rect">
-            <a:avLst/>
-          </a:prstGeom>
-        </p:spPr>
-        <p:style>
-          <a:lnRef idx="2">
-            <a:schemeClr val="accent1">
-              <a:shade val="15000"/>
-            </a:schemeClr>
-          </a:lnRef>
-          <a:fillRef idx="1">
-            <a:schemeClr val="accent1"/>
-          </a:fillRef>
-          <a:effectRef idx="0">
-            <a:schemeClr val="accent1"/>
-          </a:effectRef>
-          <a:fontRef idx="minor">
-            <a:schemeClr val="lt1"/>
-          </a:fontRef>
-        </p:style>
-        <p:txBody>
-          <a:bodyPr rtlCol="0" anchor="ctr"/>
-          <a:lstStyle/>
-          <a:p>
-            <a:pPr algn="ctr"/>
-            <a:r>
-              <a:rPr lang="ko-KR" altLang="en-US"/>
-              <a:t>직경</a:t>
-            </a:r>
-            <a:r>
-              <a:rPr lang="en-US" altLang="ko-KR"/>
-              <a:t>: 62~70mm </a:t>
+        <p:spPr/>
+        <p:txBody>
+          <a:bodyPr/>
+          <a:lstStyle/>
+          <a:p>
+            <a:r>
+              <a:rPr lang="ko-KR" altLang="en-US" smtClean="0"/>
+              <a:t>플레이요소</a:t>
             </a:r>
             <a:endParaRPr lang="ko-KR" altLang="en-US"/>
           </a:p>
         </p:txBody>
       </p:sp>
-      <p:pic>
-        <p:nvPicPr>
-          <p:cNvPr id="25" name="그림 24">
-            <a:extLst>
-              <a:ext uri="{FF2B5EF4-FFF2-40B4-BE49-F238E27FC236}">
-                <a16:creationId xmlns:a16="http://schemas.microsoft.com/office/drawing/2014/main" id="{D7FCBE06-A89E-BF1B-DBF0-3A54C04B26EB}"/>
-              </a:ext>
-            </a:extLst>
-          </p:cNvPr>
-          <p:cNvPicPr>
-            <a:picLocks noChangeAspect="1"/>
-          </p:cNvPicPr>
-          <p:nvPr/>
-        </p:nvPicPr>
-        <p:blipFill>
-          <a:blip r:embed="rId8">
-            <a:extLst>
-              <a:ext uri="{28A0092B-C50C-407E-A947-70E740481C1C}">
-                <a14:useLocalDpi xmlns:a14="http://schemas.microsoft.com/office/drawing/2010/main" val="0"/>
-              </a:ext>
-            </a:extLst>
-          </a:blip>
-          <a:stretch>
-            <a:fillRect/>
-          </a:stretch>
-        </p:blipFill>
-        <p:spPr>
-          <a:xfrm>
-            <a:off x="974288" y="3685277"/>
-            <a:ext cx="982596" cy="982596"/>
-          </a:xfrm>
-          <a:prstGeom prst="rect">
-            <a:avLst/>
-          </a:prstGeom>
-        </p:spPr>
-      </p:pic>
-      <p:pic>
-        <p:nvPicPr>
-          <p:cNvPr id="28" name="그림 27">
-            <a:extLst>
-              <a:ext uri="{FF2B5EF4-FFF2-40B4-BE49-F238E27FC236}">
-                <a16:creationId xmlns:a16="http://schemas.microsoft.com/office/drawing/2014/main" id="{0CF4974F-B55D-2BEB-DA80-D9F7B11376D0}"/>
-              </a:ext>
-            </a:extLst>
-          </p:cNvPr>
-          <p:cNvPicPr>
-            <a:picLocks noChangeAspect="1"/>
-          </p:cNvPicPr>
-          <p:nvPr/>
-        </p:nvPicPr>
-        <p:blipFill>
-          <a:blip r:embed="rId9">
-            <a:extLst>
-              <a:ext uri="{28A0092B-C50C-407E-A947-70E740481C1C}">
-                <a14:useLocalDpi xmlns:a14="http://schemas.microsoft.com/office/drawing/2010/main" val="0"/>
-              </a:ext>
-            </a:extLst>
-          </a:blip>
-          <a:stretch>
-            <a:fillRect/>
-          </a:stretch>
-        </p:blipFill>
-        <p:spPr>
-          <a:xfrm>
-            <a:off x="10150375" y="3564620"/>
-            <a:ext cx="1028907" cy="1028907"/>
-          </a:xfrm>
-          <a:prstGeom prst="rect">
-            <a:avLst/>
-          </a:prstGeom>
-        </p:spPr>
-      </p:pic>
-      <p:pic>
-        <p:nvPicPr>
-          <p:cNvPr id="31" name="그림 30">
-            <a:extLst>
-              <a:ext uri="{FF2B5EF4-FFF2-40B4-BE49-F238E27FC236}">
-                <a16:creationId xmlns:a16="http://schemas.microsoft.com/office/drawing/2014/main" id="{6F4EAFC2-21F5-EC79-35B3-D623629B4CC0}"/>
-              </a:ext>
-            </a:extLst>
-          </p:cNvPr>
-          <p:cNvPicPr>
-            <a:picLocks noChangeAspect="1"/>
-          </p:cNvPicPr>
-          <p:nvPr/>
-        </p:nvPicPr>
-        <p:blipFill>
-          <a:blip r:embed="rId10">
-            <a:extLst>
-              <a:ext uri="{28A0092B-C50C-407E-A947-70E740481C1C}">
-                <a14:useLocalDpi xmlns:a14="http://schemas.microsoft.com/office/drawing/2010/main" val="0"/>
-              </a:ext>
-            </a:extLst>
-          </a:blip>
-          <a:stretch>
-            <a:fillRect/>
-          </a:stretch>
-        </p:blipFill>
-        <p:spPr>
-          <a:xfrm>
-            <a:off x="7600223" y="1017417"/>
-            <a:ext cx="1045374" cy="1045374"/>
-          </a:xfrm>
-          <a:prstGeom prst="rect">
-            <a:avLst/>
-          </a:prstGeom>
-        </p:spPr>
-      </p:pic>
-      <p:pic>
-        <p:nvPicPr>
-          <p:cNvPr id="35" name="그림 34">
-            <a:extLst>
-              <a:ext uri="{FF2B5EF4-FFF2-40B4-BE49-F238E27FC236}">
-                <a16:creationId xmlns:a16="http://schemas.microsoft.com/office/drawing/2014/main" id="{A5EEB2CE-338A-503A-C78B-7277278A8F13}"/>
-              </a:ext>
-            </a:extLst>
-          </p:cNvPr>
-          <p:cNvPicPr>
-            <a:picLocks noChangeAspect="1"/>
-          </p:cNvPicPr>
-          <p:nvPr/>
-        </p:nvPicPr>
-        <p:blipFill>
-          <a:blip r:embed="rId11">
-            <a:extLst>
-              <a:ext uri="{28A0092B-C50C-407E-A947-70E740481C1C}">
-                <a14:useLocalDpi xmlns:a14="http://schemas.microsoft.com/office/drawing/2010/main" val="0"/>
-              </a:ext>
-            </a:extLst>
-          </a:blip>
-          <a:stretch>
-            <a:fillRect/>
-          </a:stretch>
-        </p:blipFill>
-        <p:spPr>
-          <a:xfrm>
-            <a:off x="5453027" y="1133056"/>
-            <a:ext cx="862241" cy="862241"/>
-          </a:xfrm>
-          <a:prstGeom prst="rect">
-            <a:avLst/>
-          </a:prstGeom>
-        </p:spPr>
-      </p:pic>
-      <p:sp>
-        <p:nvSpPr>
-          <p:cNvPr id="36" name="직사각형 35">
-            <a:extLst>
-              <a:ext uri="{FF2B5EF4-FFF2-40B4-BE49-F238E27FC236}">
-                <a16:creationId xmlns:a16="http://schemas.microsoft.com/office/drawing/2014/main" id="{1A147BC3-50AC-7030-7062-0E91A4C186C7}"/>
-              </a:ext>
-            </a:extLst>
-          </p:cNvPr>
-          <p:cNvSpPr/>
-          <p:nvPr/>
-        </p:nvSpPr>
-        <p:spPr>
-          <a:xfrm>
-            <a:off x="4881310" y="2679036"/>
-            <a:ext cx="2090816" cy="464240"/>
-          </a:xfrm>
-          <a:prstGeom prst="rect">
-            <a:avLst/>
-          </a:prstGeom>
-        </p:spPr>
-        <p:style>
-          <a:lnRef idx="2">
-            <a:schemeClr val="accent1">
-              <a:shade val="15000"/>
-            </a:schemeClr>
-          </a:lnRef>
-          <a:fillRef idx="1">
-            <a:schemeClr val="accent1"/>
-          </a:fillRef>
-          <a:effectRef idx="0">
-            <a:schemeClr val="accent1"/>
-          </a:effectRef>
-          <a:fontRef idx="minor">
-            <a:schemeClr val="lt1"/>
-          </a:fontRef>
-        </p:style>
-        <p:txBody>
-          <a:bodyPr rtlCol="0" anchor="ctr"/>
-          <a:lstStyle/>
-          <a:p>
-            <a:pPr algn="ctr"/>
-            <a:r>
-              <a:rPr lang="ko-KR" altLang="en-US"/>
-              <a:t>둘레</a:t>
-            </a:r>
-            <a:r>
-              <a:rPr lang="en-US" altLang="ko-KR"/>
-              <a:t>: 195~220mm</a:t>
+      <p:sp>
+        <p:nvSpPr>
+          <p:cNvPr id="3" name="내용 개체 틀 2"/>
+          <p:cNvSpPr>
+            <a:spLocks noGrp="1"/>
+          </p:cNvSpPr>
+          <p:nvPr>
+            <p:ph idx="1"/>
+          </p:nvPr>
+        </p:nvSpPr>
+        <p:spPr/>
+        <p:txBody>
+          <a:bodyPr/>
+          <a:lstStyle/>
+          <a:p>
+            <a:r>
+              <a:rPr lang="ko-KR" altLang="en-US"/>
+              <a:t>공</a:t>
+            </a:r>
+            <a:r>
+              <a:rPr lang="ko-KR" altLang="en-US" smtClean="0"/>
+              <a:t>들의 다음 </a:t>
+            </a:r>
+            <a:r>
+              <a:rPr lang="en-US" altLang="ko-KR" smtClean="0"/>
+              <a:t>next </a:t>
+            </a:r>
+            <a:r>
+              <a:rPr lang="ko-KR" altLang="en-US" smtClean="0"/>
+              <a:t>과일을 미리 알 수 있다</a:t>
+            </a:r>
+            <a:r>
+              <a:rPr lang="en-US" altLang="ko-KR" smtClean="0"/>
+              <a:t>.</a:t>
+            </a:r>
+            <a:r>
+              <a:rPr lang="ko-KR" altLang="en-US" smtClean="0"/>
+              <a:t> </a:t>
+            </a:r>
+            <a:endParaRPr lang="en-US" altLang="ko-KR" smtClean="0"/>
+          </a:p>
+          <a:p>
+            <a:r>
+              <a:rPr lang="ko-KR" altLang="en-US"/>
+              <a:t>공</a:t>
+            </a:r>
+            <a:r>
+              <a:rPr lang="ko-KR" altLang="en-US" smtClean="0"/>
+              <a:t>이 어디로 떨어질지 선으로 표시된다</a:t>
+            </a:r>
+            <a:r>
+              <a:rPr lang="en-US" altLang="ko-KR" smtClean="0"/>
+              <a:t>.</a:t>
+            </a:r>
+          </a:p>
+          <a:p>
+            <a:r>
+              <a:rPr lang="ko-KR" altLang="en-US" smtClean="0"/>
+              <a:t>화면에 공들의 진화 과정이 표시된다</a:t>
+            </a:r>
+            <a:r>
+              <a:rPr lang="en-US" altLang="ko-KR" smtClean="0"/>
+              <a:t>.</a:t>
             </a:r>
             <a:endParaRPr lang="ko-KR" altLang="en-US"/>
-          </a:p>
-        </p:txBody>
-      </p:sp>
-      <p:sp>
-        <p:nvSpPr>
-          <p:cNvPr id="38" name="직사각형 37">
-            <a:extLst>
-              <a:ext uri="{FF2B5EF4-FFF2-40B4-BE49-F238E27FC236}">
-                <a16:creationId xmlns:a16="http://schemas.microsoft.com/office/drawing/2014/main" id="{0788B6BB-ECCD-F16C-F891-591340603271}"/>
-              </a:ext>
-            </a:extLst>
-          </p:cNvPr>
-          <p:cNvSpPr/>
-          <p:nvPr/>
-        </p:nvSpPr>
-        <p:spPr>
-          <a:xfrm>
-            <a:off x="561643" y="2821732"/>
-            <a:ext cx="1839792" cy="397933"/>
-          </a:xfrm>
-          <a:prstGeom prst="rect">
-            <a:avLst/>
-          </a:prstGeom>
-        </p:spPr>
-        <p:style>
-          <a:lnRef idx="2">
-            <a:schemeClr val="accent1">
-              <a:shade val="15000"/>
-            </a:schemeClr>
-          </a:lnRef>
-          <a:fillRef idx="1">
-            <a:schemeClr val="accent1"/>
-          </a:fillRef>
-          <a:effectRef idx="0">
-            <a:schemeClr val="accent1"/>
-          </a:effectRef>
-          <a:fontRef idx="minor">
-            <a:schemeClr val="lt1"/>
-          </a:fontRef>
-        </p:style>
-        <p:txBody>
-          <a:bodyPr rtlCol="0" anchor="ctr"/>
-          <a:lstStyle/>
-          <a:p>
-            <a:pPr algn="ctr"/>
-            <a:r>
-              <a:rPr lang="ko-KR" altLang="en-US"/>
-              <a:t>둘레</a:t>
-            </a:r>
-            <a:r>
-              <a:rPr lang="en-US" altLang="ko-KR"/>
-              <a:t>: 134mm</a:t>
-            </a:r>
-            <a:endParaRPr lang="ko-KR" altLang="en-US"/>
-          </a:p>
-        </p:txBody>
-      </p:sp>
-      <p:sp>
-        <p:nvSpPr>
-          <p:cNvPr id="39" name="직사각형 38">
-            <a:extLst>
-              <a:ext uri="{FF2B5EF4-FFF2-40B4-BE49-F238E27FC236}">
-                <a16:creationId xmlns:a16="http://schemas.microsoft.com/office/drawing/2014/main" id="{DC01C9B2-5D4D-132F-0033-1110A6C4A0C5}"/>
-              </a:ext>
-            </a:extLst>
-          </p:cNvPr>
-          <p:cNvSpPr/>
-          <p:nvPr/>
-        </p:nvSpPr>
-        <p:spPr>
-          <a:xfrm>
-            <a:off x="503604" y="2261026"/>
-            <a:ext cx="1955870" cy="397933"/>
-          </a:xfrm>
-          <a:prstGeom prst="rect">
-            <a:avLst/>
-          </a:prstGeom>
-        </p:spPr>
-        <p:style>
-          <a:lnRef idx="2">
-            <a:schemeClr val="accent1">
-              <a:shade val="15000"/>
-            </a:schemeClr>
-          </a:lnRef>
-          <a:fillRef idx="1">
-            <a:schemeClr val="accent1"/>
-          </a:fillRef>
-          <a:effectRef idx="0">
-            <a:schemeClr val="accent1"/>
-          </a:effectRef>
-          <a:fontRef idx="minor">
-            <a:schemeClr val="lt1"/>
-          </a:fontRef>
-        </p:style>
-        <p:txBody>
-          <a:bodyPr rtlCol="0" anchor="ctr"/>
-          <a:lstStyle/>
-          <a:p>
-            <a:pPr algn="ctr"/>
-            <a:r>
-              <a:rPr lang="ko-KR" altLang="en-US"/>
-              <a:t>직경</a:t>
-            </a:r>
-            <a:r>
-              <a:rPr lang="en-US" altLang="ko-KR"/>
-              <a:t>: 42.67 mm</a:t>
-            </a:r>
-            <a:endParaRPr lang="ko-KR" altLang="en-US"/>
-          </a:p>
-        </p:txBody>
-      </p:sp>
-      <p:pic>
-        <p:nvPicPr>
-          <p:cNvPr id="42" name="그림 41">
-            <a:extLst>
-              <a:ext uri="{FF2B5EF4-FFF2-40B4-BE49-F238E27FC236}">
-                <a16:creationId xmlns:a16="http://schemas.microsoft.com/office/drawing/2014/main" id="{44984C31-3F31-B45E-DB94-BF27422BEE18}"/>
-              </a:ext>
-            </a:extLst>
-          </p:cNvPr>
-          <p:cNvPicPr>
-            <a:picLocks noChangeAspect="1"/>
-          </p:cNvPicPr>
-          <p:nvPr/>
-        </p:nvPicPr>
-        <p:blipFill>
-          <a:blip r:embed="rId12">
-            <a:extLst>
-              <a:ext uri="{28A0092B-C50C-407E-A947-70E740481C1C}">
-                <a14:useLocalDpi xmlns:a14="http://schemas.microsoft.com/office/drawing/2010/main" val="0"/>
-              </a:ext>
-            </a:extLst>
-          </a:blip>
-          <a:stretch>
-            <a:fillRect/>
-          </a:stretch>
-        </p:blipFill>
-        <p:spPr>
-          <a:xfrm>
-            <a:off x="5346727" y="3498670"/>
-            <a:ext cx="1094857" cy="1094857"/>
-          </a:xfrm>
-          <a:prstGeom prst="rect">
-            <a:avLst/>
-          </a:prstGeom>
-        </p:spPr>
-      </p:pic>
-      <p:sp>
-        <p:nvSpPr>
-          <p:cNvPr id="43" name="직사각형 42">
-            <a:extLst>
-              <a:ext uri="{FF2B5EF4-FFF2-40B4-BE49-F238E27FC236}">
-                <a16:creationId xmlns:a16="http://schemas.microsoft.com/office/drawing/2014/main" id="{6672D3D3-8C40-C9DD-CD81-342A90CC95DE}"/>
-              </a:ext>
-            </a:extLst>
-          </p:cNvPr>
-          <p:cNvSpPr/>
-          <p:nvPr/>
-        </p:nvSpPr>
-        <p:spPr>
-          <a:xfrm>
-            <a:off x="7377595" y="2194051"/>
-            <a:ext cx="1543646" cy="397933"/>
-          </a:xfrm>
-          <a:prstGeom prst="rect">
-            <a:avLst/>
-          </a:prstGeom>
-        </p:spPr>
-        <p:style>
-          <a:lnRef idx="2">
-            <a:schemeClr val="accent1">
-              <a:shade val="15000"/>
-            </a:schemeClr>
-          </a:lnRef>
-          <a:fillRef idx="1">
-            <a:schemeClr val="accent1"/>
-          </a:fillRef>
-          <a:effectRef idx="0">
-            <a:schemeClr val="accent1"/>
-          </a:effectRef>
-          <a:fontRef idx="minor">
-            <a:schemeClr val="lt1"/>
-          </a:fontRef>
-        </p:style>
-        <p:txBody>
-          <a:bodyPr rtlCol="0" anchor="ctr"/>
-          <a:lstStyle/>
-          <a:p>
-            <a:pPr algn="ctr"/>
-            <a:r>
-              <a:rPr lang="ko-KR" altLang="en-US"/>
-              <a:t>직경</a:t>
-            </a:r>
-            <a:r>
-              <a:rPr lang="en-US" altLang="ko-KR"/>
-              <a:t>: 67mm </a:t>
-            </a:r>
-            <a:endParaRPr lang="ko-KR" altLang="en-US"/>
-          </a:p>
-        </p:txBody>
-      </p:sp>
-      <p:sp>
-        <p:nvSpPr>
-          <p:cNvPr id="44" name="직사각형 43">
-            <a:extLst>
-              <a:ext uri="{FF2B5EF4-FFF2-40B4-BE49-F238E27FC236}">
-                <a16:creationId xmlns:a16="http://schemas.microsoft.com/office/drawing/2014/main" id="{2FD38241-4F45-F74C-23CE-0BF2969CCCB0}"/>
-              </a:ext>
-            </a:extLst>
-          </p:cNvPr>
-          <p:cNvSpPr/>
-          <p:nvPr/>
-        </p:nvSpPr>
-        <p:spPr>
-          <a:xfrm>
-            <a:off x="7377595" y="2753384"/>
-            <a:ext cx="1640093" cy="464240"/>
-          </a:xfrm>
-          <a:prstGeom prst="rect">
-            <a:avLst/>
-          </a:prstGeom>
-        </p:spPr>
-        <p:style>
-          <a:lnRef idx="2">
-            <a:schemeClr val="accent1">
-              <a:shade val="15000"/>
-            </a:schemeClr>
-          </a:lnRef>
-          <a:fillRef idx="1">
-            <a:schemeClr val="accent1"/>
-          </a:fillRef>
-          <a:effectRef idx="0">
-            <a:schemeClr val="accent1"/>
-          </a:effectRef>
-          <a:fontRef idx="minor">
-            <a:schemeClr val="lt1"/>
-          </a:fontRef>
-        </p:style>
-        <p:txBody>
-          <a:bodyPr rtlCol="0" anchor="ctr"/>
-          <a:lstStyle/>
-          <a:p>
-            <a:pPr algn="ctr"/>
-            <a:r>
-              <a:rPr lang="ko-KR" altLang="en-US"/>
-              <a:t>둘레</a:t>
-            </a:r>
-            <a:r>
-              <a:rPr lang="en-US" altLang="ko-KR"/>
-              <a:t>: 210mm</a:t>
-            </a:r>
-            <a:endParaRPr lang="ko-KR" altLang="en-US"/>
-          </a:p>
-        </p:txBody>
-      </p:sp>
-      <p:sp>
-        <p:nvSpPr>
-          <p:cNvPr id="45" name="직사각형 44">
-            <a:extLst>
-              <a:ext uri="{FF2B5EF4-FFF2-40B4-BE49-F238E27FC236}">
-                <a16:creationId xmlns:a16="http://schemas.microsoft.com/office/drawing/2014/main" id="{46391107-90A1-FEFF-FEE6-2524F9E24748}"/>
-              </a:ext>
-            </a:extLst>
-          </p:cNvPr>
-          <p:cNvSpPr/>
-          <p:nvPr/>
-        </p:nvSpPr>
-        <p:spPr>
-          <a:xfrm>
-            <a:off x="374229" y="4655808"/>
-            <a:ext cx="2110990" cy="397933"/>
-          </a:xfrm>
-          <a:prstGeom prst="rect">
-            <a:avLst/>
-          </a:prstGeom>
-        </p:spPr>
-        <p:style>
-          <a:lnRef idx="2">
-            <a:schemeClr val="accent1">
-              <a:shade val="15000"/>
-            </a:schemeClr>
-          </a:lnRef>
-          <a:fillRef idx="1">
-            <a:schemeClr val="accent1"/>
-          </a:fillRef>
-          <a:effectRef idx="0">
-            <a:schemeClr val="accent1"/>
-          </a:effectRef>
-          <a:fontRef idx="minor">
-            <a:schemeClr val="lt1"/>
-          </a:fontRef>
-        </p:style>
-        <p:txBody>
-          <a:bodyPr rtlCol="0" anchor="ctr"/>
-          <a:lstStyle/>
-          <a:p>
-            <a:pPr algn="ctr"/>
-            <a:r>
-              <a:rPr lang="ko-KR" altLang="en-US"/>
-              <a:t>직경</a:t>
-            </a:r>
-            <a:r>
-              <a:rPr lang="en-US" altLang="ko-KR"/>
-              <a:t>: 185~197mm </a:t>
-            </a:r>
-            <a:endParaRPr lang="ko-KR" altLang="en-US"/>
-          </a:p>
-        </p:txBody>
-      </p:sp>
-      <p:sp>
-        <p:nvSpPr>
-          <p:cNvPr id="46" name="직사각형 45">
-            <a:extLst>
-              <a:ext uri="{FF2B5EF4-FFF2-40B4-BE49-F238E27FC236}">
-                <a16:creationId xmlns:a16="http://schemas.microsoft.com/office/drawing/2014/main" id="{21DA02F1-DA68-D19F-0344-1BD2D9E7E116}"/>
-              </a:ext>
-            </a:extLst>
-          </p:cNvPr>
-          <p:cNvSpPr/>
-          <p:nvPr/>
-        </p:nvSpPr>
-        <p:spPr>
-          <a:xfrm>
-            <a:off x="385892" y="5110081"/>
-            <a:ext cx="2099327" cy="464240"/>
-          </a:xfrm>
-          <a:prstGeom prst="rect">
-            <a:avLst/>
-          </a:prstGeom>
-        </p:spPr>
-        <p:style>
-          <a:lnRef idx="2">
-            <a:schemeClr val="accent1">
-              <a:shade val="15000"/>
-            </a:schemeClr>
-          </a:lnRef>
-          <a:fillRef idx="1">
-            <a:schemeClr val="accent1"/>
-          </a:fillRef>
-          <a:effectRef idx="0">
-            <a:schemeClr val="accent1"/>
-          </a:effectRef>
-          <a:fontRef idx="minor">
-            <a:schemeClr val="lt1"/>
-          </a:fontRef>
-        </p:style>
-        <p:txBody>
-          <a:bodyPr rtlCol="0" anchor="ctr"/>
-          <a:lstStyle/>
-          <a:p>
-            <a:pPr algn="ctr"/>
-            <a:r>
-              <a:rPr lang="ko-KR" altLang="en-US"/>
-              <a:t>둘레</a:t>
-            </a:r>
-            <a:r>
-              <a:rPr lang="en-US" altLang="ko-KR"/>
-              <a:t>: 580~620mm</a:t>
-            </a:r>
-            <a:endParaRPr lang="ko-KR" altLang="en-US"/>
-          </a:p>
-        </p:txBody>
-      </p:sp>
-      <p:sp>
-        <p:nvSpPr>
-          <p:cNvPr id="47" name="직사각형 46">
-            <a:extLst>
-              <a:ext uri="{FF2B5EF4-FFF2-40B4-BE49-F238E27FC236}">
-                <a16:creationId xmlns:a16="http://schemas.microsoft.com/office/drawing/2014/main" id="{E0CC6EA9-F1AD-E75B-23E8-12D39691DC60}"/>
-              </a:ext>
-            </a:extLst>
-          </p:cNvPr>
-          <p:cNvSpPr/>
-          <p:nvPr/>
-        </p:nvSpPr>
-        <p:spPr>
-          <a:xfrm>
-            <a:off x="2750541" y="2183033"/>
-            <a:ext cx="1846212" cy="397933"/>
-          </a:xfrm>
-          <a:prstGeom prst="rect">
-            <a:avLst/>
-          </a:prstGeom>
-        </p:spPr>
-        <p:style>
-          <a:lnRef idx="2">
-            <a:schemeClr val="accent1">
-              <a:shade val="15000"/>
-            </a:schemeClr>
-          </a:lnRef>
-          <a:fillRef idx="1">
-            <a:schemeClr val="accent1"/>
-          </a:fillRef>
-          <a:effectRef idx="0">
-            <a:schemeClr val="accent1"/>
-          </a:effectRef>
-          <a:fontRef idx="minor">
-            <a:schemeClr val="lt1"/>
-          </a:fontRef>
-        </p:style>
-        <p:txBody>
-          <a:bodyPr rtlCol="0" anchor="ctr"/>
-          <a:lstStyle/>
-          <a:p>
-            <a:pPr algn="ctr"/>
-            <a:r>
-              <a:rPr lang="ko-KR" altLang="en-US"/>
-              <a:t>직경</a:t>
-            </a:r>
-            <a:r>
-              <a:rPr lang="en-US" altLang="ko-KR"/>
-              <a:t>: 57.1mm </a:t>
-            </a:r>
-            <a:endParaRPr lang="ko-KR" altLang="en-US"/>
-          </a:p>
-        </p:txBody>
-      </p:sp>
-      <p:sp>
-        <p:nvSpPr>
-          <p:cNvPr id="48" name="직사각형 47">
-            <a:extLst>
-              <a:ext uri="{FF2B5EF4-FFF2-40B4-BE49-F238E27FC236}">
-                <a16:creationId xmlns:a16="http://schemas.microsoft.com/office/drawing/2014/main" id="{A181B722-0386-B057-1106-749CB832F2E1}"/>
-              </a:ext>
-            </a:extLst>
-          </p:cNvPr>
-          <p:cNvSpPr/>
-          <p:nvPr/>
-        </p:nvSpPr>
-        <p:spPr>
-          <a:xfrm>
-            <a:off x="2682788" y="2833092"/>
-            <a:ext cx="1839792" cy="397933"/>
-          </a:xfrm>
-          <a:prstGeom prst="rect">
-            <a:avLst/>
-          </a:prstGeom>
-        </p:spPr>
-        <p:style>
-          <a:lnRef idx="2">
-            <a:schemeClr val="accent1">
-              <a:shade val="15000"/>
-            </a:schemeClr>
-          </a:lnRef>
-          <a:fillRef idx="1">
-            <a:schemeClr val="accent1"/>
-          </a:fillRef>
-          <a:effectRef idx="0">
-            <a:schemeClr val="accent1"/>
-          </a:effectRef>
-          <a:fontRef idx="minor">
-            <a:schemeClr val="lt1"/>
-          </a:fontRef>
-        </p:style>
-        <p:txBody>
-          <a:bodyPr rtlCol="0" anchor="ctr"/>
-          <a:lstStyle/>
-          <a:p>
-            <a:pPr algn="ctr"/>
-            <a:r>
-              <a:rPr lang="ko-KR" altLang="en-US"/>
-              <a:t>둘레</a:t>
-            </a:r>
-            <a:r>
-              <a:rPr lang="en-US" altLang="ko-KR"/>
-              <a:t>: 179mm</a:t>
-            </a:r>
-            <a:endParaRPr lang="ko-KR" altLang="en-US"/>
-          </a:p>
-        </p:txBody>
-      </p:sp>
-      <p:sp>
-        <p:nvSpPr>
-          <p:cNvPr id="49" name="직사각형 48">
-            <a:extLst>
-              <a:ext uri="{FF2B5EF4-FFF2-40B4-BE49-F238E27FC236}">
-                <a16:creationId xmlns:a16="http://schemas.microsoft.com/office/drawing/2014/main" id="{085D91F1-D1B5-4A67-9123-B63557B5A8AD}"/>
-              </a:ext>
-            </a:extLst>
-          </p:cNvPr>
-          <p:cNvSpPr/>
-          <p:nvPr/>
-        </p:nvSpPr>
-        <p:spPr>
-          <a:xfrm>
-            <a:off x="9410285" y="2854388"/>
-            <a:ext cx="2183533" cy="397933"/>
-          </a:xfrm>
-          <a:prstGeom prst="rect">
-            <a:avLst/>
-          </a:prstGeom>
-        </p:spPr>
-        <p:style>
-          <a:lnRef idx="2">
-            <a:schemeClr val="accent1">
-              <a:shade val="15000"/>
-            </a:schemeClr>
-          </a:lnRef>
-          <a:fillRef idx="1">
-            <a:schemeClr val="accent1"/>
-          </a:fillRef>
-          <a:effectRef idx="0">
-            <a:schemeClr val="accent1"/>
-          </a:effectRef>
-          <a:fontRef idx="minor">
-            <a:schemeClr val="lt1"/>
-          </a:fontRef>
-        </p:style>
-        <p:txBody>
-          <a:bodyPr rtlCol="0" anchor="ctr"/>
-          <a:lstStyle/>
-          <a:p>
-            <a:pPr algn="ctr"/>
-            <a:r>
-              <a:rPr lang="ko-KR" altLang="en-US"/>
-              <a:t>둘레</a:t>
-            </a:r>
-            <a:r>
-              <a:rPr lang="en-US" altLang="ko-KR"/>
-              <a:t>: 229~235mm </a:t>
-            </a:r>
-            <a:endParaRPr lang="ko-KR" altLang="en-US"/>
-          </a:p>
-        </p:txBody>
-      </p:sp>
-      <p:sp>
-        <p:nvSpPr>
-          <p:cNvPr id="51" name="직사각형 50">
-            <a:extLst>
-              <a:ext uri="{FF2B5EF4-FFF2-40B4-BE49-F238E27FC236}">
-                <a16:creationId xmlns:a16="http://schemas.microsoft.com/office/drawing/2014/main" id="{7C032EC4-924C-5FA6-7815-0E47DBE8AFEE}"/>
-              </a:ext>
-            </a:extLst>
-          </p:cNvPr>
-          <p:cNvSpPr/>
-          <p:nvPr/>
-        </p:nvSpPr>
-        <p:spPr>
-          <a:xfrm>
-            <a:off x="2615805" y="5193458"/>
-            <a:ext cx="2183533" cy="397933"/>
-          </a:xfrm>
-          <a:prstGeom prst="rect">
-            <a:avLst/>
-          </a:prstGeom>
-        </p:spPr>
-        <p:style>
-          <a:lnRef idx="2">
-            <a:schemeClr val="accent1">
-              <a:shade val="15000"/>
-            </a:schemeClr>
-          </a:lnRef>
-          <a:fillRef idx="1">
-            <a:schemeClr val="accent1"/>
-          </a:fillRef>
-          <a:effectRef idx="0">
-            <a:schemeClr val="accent1"/>
-          </a:effectRef>
-          <a:fontRef idx="minor">
-            <a:schemeClr val="lt1"/>
-          </a:fontRef>
-        </p:style>
-        <p:txBody>
-          <a:bodyPr rtlCol="0" anchor="ctr"/>
-          <a:lstStyle/>
-          <a:p>
-            <a:pPr algn="ctr"/>
-            <a:r>
-              <a:rPr lang="ko-KR" altLang="en-US"/>
-              <a:t>둘레</a:t>
-            </a:r>
-            <a:r>
-              <a:rPr lang="en-US" altLang="ko-KR"/>
-              <a:t>: 650~670mm </a:t>
-            </a:r>
-            <a:endParaRPr lang="ko-KR" altLang="en-US"/>
-          </a:p>
-        </p:txBody>
-      </p:sp>
-      <p:sp>
-        <p:nvSpPr>
-          <p:cNvPr id="52" name="직사각형 51">
-            <a:extLst>
-              <a:ext uri="{FF2B5EF4-FFF2-40B4-BE49-F238E27FC236}">
-                <a16:creationId xmlns:a16="http://schemas.microsoft.com/office/drawing/2014/main" id="{63C3D00B-8881-5DE1-2C7C-DEEADD6A61A5}"/>
-              </a:ext>
-            </a:extLst>
-          </p:cNvPr>
-          <p:cNvSpPr/>
-          <p:nvPr/>
-        </p:nvSpPr>
-        <p:spPr>
-          <a:xfrm>
-            <a:off x="9324681" y="2185206"/>
-            <a:ext cx="2455797" cy="397933"/>
-          </a:xfrm>
-          <a:prstGeom prst="rect">
-            <a:avLst/>
-          </a:prstGeom>
-        </p:spPr>
-        <p:style>
-          <a:lnRef idx="2">
-            <a:schemeClr val="accent1">
-              <a:shade val="15000"/>
-            </a:schemeClr>
-          </a:lnRef>
-          <a:fillRef idx="1">
-            <a:schemeClr val="accent1"/>
-          </a:fillRef>
-          <a:effectRef idx="0">
-            <a:schemeClr val="accent1"/>
-          </a:effectRef>
-          <a:fontRef idx="minor">
-            <a:schemeClr val="lt1"/>
-          </a:fontRef>
-        </p:style>
-        <p:txBody>
-          <a:bodyPr rtlCol="0" anchor="ctr"/>
-          <a:lstStyle/>
-          <a:p>
-            <a:pPr algn="ctr"/>
-            <a:r>
-              <a:rPr lang="ko-KR" altLang="en-US"/>
-              <a:t>직경</a:t>
-            </a:r>
-            <a:r>
-              <a:rPr lang="en-US" altLang="ko-KR"/>
-              <a:t>: 73~75mm </a:t>
-            </a:r>
-            <a:endParaRPr lang="ko-KR" altLang="en-US"/>
-          </a:p>
-        </p:txBody>
-      </p:sp>
-      <p:sp>
-        <p:nvSpPr>
-          <p:cNvPr id="53" name="직사각형 52">
-            <a:extLst>
-              <a:ext uri="{FF2B5EF4-FFF2-40B4-BE49-F238E27FC236}">
-                <a16:creationId xmlns:a16="http://schemas.microsoft.com/office/drawing/2014/main" id="{9CA211B2-D70C-DB8D-6DA0-40CB2B2779AA}"/>
-              </a:ext>
-            </a:extLst>
-          </p:cNvPr>
-          <p:cNvSpPr/>
-          <p:nvPr/>
-        </p:nvSpPr>
-        <p:spPr>
-          <a:xfrm>
-            <a:off x="2636471" y="4692748"/>
-            <a:ext cx="2097499" cy="397933"/>
-          </a:xfrm>
-          <a:prstGeom prst="rect">
-            <a:avLst/>
-          </a:prstGeom>
-        </p:spPr>
-        <p:style>
-          <a:lnRef idx="2">
-            <a:schemeClr val="accent1">
-              <a:shade val="15000"/>
-            </a:schemeClr>
-          </a:lnRef>
-          <a:fillRef idx="1">
-            <a:schemeClr val="accent1"/>
-          </a:fillRef>
-          <a:effectRef idx="0">
-            <a:schemeClr val="accent1"/>
-          </a:effectRef>
-          <a:fontRef idx="minor">
-            <a:schemeClr val="lt1"/>
-          </a:fontRef>
-        </p:style>
-        <p:txBody>
-          <a:bodyPr rtlCol="0" anchor="ctr"/>
-          <a:lstStyle/>
-          <a:p>
-            <a:pPr algn="ctr"/>
-            <a:r>
-              <a:rPr lang="ko-KR" altLang="en-US"/>
-              <a:t>직경</a:t>
-            </a:r>
-            <a:r>
-              <a:rPr lang="en-US" altLang="ko-KR"/>
-              <a:t>: 207~213mm </a:t>
-            </a:r>
-            <a:endParaRPr lang="ko-KR" altLang="en-US"/>
-          </a:p>
-        </p:txBody>
-      </p:sp>
-      <p:sp>
-        <p:nvSpPr>
-          <p:cNvPr id="54" name="직사각형 53">
-            <a:extLst>
-              <a:ext uri="{FF2B5EF4-FFF2-40B4-BE49-F238E27FC236}">
-                <a16:creationId xmlns:a16="http://schemas.microsoft.com/office/drawing/2014/main" id="{663B41FC-6A13-1638-2E05-8632B3E55291}"/>
-              </a:ext>
-            </a:extLst>
-          </p:cNvPr>
-          <p:cNvSpPr/>
-          <p:nvPr/>
-        </p:nvSpPr>
-        <p:spPr>
-          <a:xfrm>
-            <a:off x="4919564" y="4676938"/>
-            <a:ext cx="2097498" cy="397933"/>
-          </a:xfrm>
-          <a:prstGeom prst="rect">
-            <a:avLst/>
-          </a:prstGeom>
-        </p:spPr>
-        <p:style>
-          <a:lnRef idx="2">
-            <a:schemeClr val="accent1">
-              <a:shade val="15000"/>
-            </a:schemeClr>
-          </a:lnRef>
-          <a:fillRef idx="1">
-            <a:schemeClr val="accent1"/>
-          </a:fillRef>
-          <a:effectRef idx="0">
-            <a:schemeClr val="accent1"/>
-          </a:effectRef>
-          <a:fontRef idx="minor">
-            <a:schemeClr val="lt1"/>
-          </a:fontRef>
-        </p:style>
-        <p:txBody>
-          <a:bodyPr rtlCol="0" anchor="ctr"/>
-          <a:lstStyle/>
-          <a:p>
-            <a:pPr algn="ctr"/>
-            <a:r>
-              <a:rPr lang="ko-KR" altLang="en-US"/>
-              <a:t>직경</a:t>
-            </a:r>
-            <a:r>
-              <a:rPr lang="en-US" altLang="ko-KR"/>
-              <a:t>: 207~213mm </a:t>
-            </a:r>
-            <a:endParaRPr lang="ko-KR" altLang="en-US"/>
-          </a:p>
-        </p:txBody>
-      </p:sp>
-      <p:sp>
-        <p:nvSpPr>
-          <p:cNvPr id="56" name="직사각형 55">
-            <a:extLst>
-              <a:ext uri="{FF2B5EF4-FFF2-40B4-BE49-F238E27FC236}">
-                <a16:creationId xmlns:a16="http://schemas.microsoft.com/office/drawing/2014/main" id="{B930D73D-21C3-889D-48C1-DD6E4F2956F4}"/>
-              </a:ext>
-            </a:extLst>
-          </p:cNvPr>
-          <p:cNvSpPr/>
-          <p:nvPr/>
-        </p:nvSpPr>
-        <p:spPr>
-          <a:xfrm>
-            <a:off x="4977058" y="5184013"/>
-            <a:ext cx="2183533" cy="397933"/>
-          </a:xfrm>
-          <a:prstGeom prst="rect">
-            <a:avLst/>
-          </a:prstGeom>
-        </p:spPr>
-        <p:style>
-          <a:lnRef idx="2">
-            <a:schemeClr val="accent1">
-              <a:shade val="15000"/>
-            </a:schemeClr>
-          </a:lnRef>
-          <a:fillRef idx="1">
-            <a:schemeClr val="accent1"/>
-          </a:fillRef>
-          <a:effectRef idx="0">
-            <a:schemeClr val="accent1"/>
-          </a:effectRef>
-          <a:fontRef idx="minor">
-            <a:schemeClr val="lt1"/>
-          </a:fontRef>
-        </p:style>
-        <p:txBody>
-          <a:bodyPr rtlCol="0" anchor="ctr"/>
-          <a:lstStyle/>
-          <a:p>
-            <a:pPr algn="ctr"/>
-            <a:r>
-              <a:rPr lang="ko-KR" altLang="en-US"/>
-              <a:t>둘레</a:t>
-            </a:r>
-            <a:r>
-              <a:rPr lang="en-US" altLang="ko-KR"/>
-              <a:t>: 650~670mm </a:t>
-            </a:r>
-            <a:endParaRPr lang="ko-KR" altLang="en-US"/>
-          </a:p>
-        </p:txBody>
-      </p:sp>
-      <p:sp>
-        <p:nvSpPr>
-          <p:cNvPr id="57" name="직사각형 56">
-            <a:extLst>
-              <a:ext uri="{FF2B5EF4-FFF2-40B4-BE49-F238E27FC236}">
-                <a16:creationId xmlns:a16="http://schemas.microsoft.com/office/drawing/2014/main" id="{26EF4949-B385-5AD0-9914-1C98A562E22D}"/>
-              </a:ext>
-            </a:extLst>
-          </p:cNvPr>
-          <p:cNvSpPr/>
-          <p:nvPr/>
-        </p:nvSpPr>
-        <p:spPr>
-          <a:xfrm>
-            <a:off x="9737757" y="5193458"/>
-            <a:ext cx="2183533" cy="397933"/>
-          </a:xfrm>
-          <a:prstGeom prst="rect">
-            <a:avLst/>
-          </a:prstGeom>
-        </p:spPr>
-        <p:style>
-          <a:lnRef idx="2">
-            <a:schemeClr val="accent1">
-              <a:shade val="15000"/>
-            </a:schemeClr>
-          </a:lnRef>
-          <a:fillRef idx="1">
-            <a:schemeClr val="accent1"/>
-          </a:fillRef>
-          <a:effectRef idx="0">
-            <a:schemeClr val="accent1"/>
-          </a:effectRef>
-          <a:fontRef idx="minor">
-            <a:schemeClr val="lt1"/>
-          </a:fontRef>
-        </p:style>
-        <p:txBody>
-          <a:bodyPr rtlCol="0" anchor="ctr"/>
-          <a:lstStyle/>
-          <a:p>
-            <a:pPr algn="ctr"/>
-            <a:r>
-              <a:rPr lang="ko-KR" altLang="en-US"/>
-              <a:t>둘레</a:t>
-            </a:r>
-            <a:r>
-              <a:rPr lang="en-US" altLang="ko-KR"/>
-              <a:t>: 680~700mm </a:t>
-            </a:r>
-            <a:endParaRPr lang="ko-KR" altLang="en-US"/>
-          </a:p>
-        </p:txBody>
-      </p:sp>
-      <p:sp>
-        <p:nvSpPr>
-          <p:cNvPr id="58" name="직사각형 57">
-            <a:extLst>
-              <a:ext uri="{FF2B5EF4-FFF2-40B4-BE49-F238E27FC236}">
-                <a16:creationId xmlns:a16="http://schemas.microsoft.com/office/drawing/2014/main" id="{D8F08E73-6593-4B24-22FB-CA95FFE4A7E3}"/>
-              </a:ext>
-            </a:extLst>
-          </p:cNvPr>
-          <p:cNvSpPr/>
-          <p:nvPr/>
-        </p:nvSpPr>
-        <p:spPr>
-          <a:xfrm>
-            <a:off x="9737757" y="4648947"/>
-            <a:ext cx="2113436" cy="397933"/>
-          </a:xfrm>
-          <a:prstGeom prst="rect">
-            <a:avLst/>
-          </a:prstGeom>
-        </p:spPr>
-        <p:style>
-          <a:lnRef idx="2">
-            <a:schemeClr val="accent1">
-              <a:shade val="15000"/>
-            </a:schemeClr>
-          </a:lnRef>
-          <a:fillRef idx="1">
-            <a:schemeClr val="accent1"/>
-          </a:fillRef>
-          <a:effectRef idx="0">
-            <a:schemeClr val="accent1"/>
-          </a:effectRef>
-          <a:fontRef idx="minor">
-            <a:schemeClr val="lt1"/>
-          </a:fontRef>
-        </p:style>
-        <p:txBody>
-          <a:bodyPr rtlCol="0" anchor="ctr"/>
-          <a:lstStyle/>
-          <a:p>
-            <a:pPr algn="ctr"/>
-            <a:r>
-              <a:rPr lang="ko-KR" altLang="en-US"/>
-              <a:t>직경</a:t>
-            </a:r>
-            <a:r>
-              <a:rPr lang="en-US" altLang="ko-KR"/>
-              <a:t>: 217~223mm </a:t>
-            </a:r>
-            <a:endParaRPr lang="ko-KR" altLang="en-US"/>
-          </a:p>
-        </p:txBody>
-      </p:sp>
-      <p:sp>
-        <p:nvSpPr>
-          <p:cNvPr id="59" name="직사각형 58">
-            <a:extLst>
-              <a:ext uri="{FF2B5EF4-FFF2-40B4-BE49-F238E27FC236}">
-                <a16:creationId xmlns:a16="http://schemas.microsoft.com/office/drawing/2014/main" id="{AB15E0BF-D692-A175-084A-6DDA05D4E646}"/>
-              </a:ext>
-            </a:extLst>
-          </p:cNvPr>
-          <p:cNvSpPr/>
-          <p:nvPr/>
-        </p:nvSpPr>
-        <p:spPr>
-          <a:xfrm>
-            <a:off x="6508029" y="5691281"/>
-            <a:ext cx="2113436" cy="397933"/>
-          </a:xfrm>
-          <a:prstGeom prst="rect">
-            <a:avLst/>
-          </a:prstGeom>
-        </p:spPr>
-        <p:style>
-          <a:lnRef idx="2">
-            <a:schemeClr val="accent1">
-              <a:shade val="15000"/>
-            </a:schemeClr>
-          </a:lnRef>
-          <a:fillRef idx="1">
-            <a:schemeClr val="accent1"/>
-          </a:fillRef>
-          <a:effectRef idx="0">
-            <a:schemeClr val="accent1"/>
-          </a:effectRef>
-          <a:fontRef idx="minor">
-            <a:schemeClr val="lt1"/>
-          </a:fontRef>
-        </p:style>
-        <p:txBody>
-          <a:bodyPr rtlCol="0" anchor="ctr"/>
-          <a:lstStyle/>
-          <a:p>
-            <a:pPr algn="ctr"/>
-            <a:r>
-              <a:rPr lang="ko-KR" altLang="en-US"/>
-              <a:t>직경</a:t>
-            </a:r>
-            <a:r>
-              <a:rPr lang="en-US" altLang="ko-KR"/>
-              <a:t>: 239mm </a:t>
-            </a:r>
-            <a:endParaRPr lang="ko-KR" altLang="en-US"/>
-          </a:p>
-        </p:txBody>
-      </p:sp>
-      <p:sp>
-        <p:nvSpPr>
-          <p:cNvPr id="60" name="직사각형 59">
-            <a:extLst>
-              <a:ext uri="{FF2B5EF4-FFF2-40B4-BE49-F238E27FC236}">
-                <a16:creationId xmlns:a16="http://schemas.microsoft.com/office/drawing/2014/main" id="{2626A68A-1D31-0961-DCD4-6D2A12B4332D}"/>
-              </a:ext>
-            </a:extLst>
-          </p:cNvPr>
-          <p:cNvSpPr/>
-          <p:nvPr/>
-        </p:nvSpPr>
-        <p:spPr>
-          <a:xfrm>
-            <a:off x="6494040" y="6272303"/>
-            <a:ext cx="2183533" cy="397933"/>
-          </a:xfrm>
-          <a:prstGeom prst="rect">
-            <a:avLst/>
-          </a:prstGeom>
-        </p:spPr>
-        <p:style>
-          <a:lnRef idx="2">
-            <a:schemeClr val="accent1">
-              <a:shade val="15000"/>
-            </a:schemeClr>
-          </a:lnRef>
-          <a:fillRef idx="1">
-            <a:schemeClr val="accent1"/>
-          </a:fillRef>
-          <a:effectRef idx="0">
-            <a:schemeClr val="accent1"/>
-          </a:effectRef>
-          <a:fontRef idx="minor">
-            <a:schemeClr val="lt1"/>
-          </a:fontRef>
-        </p:style>
-        <p:txBody>
-          <a:bodyPr rtlCol="0" anchor="ctr"/>
-          <a:lstStyle/>
-          <a:p>
-            <a:pPr algn="ctr"/>
-            <a:r>
-              <a:rPr lang="ko-KR" altLang="en-US"/>
-              <a:t>둘레</a:t>
-            </a:r>
-            <a:r>
-              <a:rPr lang="en-US" altLang="ko-KR"/>
-              <a:t>: 750mm </a:t>
-            </a:r>
-            <a:endParaRPr lang="ko-KR" altLang="en-US"/>
-          </a:p>
-        </p:txBody>
-      </p:sp>
-      <p:sp>
-        <p:nvSpPr>
-          <p:cNvPr id="61" name="직사각형 60">
-            <a:extLst>
-              <a:ext uri="{FF2B5EF4-FFF2-40B4-BE49-F238E27FC236}">
-                <a16:creationId xmlns:a16="http://schemas.microsoft.com/office/drawing/2014/main" id="{CC5478E4-3DE8-7B4D-C601-0563093142F1}"/>
-              </a:ext>
-            </a:extLst>
-          </p:cNvPr>
-          <p:cNvSpPr/>
-          <p:nvPr/>
-        </p:nvSpPr>
-        <p:spPr>
-          <a:xfrm>
-            <a:off x="7338311" y="4686107"/>
-            <a:ext cx="2113436" cy="397933"/>
-          </a:xfrm>
-          <a:prstGeom prst="rect">
-            <a:avLst/>
-          </a:prstGeom>
-        </p:spPr>
-        <p:style>
-          <a:lnRef idx="2">
-            <a:schemeClr val="accent1">
-              <a:shade val="15000"/>
-            </a:schemeClr>
-          </a:lnRef>
-          <a:fillRef idx="1">
-            <a:schemeClr val="accent1"/>
-          </a:fillRef>
-          <a:effectRef idx="0">
-            <a:schemeClr val="accent1"/>
-          </a:effectRef>
-          <a:fontRef idx="minor">
-            <a:schemeClr val="lt1"/>
-          </a:fontRef>
-        </p:style>
-        <p:txBody>
-          <a:bodyPr rtlCol="0" anchor="ctr"/>
-          <a:lstStyle/>
-          <a:p>
-            <a:pPr algn="ctr"/>
-            <a:r>
-              <a:rPr lang="ko-KR" altLang="en-US"/>
-              <a:t>직경</a:t>
-            </a:r>
-            <a:r>
-              <a:rPr lang="en-US" altLang="ko-KR"/>
-              <a:t>: 218mm </a:t>
-            </a:r>
-            <a:endParaRPr lang="ko-KR" altLang="en-US"/>
-          </a:p>
-        </p:txBody>
-      </p:sp>
-      <p:sp>
-        <p:nvSpPr>
-          <p:cNvPr id="62" name="직사각형 61">
-            <a:extLst>
-              <a:ext uri="{FF2B5EF4-FFF2-40B4-BE49-F238E27FC236}">
-                <a16:creationId xmlns:a16="http://schemas.microsoft.com/office/drawing/2014/main" id="{A44FD3F0-8894-A183-C2A5-958F06504415}"/>
-              </a:ext>
-            </a:extLst>
-          </p:cNvPr>
-          <p:cNvSpPr/>
-          <p:nvPr/>
-        </p:nvSpPr>
-        <p:spPr>
-          <a:xfrm>
-            <a:off x="7377595" y="5180370"/>
-            <a:ext cx="2183533" cy="397933"/>
-          </a:xfrm>
-          <a:prstGeom prst="rect">
-            <a:avLst/>
-          </a:prstGeom>
-        </p:spPr>
-        <p:style>
-          <a:lnRef idx="2">
-            <a:schemeClr val="accent1">
-              <a:shade val="15000"/>
-            </a:schemeClr>
-          </a:lnRef>
-          <a:fillRef idx="1">
-            <a:schemeClr val="accent1"/>
-          </a:fillRef>
-          <a:effectRef idx="0">
-            <a:schemeClr val="accent1"/>
-          </a:effectRef>
-          <a:fontRef idx="minor">
-            <a:schemeClr val="lt1"/>
-          </a:fontRef>
-        </p:style>
-        <p:txBody>
-          <a:bodyPr rtlCol="0" anchor="ctr"/>
-          <a:lstStyle/>
-          <a:p>
-            <a:pPr algn="ctr"/>
-            <a:r>
-              <a:rPr lang="ko-KR" altLang="en-US"/>
-              <a:t>둘레</a:t>
-            </a:r>
-            <a:r>
-              <a:rPr lang="en-US" altLang="ko-KR"/>
-              <a:t>: 686mm </a:t>
-            </a:r>
-            <a:endParaRPr lang="ko-KR" altLang="en-US"/>
-          </a:p>
-        </p:txBody>
-      </p:sp>
-      <p:sp>
-        <p:nvSpPr>
-          <p:cNvPr id="63" name="직사각형 62">
-            <a:extLst>
-              <a:ext uri="{FF2B5EF4-FFF2-40B4-BE49-F238E27FC236}">
-                <a16:creationId xmlns:a16="http://schemas.microsoft.com/office/drawing/2014/main" id="{DBB0D66C-FFD4-8737-2612-BF8D6083EFF8}"/>
-              </a:ext>
-            </a:extLst>
-          </p:cNvPr>
-          <p:cNvSpPr/>
-          <p:nvPr/>
-        </p:nvSpPr>
-        <p:spPr>
-          <a:xfrm>
-            <a:off x="1205802" y="762269"/>
-            <a:ext cx="551473" cy="324145"/>
-          </a:xfrm>
-          <a:prstGeom prst="rect">
-            <a:avLst/>
-          </a:prstGeom>
-        </p:spPr>
-        <p:style>
-          <a:lnRef idx="2">
-            <a:schemeClr val="accent1">
-              <a:shade val="15000"/>
-            </a:schemeClr>
-          </a:lnRef>
-          <a:fillRef idx="1">
-            <a:schemeClr val="accent1"/>
-          </a:fillRef>
-          <a:effectRef idx="0">
-            <a:schemeClr val="accent1"/>
-          </a:effectRef>
-          <a:fontRef idx="minor">
-            <a:schemeClr val="lt1"/>
-          </a:fontRef>
-        </p:style>
-        <p:txBody>
-          <a:bodyPr rtlCol="0" anchor="ctr"/>
-          <a:lstStyle/>
-          <a:p>
-            <a:pPr algn="ctr"/>
-            <a:r>
-              <a:rPr lang="en-US" altLang="ko-KR" sz="1000"/>
-              <a:t>1</a:t>
-            </a:r>
-            <a:r>
-              <a:rPr lang="ko-KR" altLang="en-US" sz="1000"/>
-              <a:t>배</a:t>
-            </a:r>
-          </a:p>
-        </p:txBody>
-      </p:sp>
-      <p:sp>
-        <p:nvSpPr>
-          <p:cNvPr id="64" name="직사각형 63">
-            <a:extLst>
-              <a:ext uri="{FF2B5EF4-FFF2-40B4-BE49-F238E27FC236}">
-                <a16:creationId xmlns:a16="http://schemas.microsoft.com/office/drawing/2014/main" id="{EE8C7D93-F443-44DE-D230-8110670698C2}"/>
-              </a:ext>
-            </a:extLst>
-          </p:cNvPr>
-          <p:cNvSpPr/>
-          <p:nvPr/>
-        </p:nvSpPr>
-        <p:spPr>
-          <a:xfrm>
-            <a:off x="3259556" y="730717"/>
-            <a:ext cx="686254" cy="324145"/>
-          </a:xfrm>
-          <a:prstGeom prst="rect">
-            <a:avLst/>
-          </a:prstGeom>
-        </p:spPr>
-        <p:style>
-          <a:lnRef idx="2">
-            <a:schemeClr val="accent1">
-              <a:shade val="15000"/>
-            </a:schemeClr>
-          </a:lnRef>
-          <a:fillRef idx="1">
-            <a:schemeClr val="accent1"/>
-          </a:fillRef>
-          <a:effectRef idx="0">
-            <a:schemeClr val="accent1"/>
-          </a:effectRef>
-          <a:fontRef idx="minor">
-            <a:schemeClr val="lt1"/>
-          </a:fontRef>
-        </p:style>
-        <p:txBody>
-          <a:bodyPr rtlCol="0" anchor="ctr"/>
-          <a:lstStyle/>
-          <a:p>
-            <a:pPr algn="ctr"/>
-            <a:r>
-              <a:rPr lang="en-US" altLang="ko-KR" sz="1000"/>
-              <a:t>1.335</a:t>
-            </a:r>
-            <a:r>
-              <a:rPr lang="ko-KR" altLang="en-US" sz="1000"/>
-              <a:t>배</a:t>
-            </a:r>
-          </a:p>
-        </p:txBody>
-      </p:sp>
-      <p:sp>
-        <p:nvSpPr>
-          <p:cNvPr id="65" name="직사각형 64">
-            <a:extLst>
-              <a:ext uri="{FF2B5EF4-FFF2-40B4-BE49-F238E27FC236}">
-                <a16:creationId xmlns:a16="http://schemas.microsoft.com/office/drawing/2014/main" id="{57D60489-0CA9-94AA-B7AB-BE4043B84C71}"/>
-              </a:ext>
-            </a:extLst>
-          </p:cNvPr>
-          <p:cNvSpPr/>
-          <p:nvPr/>
-        </p:nvSpPr>
-        <p:spPr>
-          <a:xfrm>
-            <a:off x="5618420" y="635484"/>
-            <a:ext cx="551473" cy="324145"/>
-          </a:xfrm>
-          <a:prstGeom prst="rect">
-            <a:avLst/>
-          </a:prstGeom>
-        </p:spPr>
-        <p:style>
-          <a:lnRef idx="2">
-            <a:schemeClr val="accent1">
-              <a:shade val="15000"/>
-            </a:schemeClr>
-          </a:lnRef>
-          <a:fillRef idx="1">
-            <a:schemeClr val="accent1"/>
-          </a:fillRef>
-          <a:effectRef idx="0">
-            <a:schemeClr val="accent1"/>
-          </a:effectRef>
-          <a:fontRef idx="minor">
-            <a:schemeClr val="lt1"/>
-          </a:fontRef>
-        </p:style>
-        <p:txBody>
-          <a:bodyPr rtlCol="0" anchor="ctr"/>
-          <a:lstStyle/>
-          <a:p>
-            <a:pPr algn="ctr"/>
-            <a:r>
-              <a:rPr lang="en-US" altLang="ko-KR" sz="1000"/>
-              <a:t>1.5</a:t>
-            </a:r>
-            <a:r>
-              <a:rPr lang="ko-KR" altLang="en-US" sz="1000"/>
-              <a:t>배</a:t>
-            </a:r>
-          </a:p>
-        </p:txBody>
-      </p:sp>
-      <p:sp>
-        <p:nvSpPr>
-          <p:cNvPr id="66" name="직사각형 65">
-            <a:extLst>
-              <a:ext uri="{FF2B5EF4-FFF2-40B4-BE49-F238E27FC236}">
-                <a16:creationId xmlns:a16="http://schemas.microsoft.com/office/drawing/2014/main" id="{C849CFE7-9EFA-2C45-AC7A-6EE9FDD0CC71}"/>
-              </a:ext>
-            </a:extLst>
-          </p:cNvPr>
-          <p:cNvSpPr/>
-          <p:nvPr/>
-        </p:nvSpPr>
-        <p:spPr>
-          <a:xfrm>
-            <a:off x="7873681" y="606713"/>
-            <a:ext cx="551473" cy="324145"/>
-          </a:xfrm>
-          <a:prstGeom prst="rect">
-            <a:avLst/>
-          </a:prstGeom>
-        </p:spPr>
-        <p:style>
-          <a:lnRef idx="2">
-            <a:schemeClr val="accent1">
-              <a:shade val="15000"/>
-            </a:schemeClr>
-          </a:lnRef>
-          <a:fillRef idx="1">
-            <a:schemeClr val="accent1"/>
-          </a:fillRef>
-          <a:effectRef idx="0">
-            <a:schemeClr val="accent1"/>
-          </a:effectRef>
-          <a:fontRef idx="minor">
-            <a:schemeClr val="lt1"/>
-          </a:fontRef>
-        </p:style>
-        <p:txBody>
-          <a:bodyPr rtlCol="0" anchor="ctr"/>
-          <a:lstStyle/>
-          <a:p>
-            <a:pPr algn="ctr"/>
-            <a:r>
-              <a:rPr lang="en-US" altLang="ko-KR" sz="1000"/>
-              <a:t>1.5</a:t>
-            </a:r>
-            <a:r>
-              <a:rPr lang="ko-KR" altLang="en-US" sz="1000"/>
-              <a:t>배</a:t>
-            </a:r>
-          </a:p>
-        </p:txBody>
-      </p:sp>
-      <p:sp>
-        <p:nvSpPr>
-          <p:cNvPr id="67" name="직사각형 66">
-            <a:extLst>
-              <a:ext uri="{FF2B5EF4-FFF2-40B4-BE49-F238E27FC236}">
-                <a16:creationId xmlns:a16="http://schemas.microsoft.com/office/drawing/2014/main" id="{643C5C84-4CAA-6F4A-CCA7-36659CE56CED}"/>
-              </a:ext>
-            </a:extLst>
-          </p:cNvPr>
-          <p:cNvSpPr/>
-          <p:nvPr/>
-        </p:nvSpPr>
-        <p:spPr>
-          <a:xfrm>
-            <a:off x="10243002" y="573107"/>
-            <a:ext cx="551473" cy="324145"/>
-          </a:xfrm>
-          <a:prstGeom prst="rect">
-            <a:avLst/>
-          </a:prstGeom>
-        </p:spPr>
-        <p:style>
-          <a:lnRef idx="2">
-            <a:schemeClr val="accent1">
-              <a:shade val="15000"/>
-            </a:schemeClr>
-          </a:lnRef>
-          <a:fillRef idx="1">
-            <a:schemeClr val="accent1"/>
-          </a:fillRef>
-          <a:effectRef idx="0">
-            <a:schemeClr val="accent1"/>
-          </a:effectRef>
-          <a:fontRef idx="minor">
-            <a:schemeClr val="lt1"/>
-          </a:fontRef>
-        </p:style>
-        <p:txBody>
-          <a:bodyPr rtlCol="0" anchor="ctr"/>
-          <a:lstStyle/>
-          <a:p>
-            <a:pPr algn="ctr"/>
-            <a:r>
-              <a:rPr lang="en-US" altLang="ko-KR" sz="1000"/>
-              <a:t>1.75</a:t>
-            </a:r>
-            <a:r>
-              <a:rPr lang="ko-KR" altLang="en-US" sz="1000"/>
-              <a:t>배</a:t>
-            </a:r>
-          </a:p>
-        </p:txBody>
-      </p:sp>
-      <p:sp>
-        <p:nvSpPr>
-          <p:cNvPr id="68" name="직사각형 67">
-            <a:extLst>
-              <a:ext uri="{FF2B5EF4-FFF2-40B4-BE49-F238E27FC236}">
-                <a16:creationId xmlns:a16="http://schemas.microsoft.com/office/drawing/2014/main" id="{5467F0C9-DFBD-BEF0-B676-A5EB75F40178}"/>
-              </a:ext>
-            </a:extLst>
-          </p:cNvPr>
-          <p:cNvSpPr/>
-          <p:nvPr/>
-        </p:nvSpPr>
-        <p:spPr>
-          <a:xfrm>
-            <a:off x="1153987" y="3314191"/>
-            <a:ext cx="551473" cy="324145"/>
-          </a:xfrm>
-          <a:prstGeom prst="rect">
-            <a:avLst/>
-          </a:prstGeom>
-        </p:spPr>
-        <p:style>
-          <a:lnRef idx="2">
-            <a:schemeClr val="accent1">
-              <a:shade val="15000"/>
-            </a:schemeClr>
-          </a:lnRef>
-          <a:fillRef idx="1">
-            <a:schemeClr val="accent1"/>
-          </a:fillRef>
-          <a:effectRef idx="0">
-            <a:schemeClr val="accent1"/>
-          </a:effectRef>
-          <a:fontRef idx="minor">
-            <a:schemeClr val="lt1"/>
-          </a:fontRef>
-        </p:style>
-        <p:txBody>
-          <a:bodyPr rtlCol="0" anchor="ctr"/>
-          <a:lstStyle/>
-          <a:p>
-            <a:pPr algn="ctr"/>
-            <a:r>
-              <a:rPr lang="en-US" altLang="ko-KR" sz="1000"/>
-              <a:t>4.5</a:t>
-            </a:r>
-            <a:r>
-              <a:rPr lang="ko-KR" altLang="en-US" sz="1000"/>
-              <a:t>배</a:t>
-            </a:r>
-          </a:p>
-        </p:txBody>
-      </p:sp>
-      <p:sp>
-        <p:nvSpPr>
-          <p:cNvPr id="69" name="직사각형 68">
-            <a:extLst>
-              <a:ext uri="{FF2B5EF4-FFF2-40B4-BE49-F238E27FC236}">
-                <a16:creationId xmlns:a16="http://schemas.microsoft.com/office/drawing/2014/main" id="{57124871-92F0-2D0D-8D4E-FFBCC03A22C7}"/>
-              </a:ext>
-            </a:extLst>
-          </p:cNvPr>
-          <p:cNvSpPr/>
-          <p:nvPr/>
-        </p:nvSpPr>
-        <p:spPr>
-          <a:xfrm>
-            <a:off x="3344634" y="3256544"/>
-            <a:ext cx="551473" cy="324145"/>
-          </a:xfrm>
-          <a:prstGeom prst="rect">
-            <a:avLst/>
-          </a:prstGeom>
-        </p:spPr>
-        <p:style>
-          <a:lnRef idx="2">
-            <a:schemeClr val="accent1">
-              <a:shade val="15000"/>
-            </a:schemeClr>
-          </a:lnRef>
-          <a:fillRef idx="1">
-            <a:schemeClr val="accent1"/>
-          </a:fillRef>
-          <a:effectRef idx="0">
-            <a:schemeClr val="accent1"/>
-          </a:effectRef>
-          <a:fontRef idx="minor">
-            <a:schemeClr val="lt1"/>
-          </a:fontRef>
-        </p:style>
-        <p:txBody>
-          <a:bodyPr rtlCol="0" anchor="ctr"/>
-          <a:lstStyle/>
-          <a:p>
-            <a:pPr algn="ctr"/>
-            <a:r>
-              <a:rPr lang="en-US" altLang="ko-KR" sz="1000"/>
-              <a:t>5</a:t>
-            </a:r>
-            <a:r>
-              <a:rPr lang="ko-KR" altLang="en-US" sz="1000"/>
-              <a:t>배</a:t>
-            </a:r>
-          </a:p>
-        </p:txBody>
-      </p:sp>
-      <p:sp>
-        <p:nvSpPr>
-          <p:cNvPr id="70" name="직사각형 69">
-            <a:extLst>
-              <a:ext uri="{FF2B5EF4-FFF2-40B4-BE49-F238E27FC236}">
-                <a16:creationId xmlns:a16="http://schemas.microsoft.com/office/drawing/2014/main" id="{1BB32F39-2F38-095B-B53F-CC94F398BE99}"/>
-              </a:ext>
-            </a:extLst>
-          </p:cNvPr>
-          <p:cNvSpPr/>
-          <p:nvPr/>
-        </p:nvSpPr>
-        <p:spPr>
-          <a:xfrm>
-            <a:off x="5648842" y="3181226"/>
-            <a:ext cx="551473" cy="324145"/>
-          </a:xfrm>
-          <a:prstGeom prst="rect">
-            <a:avLst/>
-          </a:prstGeom>
-        </p:spPr>
-        <p:style>
-          <a:lnRef idx="2">
-            <a:schemeClr val="accent1">
-              <a:shade val="15000"/>
-            </a:schemeClr>
-          </a:lnRef>
-          <a:fillRef idx="1">
-            <a:schemeClr val="accent1"/>
-          </a:fillRef>
-          <a:effectRef idx="0">
-            <a:schemeClr val="accent1"/>
-          </a:effectRef>
-          <a:fontRef idx="minor">
-            <a:schemeClr val="lt1"/>
-          </a:fontRef>
-        </p:style>
-        <p:txBody>
-          <a:bodyPr rtlCol="0" anchor="ctr"/>
-          <a:lstStyle/>
-          <a:p>
-            <a:pPr algn="ctr"/>
-            <a:r>
-              <a:rPr lang="en-US" altLang="ko-KR" sz="1000"/>
-              <a:t>5</a:t>
-            </a:r>
-            <a:r>
-              <a:rPr lang="ko-KR" altLang="en-US" sz="1000"/>
-              <a:t>배</a:t>
-            </a:r>
-          </a:p>
-        </p:txBody>
-      </p:sp>
-      <p:sp>
-        <p:nvSpPr>
-          <p:cNvPr id="71" name="직사각형 70">
-            <a:extLst>
-              <a:ext uri="{FF2B5EF4-FFF2-40B4-BE49-F238E27FC236}">
-                <a16:creationId xmlns:a16="http://schemas.microsoft.com/office/drawing/2014/main" id="{08EBC1DA-7A2D-60BA-441A-5D8546A20702}"/>
-              </a:ext>
-            </a:extLst>
-          </p:cNvPr>
-          <p:cNvSpPr/>
-          <p:nvPr/>
-        </p:nvSpPr>
-        <p:spPr>
-          <a:xfrm>
-            <a:off x="10389091" y="3269173"/>
-            <a:ext cx="551473" cy="295447"/>
-          </a:xfrm>
-          <a:prstGeom prst="rect">
-            <a:avLst/>
-          </a:prstGeom>
-        </p:spPr>
-        <p:style>
-          <a:lnRef idx="2">
-            <a:schemeClr val="accent1">
-              <a:shade val="15000"/>
-            </a:schemeClr>
-          </a:lnRef>
-          <a:fillRef idx="1">
-            <a:schemeClr val="accent1"/>
-          </a:fillRef>
-          <a:effectRef idx="0">
-            <a:schemeClr val="accent1"/>
-          </a:effectRef>
-          <a:fontRef idx="minor">
-            <a:schemeClr val="lt1"/>
-          </a:fontRef>
-        </p:style>
-        <p:txBody>
-          <a:bodyPr rtlCol="0" anchor="ctr"/>
-          <a:lstStyle/>
-          <a:p>
-            <a:pPr algn="ctr"/>
-            <a:r>
-              <a:rPr lang="en-US" altLang="ko-KR" sz="1000"/>
-              <a:t>5.15</a:t>
-            </a:r>
-            <a:r>
-              <a:rPr lang="ko-KR" altLang="en-US" sz="1000"/>
-              <a:t>배</a:t>
-            </a:r>
-          </a:p>
-        </p:txBody>
-      </p:sp>
-      <p:sp>
-        <p:nvSpPr>
-          <p:cNvPr id="72" name="직사각형 71">
-            <a:extLst>
-              <a:ext uri="{FF2B5EF4-FFF2-40B4-BE49-F238E27FC236}">
-                <a16:creationId xmlns:a16="http://schemas.microsoft.com/office/drawing/2014/main" id="{428E5295-0EB7-7E63-D229-1BA6B4A94B17}"/>
-              </a:ext>
-            </a:extLst>
-          </p:cNvPr>
-          <p:cNvSpPr/>
-          <p:nvPr/>
-        </p:nvSpPr>
-        <p:spPr>
-          <a:xfrm>
-            <a:off x="8077803" y="3323422"/>
-            <a:ext cx="551473" cy="295447"/>
-          </a:xfrm>
-          <a:prstGeom prst="rect">
-            <a:avLst/>
-          </a:prstGeom>
-        </p:spPr>
-        <p:style>
-          <a:lnRef idx="2">
-            <a:schemeClr val="accent1">
-              <a:shade val="15000"/>
-            </a:schemeClr>
-          </a:lnRef>
-          <a:fillRef idx="1">
-            <a:schemeClr val="accent1"/>
-          </a:fillRef>
-          <a:effectRef idx="0">
-            <a:schemeClr val="accent1"/>
-          </a:effectRef>
-          <a:fontRef idx="minor">
-            <a:schemeClr val="lt1"/>
-          </a:fontRef>
-        </p:style>
-        <p:txBody>
-          <a:bodyPr rtlCol="0" anchor="ctr"/>
-          <a:lstStyle/>
-          <a:p>
-            <a:pPr algn="ctr"/>
-            <a:r>
-              <a:rPr lang="en-US" altLang="ko-KR" sz="1000"/>
-              <a:t>5.1</a:t>
-            </a:r>
-            <a:r>
-              <a:rPr lang="ko-KR" altLang="en-US" sz="1000"/>
-              <a:t>배</a:t>
-            </a:r>
-          </a:p>
-        </p:txBody>
-      </p:sp>
-      <p:sp>
-        <p:nvSpPr>
-          <p:cNvPr id="73" name="직사각형 72">
-            <a:extLst>
-              <a:ext uri="{FF2B5EF4-FFF2-40B4-BE49-F238E27FC236}">
-                <a16:creationId xmlns:a16="http://schemas.microsoft.com/office/drawing/2014/main" id="{D3A0D289-F8CB-0B6E-358B-136466517A14}"/>
-              </a:ext>
-            </a:extLst>
-          </p:cNvPr>
-          <p:cNvSpPr/>
-          <p:nvPr/>
-        </p:nvSpPr>
-        <p:spPr>
-          <a:xfrm>
-            <a:off x="3971107" y="5890247"/>
-            <a:ext cx="551473" cy="295447"/>
-          </a:xfrm>
-          <a:prstGeom prst="rect">
-            <a:avLst/>
-          </a:prstGeom>
-        </p:spPr>
-        <p:style>
-          <a:lnRef idx="2">
-            <a:schemeClr val="accent1">
-              <a:shade val="15000"/>
-            </a:schemeClr>
-          </a:lnRef>
-          <a:fillRef idx="1">
-            <a:schemeClr val="accent1"/>
-          </a:fillRef>
-          <a:effectRef idx="0">
-            <a:schemeClr val="accent1"/>
-          </a:effectRef>
-          <a:fontRef idx="minor">
-            <a:schemeClr val="lt1"/>
-          </a:fontRef>
-        </p:style>
-        <p:txBody>
-          <a:bodyPr rtlCol="0" anchor="ctr"/>
-          <a:lstStyle/>
-          <a:p>
-            <a:pPr algn="ctr"/>
-            <a:r>
-              <a:rPr lang="en-US" altLang="ko-KR" sz="1000"/>
-              <a:t>5.6</a:t>
-            </a:r>
-            <a:r>
-              <a:rPr lang="ko-KR" altLang="en-US" sz="1000"/>
-              <a:t>배</a:t>
-            </a:r>
           </a:p>
         </p:txBody>
       </p:sp>
     </p:spTree>
     <p:extLst>
       <p:ext uri="{BB962C8B-B14F-4D97-AF65-F5344CB8AC3E}">
-        <p14:creationId xmlns:p14="http://schemas.microsoft.com/office/powerpoint/2010/main" val="2296664783"/>
+        <p14:creationId xmlns:p14="http://schemas.microsoft.com/office/powerpoint/2010/main" val="3616361863"/>
       </p:ext>
     </p:extLst>
   </p:cSld>
@@ -6016,7 +3916,7 @@
         </p:nvSpPr>
         <p:spPr>
           <a:xfrm>
-            <a:off x="574101" y="136634"/>
+            <a:off x="524608" y="-253173"/>
             <a:ext cx="10515600" cy="1325563"/>
           </a:xfrm>
         </p:spPr>
@@ -6027,8 +3927,16 @@
           <a:lstStyle/>
           <a:p>
             <a:r>
-              <a:rPr lang="ko-KR" altLang="en-US"/>
-              <a:t>제안하는 공의 배율</a:t>
+              <a:rPr lang="ko-KR" altLang="en-US" sz="3200"/>
+              <a:t>현실적인 공의 크기와 순서</a:t>
+            </a:r>
+            <a:r>
+              <a:rPr lang="en-US" altLang="ko-KR" sz="3200"/>
+              <a:t>, </a:t>
+            </a:r>
+            <a:r>
+              <a:rPr lang="ko-KR" altLang="en-US" sz="3200"/>
+              <a:t>배율</a:t>
             </a:r>
           </a:p>
         </p:txBody>
@@ -6061,8 +3969,8 @@
         </p:blipFill>
         <p:spPr>
           <a:xfrm>
-            <a:off x="6406241" y="2052159"/>
-            <a:ext cx="958689" cy="958689"/>
+            <a:off x="9927945" y="978909"/>
+            <a:ext cx="1143000" cy="1143000"/>
           </a:xfrm>
           <a:prstGeom prst="rect">
             <a:avLst/>
@@ -6097,8 +4005,8 @@
         </p:blipFill>
         <p:spPr>
           <a:xfrm>
-            <a:off x="8077683" y="3952606"/>
-            <a:ext cx="2573566" cy="2573566"/>
+            <a:off x="4799338" y="5589825"/>
+            <a:ext cx="1227667" cy="1227667"/>
           </a:xfrm>
           <a:prstGeom prst="rect">
             <a:avLst/>
@@ -6133,8 +4041,8 @@
         </p:blipFill>
         <p:spPr>
           <a:xfrm>
-            <a:off x="10065697" y="1672406"/>
-            <a:ext cx="1496681" cy="1496681"/>
+            <a:off x="3066410" y="3584826"/>
+            <a:ext cx="1107922" cy="1107922"/>
           </a:xfrm>
           <a:prstGeom prst="rect">
             <a:avLst/>
@@ -6169,8 +4077,8 @@
         </p:blipFill>
         <p:spPr>
           <a:xfrm>
-            <a:off x="2279608" y="2656469"/>
-            <a:ext cx="424240" cy="424240"/>
+            <a:off x="3105011" y="1090205"/>
+            <a:ext cx="995345" cy="995345"/>
           </a:xfrm>
           <a:prstGeom prst="rect">
             <a:avLst/>
@@ -6205,8 +4113,8 @@
         </p:blipFill>
         <p:spPr>
           <a:xfrm>
-            <a:off x="2561135" y="4450984"/>
-            <a:ext cx="1856273" cy="1856273"/>
+            <a:off x="7815599" y="3591358"/>
+            <a:ext cx="1094857" cy="1094857"/>
           </a:xfrm>
           <a:prstGeom prst="rect">
             <a:avLst/>
@@ -6215,10 +4123,10 @@
       </p:pic>
       <p:pic>
         <p:nvPicPr>
-          <p:cNvPr id="25" name="그림 24">
-            <a:extLst>
-              <a:ext uri="{FF2B5EF4-FFF2-40B4-BE49-F238E27FC236}">
-                <a16:creationId xmlns:a16="http://schemas.microsoft.com/office/drawing/2014/main" id="{D7FCBE06-A89E-BF1B-DBF0-3A54C04B26EB}"/>
+          <p:cNvPr id="22" name="그림 21">
+            <a:extLst>
+              <a:ext uri="{FF2B5EF4-FFF2-40B4-BE49-F238E27FC236}">
+                <a16:creationId xmlns:a16="http://schemas.microsoft.com/office/drawing/2014/main" id="{ABBB656C-EF99-C5DA-F704-39235CE8D152}"/>
               </a:ext>
             </a:extLst>
           </p:cNvPr>
@@ -6241,20 +4149,74 @@
         </p:blipFill>
         <p:spPr>
           <a:xfrm>
-            <a:off x="8240104" y="1824285"/>
-            <a:ext cx="1124362" cy="1124362"/>
+            <a:off x="907547" y="1133056"/>
+            <a:ext cx="1116078" cy="1116078"/>
           </a:xfrm>
           <a:prstGeom prst="rect">
             <a:avLst/>
           </a:prstGeom>
         </p:spPr>
       </p:pic>
+      <p:sp>
+        <p:nvSpPr>
+          <p:cNvPr id="23" name="직사각형 22">
+            <a:extLst>
+              <a:ext uri="{FF2B5EF4-FFF2-40B4-BE49-F238E27FC236}">
+                <a16:creationId xmlns:a16="http://schemas.microsoft.com/office/drawing/2014/main" id="{AE0A83F0-869C-0B4D-CDD8-A87C5CBEA082}"/>
+              </a:ext>
+            </a:extLst>
+          </p:cNvPr>
+          <p:cNvSpPr/>
+          <p:nvPr/>
+        </p:nvSpPr>
+        <p:spPr>
+          <a:xfrm>
+            <a:off x="5001473" y="2197692"/>
+            <a:ext cx="1846212" cy="397933"/>
+          </a:xfrm>
+          <a:prstGeom prst="rect">
+            <a:avLst/>
+          </a:prstGeom>
+        </p:spPr>
+        <p:style>
+          <a:lnRef idx="2">
+            <a:schemeClr val="accent1">
+              <a:shade val="15000"/>
+            </a:schemeClr>
+          </a:lnRef>
+          <a:fillRef idx="1">
+            <a:schemeClr val="accent1"/>
+          </a:fillRef>
+          <a:effectRef idx="0">
+            <a:schemeClr val="accent1"/>
+          </a:effectRef>
+          <a:fontRef idx="minor">
+            <a:schemeClr val="lt1"/>
+          </a:fontRef>
+        </p:style>
+        <p:txBody>
+          <a:bodyPr rtlCol="0" anchor="ctr"/>
+          <a:lstStyle/>
+          <a:p>
+            <a:pPr algn="ctr"/>
+            <a:r>
+              <a:rPr lang="ko-KR" altLang="en-US"/>
+              <a:t>직경</a:t>
+            </a:r>
+            <a:r>
+              <a:rPr lang="en-US" altLang="ko-KR"/>
+              <a:t>: 62~70mm </a:t>
+            </a:r>
+            <a:endParaRPr lang="ko-KR" altLang="en-US"/>
+          </a:p>
+        </p:txBody>
+      </p:sp>
       <p:pic>
         <p:nvPicPr>
-          <p:cNvPr id="28" name="그림 27">
-            <a:extLst>
-              <a:ext uri="{FF2B5EF4-FFF2-40B4-BE49-F238E27FC236}">
-                <a16:creationId xmlns:a16="http://schemas.microsoft.com/office/drawing/2014/main" id="{0CF4974F-B55D-2BEB-DA80-D9F7B11376D0}"/>
+          <p:cNvPr id="25" name="그림 24">
+            <a:extLst>
+              <a:ext uri="{FF2B5EF4-FFF2-40B4-BE49-F238E27FC236}">
+                <a16:creationId xmlns:a16="http://schemas.microsoft.com/office/drawing/2014/main" id="{D7FCBE06-A89E-BF1B-DBF0-3A54C04B26EB}"/>
               </a:ext>
             </a:extLst>
           </p:cNvPr>
@@ -6277,8 +4239,8 @@
         </p:blipFill>
         <p:spPr>
           <a:xfrm>
-            <a:off x="5259935" y="4067725"/>
-            <a:ext cx="2177653" cy="2177653"/>
+            <a:off x="974288" y="3685277"/>
+            <a:ext cx="982596" cy="982596"/>
           </a:xfrm>
           <a:prstGeom prst="rect">
             <a:avLst/>
@@ -6287,10 +4249,10 @@
       </p:pic>
       <p:pic>
         <p:nvPicPr>
-          <p:cNvPr id="31" name="그림 30">
-            <a:extLst>
-              <a:ext uri="{FF2B5EF4-FFF2-40B4-BE49-F238E27FC236}">
-                <a16:creationId xmlns:a16="http://schemas.microsoft.com/office/drawing/2014/main" id="{6F4EAFC2-21F5-EC79-35B3-D623629B4CC0}"/>
+          <p:cNvPr id="28" name="그림 27">
+            <a:extLst>
+              <a:ext uri="{FF2B5EF4-FFF2-40B4-BE49-F238E27FC236}">
+                <a16:creationId xmlns:a16="http://schemas.microsoft.com/office/drawing/2014/main" id="{0CF4974F-B55D-2BEB-DA80-D9F7B11376D0}"/>
               </a:ext>
             </a:extLst>
           </p:cNvPr>
@@ -6313,8 +4275,8 @@
         </p:blipFill>
         <p:spPr>
           <a:xfrm>
-            <a:off x="4812623" y="2222509"/>
-            <a:ext cx="793668" cy="793668"/>
+            <a:off x="10150375" y="3564620"/>
+            <a:ext cx="1028907" cy="1028907"/>
           </a:xfrm>
           <a:prstGeom prst="rect">
             <a:avLst/>
@@ -6323,10 +4285,10 @@
       </p:pic>
       <p:pic>
         <p:nvPicPr>
-          <p:cNvPr id="35" name="그림 34">
-            <a:extLst>
-              <a:ext uri="{FF2B5EF4-FFF2-40B4-BE49-F238E27FC236}">
-                <a16:creationId xmlns:a16="http://schemas.microsoft.com/office/drawing/2014/main" id="{A5EEB2CE-338A-503A-C78B-7277278A8F13}"/>
+          <p:cNvPr id="31" name="그림 30">
+            <a:extLst>
+              <a:ext uri="{FF2B5EF4-FFF2-40B4-BE49-F238E27FC236}">
+                <a16:creationId xmlns:a16="http://schemas.microsoft.com/office/drawing/2014/main" id="{6F4EAFC2-21F5-EC79-35B3-D623629B4CC0}"/>
               </a:ext>
             </a:extLst>
           </p:cNvPr>
@@ -6349,8 +4311,8 @@
         </p:blipFill>
         <p:spPr>
           <a:xfrm>
-            <a:off x="3509034" y="2392397"/>
-            <a:ext cx="602358" cy="602358"/>
+            <a:off x="7600223" y="1017417"/>
+            <a:ext cx="1045374" cy="1045374"/>
           </a:xfrm>
           <a:prstGeom prst="rect">
             <a:avLst/>
@@ -6359,10 +4321,10 @@
       </p:pic>
       <p:pic>
         <p:nvPicPr>
-          <p:cNvPr id="42" name="그림 41">
-            <a:extLst>
-              <a:ext uri="{FF2B5EF4-FFF2-40B4-BE49-F238E27FC236}">
-                <a16:creationId xmlns:a16="http://schemas.microsoft.com/office/drawing/2014/main" id="{44984C31-3F31-B45E-DB94-BF27422BEE18}"/>
+          <p:cNvPr id="35" name="그림 34">
+            <a:extLst>
+              <a:ext uri="{FF2B5EF4-FFF2-40B4-BE49-F238E27FC236}">
+                <a16:creationId xmlns:a16="http://schemas.microsoft.com/office/drawing/2014/main" id="{A5EEB2CE-338A-503A-C78B-7277278A8F13}"/>
               </a:ext>
             </a:extLst>
           </p:cNvPr>
@@ -6372,7 +4334,7 @@
           <p:nvPr/>
         </p:nvPicPr>
         <p:blipFill>
-          <a:blip r:embed="rId11">
+          <a:blip r:embed="rId11" cstate="hqprint">
             <a:extLst>
               <a:ext uri="{28A0092B-C50C-407E-A947-70E740481C1C}">
                 <a14:useLocalDpi xmlns:a14="http://schemas.microsoft.com/office/drawing/2010/main" val="0"/>
@@ -6385,8 +4347,8 @@
         </p:blipFill>
         <p:spPr>
           <a:xfrm>
-            <a:off x="404088" y="4357972"/>
-            <a:ext cx="1516298" cy="1516298"/>
+            <a:off x="5484201" y="994617"/>
+            <a:ext cx="862241" cy="862241"/>
           </a:xfrm>
           <a:prstGeom prst="rect">
             <a:avLst/>
@@ -6395,10 +4357,10 @@
       </p:pic>
       <p:sp>
         <p:nvSpPr>
-          <p:cNvPr id="63" name="직사각형 62">
-            <a:extLst>
-              <a:ext uri="{FF2B5EF4-FFF2-40B4-BE49-F238E27FC236}">
-                <a16:creationId xmlns:a16="http://schemas.microsoft.com/office/drawing/2014/main" id="{DBB0D66C-FFD4-8737-2612-BF8D6083EFF8}"/>
+          <p:cNvPr id="36" name="직사각형 35">
+            <a:extLst>
+              <a:ext uri="{FF2B5EF4-FFF2-40B4-BE49-F238E27FC236}">
+                <a16:creationId xmlns:a16="http://schemas.microsoft.com/office/drawing/2014/main" id="{1A147BC3-50AC-7030-7062-0E91A4C186C7}"/>
               </a:ext>
             </a:extLst>
           </p:cNvPr>
@@ -6407,8 +4369,8 @@
         </p:nvSpPr>
         <p:spPr>
           <a:xfrm>
-            <a:off x="778535" y="1952620"/>
-            <a:ext cx="551473" cy="324145"/>
+            <a:off x="4881310" y="2679036"/>
+            <a:ext cx="2090816" cy="464240"/>
           </a:xfrm>
           <a:prstGeom prst="rect">
             <a:avLst/>
@@ -6436,22 +4398,23 @@
           <a:p>
             <a:pPr algn="ctr"/>
             <a:r>
-              <a:rPr lang="en-US" altLang="ko-KR" sz="1000"/>
-              <a:t>1</a:t>
-            </a:r>
-            <a:r>
-              <a:rPr lang="ko-KR" altLang="en-US" sz="1000"/>
-              <a:t>배</a:t>
-            </a:r>
-          </a:p>
-        </p:txBody>
-      </p:sp>
-      <p:sp>
-        <p:nvSpPr>
-          <p:cNvPr id="64" name="직사각형 63">
-            <a:extLst>
-              <a:ext uri="{FF2B5EF4-FFF2-40B4-BE49-F238E27FC236}">
-                <a16:creationId xmlns:a16="http://schemas.microsoft.com/office/drawing/2014/main" id="{EE8C7D93-F443-44DE-D230-8110670698C2}"/>
+              <a:rPr lang="ko-KR" altLang="en-US"/>
+              <a:t>둘레</a:t>
+            </a:r>
+            <a:r>
+              <a:rPr lang="en-US" altLang="ko-KR"/>
+              <a:t>: 195~220mm</a:t>
+            </a:r>
+            <a:endParaRPr lang="ko-KR" altLang="en-US"/>
+          </a:p>
+        </p:txBody>
+      </p:sp>
+      <p:sp>
+        <p:nvSpPr>
+          <p:cNvPr id="38" name="직사각형 37">
+            <a:extLst>
+              <a:ext uri="{FF2B5EF4-FFF2-40B4-BE49-F238E27FC236}">
+                <a16:creationId xmlns:a16="http://schemas.microsoft.com/office/drawing/2014/main" id="{0788B6BB-ECCD-F16C-F891-591340603271}"/>
               </a:ext>
             </a:extLst>
           </p:cNvPr>
@@ -6460,8 +4423,8 @@
         </p:nvSpPr>
         <p:spPr>
           <a:xfrm>
-            <a:off x="2153771" y="1960575"/>
-            <a:ext cx="686254" cy="324145"/>
+            <a:off x="561643" y="2821732"/>
+            <a:ext cx="1839792" cy="397933"/>
           </a:xfrm>
           <a:prstGeom prst="rect">
             <a:avLst/>
@@ -6489,22 +4452,23 @@
           <a:p>
             <a:pPr algn="ctr"/>
             <a:r>
-              <a:rPr lang="en-US" altLang="ko-KR" sz="1000"/>
-              <a:t>1.5</a:t>
-            </a:r>
-            <a:r>
-              <a:rPr lang="ko-KR" altLang="en-US" sz="1000"/>
-              <a:t>배</a:t>
-            </a:r>
-          </a:p>
-        </p:txBody>
-      </p:sp>
-      <p:sp>
-        <p:nvSpPr>
-          <p:cNvPr id="65" name="직사각형 64">
-            <a:extLst>
-              <a:ext uri="{FF2B5EF4-FFF2-40B4-BE49-F238E27FC236}">
-                <a16:creationId xmlns:a16="http://schemas.microsoft.com/office/drawing/2014/main" id="{57D60489-0CA9-94AA-B7AB-BE4043B84C71}"/>
+              <a:rPr lang="ko-KR" altLang="en-US"/>
+              <a:t>둘레</a:t>
+            </a:r>
+            <a:r>
+              <a:rPr lang="en-US" altLang="ko-KR"/>
+              <a:t>: 134mm</a:t>
+            </a:r>
+            <a:endParaRPr lang="ko-KR" altLang="en-US"/>
+          </a:p>
+        </p:txBody>
+      </p:sp>
+      <p:sp>
+        <p:nvSpPr>
+          <p:cNvPr id="39" name="직사각형 38">
+            <a:extLst>
+              <a:ext uri="{FF2B5EF4-FFF2-40B4-BE49-F238E27FC236}">
+                <a16:creationId xmlns:a16="http://schemas.microsoft.com/office/drawing/2014/main" id="{DC01C9B2-5D4D-132F-0033-1110A6C4A0C5}"/>
               </a:ext>
             </a:extLst>
           </p:cNvPr>
@@ -6513,8 +4477,8 @@
         </p:nvSpPr>
         <p:spPr>
           <a:xfrm>
-            <a:off x="3507998" y="1765224"/>
-            <a:ext cx="551473" cy="324145"/>
+            <a:off x="503604" y="2261026"/>
+            <a:ext cx="1955870" cy="397933"/>
           </a:xfrm>
           <a:prstGeom prst="rect">
             <a:avLst/>
@@ -6542,22 +4506,59 @@
           <a:p>
             <a:pPr algn="ctr"/>
             <a:r>
-              <a:rPr lang="en-US" altLang="ko-KR" sz="1000"/>
-              <a:t>2.1</a:t>
-            </a:r>
-            <a:r>
-              <a:rPr lang="ko-KR" altLang="en-US" sz="1000"/>
-              <a:t>배</a:t>
-            </a:r>
-          </a:p>
-        </p:txBody>
-      </p:sp>
-      <p:sp>
-        <p:nvSpPr>
-          <p:cNvPr id="66" name="직사각형 65">
-            <a:extLst>
-              <a:ext uri="{FF2B5EF4-FFF2-40B4-BE49-F238E27FC236}">
-                <a16:creationId xmlns:a16="http://schemas.microsoft.com/office/drawing/2014/main" id="{C849CFE7-9EFA-2C45-AC7A-6EE9FDD0CC71}"/>
+              <a:rPr lang="ko-KR" altLang="en-US"/>
+              <a:t>직경</a:t>
+            </a:r>
+            <a:r>
+              <a:rPr lang="en-US" altLang="ko-KR"/>
+              <a:t>: 42.67 mm</a:t>
+            </a:r>
+            <a:endParaRPr lang="ko-KR" altLang="en-US"/>
+          </a:p>
+        </p:txBody>
+      </p:sp>
+      <p:pic>
+        <p:nvPicPr>
+          <p:cNvPr id="42" name="그림 41">
+            <a:extLst>
+              <a:ext uri="{FF2B5EF4-FFF2-40B4-BE49-F238E27FC236}">
+                <a16:creationId xmlns:a16="http://schemas.microsoft.com/office/drawing/2014/main" id="{44984C31-3F31-B45E-DB94-BF27422BEE18}"/>
+              </a:ext>
+            </a:extLst>
+          </p:cNvPr>
+          <p:cNvPicPr>
+            <a:picLocks noChangeAspect="1"/>
+          </p:cNvPicPr>
+          <p:nvPr/>
+        </p:nvPicPr>
+        <p:blipFill>
+          <a:blip r:embed="rId12">
+            <a:extLst>
+              <a:ext uri="{28A0092B-C50C-407E-A947-70E740481C1C}">
+                <a14:useLocalDpi xmlns:a14="http://schemas.microsoft.com/office/drawing/2010/main" val="0"/>
+              </a:ext>
+            </a:extLst>
+          </a:blip>
+          <a:stretch>
+            <a:fillRect/>
+          </a:stretch>
+        </p:blipFill>
+        <p:spPr>
+          <a:xfrm>
+            <a:off x="5346727" y="3498670"/>
+            <a:ext cx="1094857" cy="1094857"/>
+          </a:xfrm>
+          <a:prstGeom prst="rect">
+            <a:avLst/>
+          </a:prstGeom>
+        </p:spPr>
+      </p:pic>
+      <p:sp>
+        <p:nvSpPr>
+          <p:cNvPr id="43" name="직사각형 42">
+            <a:extLst>
+              <a:ext uri="{FF2B5EF4-FFF2-40B4-BE49-F238E27FC236}">
+                <a16:creationId xmlns:a16="http://schemas.microsoft.com/office/drawing/2014/main" id="{6672D3D3-8C40-C9DD-CD81-342A90CC95DE}"/>
               </a:ext>
             </a:extLst>
           </p:cNvPr>
@@ -6566,8 +4567,8 @@
         </p:nvSpPr>
         <p:spPr>
           <a:xfrm>
-            <a:off x="4962062" y="1595105"/>
-            <a:ext cx="551473" cy="324145"/>
+            <a:off x="7377595" y="2194051"/>
+            <a:ext cx="1543646" cy="397933"/>
           </a:xfrm>
           <a:prstGeom prst="rect">
             <a:avLst/>
@@ -6595,22 +4596,23 @@
           <a:p>
             <a:pPr algn="ctr"/>
             <a:r>
-              <a:rPr lang="en-US" altLang="ko-KR" sz="1000"/>
-              <a:t>2.5</a:t>
-            </a:r>
-            <a:r>
-              <a:rPr lang="ko-KR" altLang="en-US" sz="1000"/>
-              <a:t>배</a:t>
-            </a:r>
-          </a:p>
-        </p:txBody>
-      </p:sp>
-      <p:sp>
-        <p:nvSpPr>
-          <p:cNvPr id="67" name="직사각형 66">
-            <a:extLst>
-              <a:ext uri="{FF2B5EF4-FFF2-40B4-BE49-F238E27FC236}">
-                <a16:creationId xmlns:a16="http://schemas.microsoft.com/office/drawing/2014/main" id="{643C5C84-4CAA-6F4A-CCA7-36659CE56CED}"/>
+              <a:rPr lang="ko-KR" altLang="en-US"/>
+              <a:t>직경</a:t>
+            </a:r>
+            <a:r>
+              <a:rPr lang="en-US" altLang="ko-KR"/>
+              <a:t>: 67mm </a:t>
+            </a:r>
+            <a:endParaRPr lang="ko-KR" altLang="en-US"/>
+          </a:p>
+        </p:txBody>
+      </p:sp>
+      <p:sp>
+        <p:nvSpPr>
+          <p:cNvPr id="44" name="직사각형 43">
+            <a:extLst>
+              <a:ext uri="{FF2B5EF4-FFF2-40B4-BE49-F238E27FC236}">
+                <a16:creationId xmlns:a16="http://schemas.microsoft.com/office/drawing/2014/main" id="{2FD38241-4F45-F74C-23CE-0BF2969CCCB0}"/>
               </a:ext>
             </a:extLst>
           </p:cNvPr>
@@ -6619,8 +4621,8 @@
         </p:nvSpPr>
         <p:spPr>
           <a:xfrm>
-            <a:off x="6564910" y="1467098"/>
-            <a:ext cx="551473" cy="324145"/>
+            <a:off x="7377595" y="2753384"/>
+            <a:ext cx="1640093" cy="464240"/>
           </a:xfrm>
           <a:prstGeom prst="rect">
             <a:avLst/>
@@ -6648,22 +4650,23 @@
           <a:p>
             <a:pPr algn="ctr"/>
             <a:r>
-              <a:rPr lang="en-US" altLang="ko-KR" sz="1000"/>
-              <a:t>3</a:t>
-            </a:r>
-            <a:r>
-              <a:rPr lang="ko-KR" altLang="en-US" sz="1000"/>
-              <a:t>배</a:t>
-            </a:r>
-          </a:p>
-        </p:txBody>
-      </p:sp>
-      <p:sp>
-        <p:nvSpPr>
-          <p:cNvPr id="68" name="직사각형 67">
-            <a:extLst>
-              <a:ext uri="{FF2B5EF4-FFF2-40B4-BE49-F238E27FC236}">
-                <a16:creationId xmlns:a16="http://schemas.microsoft.com/office/drawing/2014/main" id="{5467F0C9-DFBD-BEF0-B676-A5EB75F40178}"/>
+              <a:rPr lang="ko-KR" altLang="en-US"/>
+              <a:t>둘레</a:t>
+            </a:r>
+            <a:r>
+              <a:rPr lang="en-US" altLang="ko-KR"/>
+              <a:t>: 210mm</a:t>
+            </a:r>
+            <a:endParaRPr lang="ko-KR" altLang="en-US"/>
+          </a:p>
+        </p:txBody>
+      </p:sp>
+      <p:sp>
+        <p:nvSpPr>
+          <p:cNvPr id="45" name="직사각형 44">
+            <a:extLst>
+              <a:ext uri="{FF2B5EF4-FFF2-40B4-BE49-F238E27FC236}">
+                <a16:creationId xmlns:a16="http://schemas.microsoft.com/office/drawing/2014/main" id="{46391107-90A1-FEFF-FEE6-2524F9E24748}"/>
               </a:ext>
             </a:extLst>
           </p:cNvPr>
@@ -6672,8 +4675,8 @@
         </p:nvSpPr>
         <p:spPr>
           <a:xfrm>
-            <a:off x="8443494" y="1174271"/>
-            <a:ext cx="551473" cy="324145"/>
+            <a:off x="374229" y="4655808"/>
+            <a:ext cx="2110990" cy="397933"/>
           </a:xfrm>
           <a:prstGeom prst="rect">
             <a:avLst/>
@@ -6701,22 +4704,23 @@
           <a:p>
             <a:pPr algn="ctr"/>
             <a:r>
-              <a:rPr lang="en-US" altLang="ko-KR" sz="1000"/>
-              <a:t>3.8</a:t>
-            </a:r>
-            <a:r>
-              <a:rPr lang="ko-KR" altLang="en-US" sz="1000"/>
-              <a:t>배</a:t>
-            </a:r>
-          </a:p>
-        </p:txBody>
-      </p:sp>
-      <p:sp>
-        <p:nvSpPr>
-          <p:cNvPr id="69" name="직사각형 68">
-            <a:extLst>
-              <a:ext uri="{FF2B5EF4-FFF2-40B4-BE49-F238E27FC236}">
-                <a16:creationId xmlns:a16="http://schemas.microsoft.com/office/drawing/2014/main" id="{57124871-92F0-2D0D-8D4E-FFBCC03A22C7}"/>
+              <a:rPr lang="ko-KR" altLang="en-US"/>
+              <a:t>직경</a:t>
+            </a:r>
+            <a:r>
+              <a:rPr lang="en-US" altLang="ko-KR"/>
+              <a:t>: 185~197mm </a:t>
+            </a:r>
+            <a:endParaRPr lang="ko-KR" altLang="en-US"/>
+          </a:p>
+        </p:txBody>
+      </p:sp>
+      <p:sp>
+        <p:nvSpPr>
+          <p:cNvPr id="46" name="직사각형 45">
+            <a:extLst>
+              <a:ext uri="{FF2B5EF4-FFF2-40B4-BE49-F238E27FC236}">
+                <a16:creationId xmlns:a16="http://schemas.microsoft.com/office/drawing/2014/main" id="{21DA02F1-DA68-D19F-0344-1BD2D9E7E116}"/>
               </a:ext>
             </a:extLst>
           </p:cNvPr>
@@ -6725,8 +4729,8 @@
         </p:nvSpPr>
         <p:spPr>
           <a:xfrm>
-            <a:off x="10538228" y="1091262"/>
-            <a:ext cx="551473" cy="324145"/>
+            <a:off x="385892" y="5110081"/>
+            <a:ext cx="2099327" cy="464240"/>
           </a:xfrm>
           <a:prstGeom prst="rect">
             <a:avLst/>
@@ -6754,22 +4758,23 @@
           <a:p>
             <a:pPr algn="ctr"/>
             <a:r>
-              <a:rPr lang="en-US" altLang="ko-KR" sz="1000"/>
-              <a:t>4.7</a:t>
-            </a:r>
-            <a:r>
-              <a:rPr lang="ko-KR" altLang="en-US" sz="1000"/>
-              <a:t>배</a:t>
-            </a:r>
-          </a:p>
-        </p:txBody>
-      </p:sp>
-      <p:sp>
-        <p:nvSpPr>
-          <p:cNvPr id="70" name="직사각형 69">
-            <a:extLst>
-              <a:ext uri="{FF2B5EF4-FFF2-40B4-BE49-F238E27FC236}">
-                <a16:creationId xmlns:a16="http://schemas.microsoft.com/office/drawing/2014/main" id="{1BB32F39-2F38-095B-B53F-CC94F398BE99}"/>
+              <a:rPr lang="ko-KR" altLang="en-US"/>
+              <a:t>둘레</a:t>
+            </a:r>
+            <a:r>
+              <a:rPr lang="en-US" altLang="ko-KR"/>
+              <a:t>: 580~620mm</a:t>
+            </a:r>
+            <a:endParaRPr lang="ko-KR" altLang="en-US"/>
+          </a:p>
+        </p:txBody>
+      </p:sp>
+      <p:sp>
+        <p:nvSpPr>
+          <p:cNvPr id="47" name="직사각형 46">
+            <a:extLst>
+              <a:ext uri="{FF2B5EF4-FFF2-40B4-BE49-F238E27FC236}">
+                <a16:creationId xmlns:a16="http://schemas.microsoft.com/office/drawing/2014/main" id="{E0CC6EA9-F1AD-E75B-23E8-12D39691DC60}"/>
               </a:ext>
             </a:extLst>
           </p:cNvPr>
@@ -6778,8 +4783,8 @@
         </p:nvSpPr>
         <p:spPr>
           <a:xfrm>
-            <a:off x="778536" y="3589866"/>
-            <a:ext cx="551473" cy="324145"/>
+            <a:off x="2750541" y="2183033"/>
+            <a:ext cx="1846212" cy="397933"/>
           </a:xfrm>
           <a:prstGeom prst="rect">
             <a:avLst/>
@@ -6807,22 +4812,23 @@
           <a:p>
             <a:pPr algn="ctr"/>
             <a:r>
-              <a:rPr lang="en-US" altLang="ko-KR" sz="1000"/>
-              <a:t>4.9</a:t>
-            </a:r>
-            <a:r>
-              <a:rPr lang="ko-KR" altLang="en-US" sz="1000"/>
-              <a:t>배</a:t>
-            </a:r>
-          </a:p>
-        </p:txBody>
-      </p:sp>
-      <p:sp>
-        <p:nvSpPr>
-          <p:cNvPr id="71" name="직사각형 70">
-            <a:extLst>
-              <a:ext uri="{FF2B5EF4-FFF2-40B4-BE49-F238E27FC236}">
-                <a16:creationId xmlns:a16="http://schemas.microsoft.com/office/drawing/2014/main" id="{08EBC1DA-7A2D-60BA-441A-5D8546A20702}"/>
+              <a:rPr lang="ko-KR" altLang="en-US"/>
+              <a:t>직경</a:t>
+            </a:r>
+            <a:r>
+              <a:rPr lang="en-US" altLang="ko-KR"/>
+              <a:t>: 57.1mm </a:t>
+            </a:r>
+            <a:endParaRPr lang="ko-KR" altLang="en-US"/>
+          </a:p>
+        </p:txBody>
+      </p:sp>
+      <p:sp>
+        <p:nvSpPr>
+          <p:cNvPr id="48" name="직사각형 47">
+            <a:extLst>
+              <a:ext uri="{FF2B5EF4-FFF2-40B4-BE49-F238E27FC236}">
+                <a16:creationId xmlns:a16="http://schemas.microsoft.com/office/drawing/2014/main" id="{A181B722-0386-B057-1106-749CB832F2E1}"/>
               </a:ext>
             </a:extLst>
           </p:cNvPr>
@@ -6831,8 +4837,8 @@
         </p:nvSpPr>
         <p:spPr>
           <a:xfrm>
-            <a:off x="6004442" y="3379297"/>
-            <a:ext cx="551473" cy="295447"/>
+            <a:off x="2682788" y="2833092"/>
+            <a:ext cx="1839792" cy="397933"/>
           </a:xfrm>
           <a:prstGeom prst="rect">
             <a:avLst/>
@@ -6860,22 +4866,23 @@
           <a:p>
             <a:pPr algn="ctr"/>
             <a:r>
-              <a:rPr lang="en-US" altLang="ko-KR" sz="1000"/>
-              <a:t>6.8</a:t>
-            </a:r>
-            <a:r>
-              <a:rPr lang="ko-KR" altLang="en-US" sz="1000"/>
-              <a:t>배</a:t>
-            </a:r>
-          </a:p>
-        </p:txBody>
-      </p:sp>
-      <p:sp>
-        <p:nvSpPr>
-          <p:cNvPr id="72" name="직사각형 71">
-            <a:extLst>
-              <a:ext uri="{FF2B5EF4-FFF2-40B4-BE49-F238E27FC236}">
-                <a16:creationId xmlns:a16="http://schemas.microsoft.com/office/drawing/2014/main" id="{428E5295-0EB7-7E63-D229-1BA6B4A94B17}"/>
+              <a:rPr lang="ko-KR" altLang="en-US"/>
+              <a:t>둘레</a:t>
+            </a:r>
+            <a:r>
+              <a:rPr lang="en-US" altLang="ko-KR"/>
+              <a:t>: 179mm</a:t>
+            </a:r>
+            <a:endParaRPr lang="ko-KR" altLang="en-US"/>
+          </a:p>
+        </p:txBody>
+      </p:sp>
+      <p:sp>
+        <p:nvSpPr>
+          <p:cNvPr id="49" name="직사각형 48">
+            <a:extLst>
+              <a:ext uri="{FF2B5EF4-FFF2-40B4-BE49-F238E27FC236}">
+                <a16:creationId xmlns:a16="http://schemas.microsoft.com/office/drawing/2014/main" id="{085D91F1-D1B5-4A67-9123-B63557B5A8AD}"/>
               </a:ext>
             </a:extLst>
           </p:cNvPr>
@@ -6884,8 +4891,8 @@
         </p:nvSpPr>
         <p:spPr>
           <a:xfrm>
-            <a:off x="3138183" y="3657159"/>
-            <a:ext cx="551473" cy="295447"/>
+            <a:off x="9410285" y="2854388"/>
+            <a:ext cx="2183533" cy="397933"/>
           </a:xfrm>
           <a:prstGeom prst="rect">
             <a:avLst/>
@@ -6913,22 +4920,23 @@
           <a:p>
             <a:pPr algn="ctr"/>
             <a:r>
-              <a:rPr lang="en-US" altLang="ko-KR" sz="1000"/>
-              <a:t>5.7</a:t>
-            </a:r>
-            <a:r>
-              <a:rPr lang="ko-KR" altLang="en-US" sz="1000"/>
-              <a:t>배</a:t>
-            </a:r>
-          </a:p>
-        </p:txBody>
-      </p:sp>
-      <p:sp>
-        <p:nvSpPr>
-          <p:cNvPr id="73" name="직사각형 72">
-            <a:extLst>
-              <a:ext uri="{FF2B5EF4-FFF2-40B4-BE49-F238E27FC236}">
-                <a16:creationId xmlns:a16="http://schemas.microsoft.com/office/drawing/2014/main" id="{D3A0D289-F8CB-0B6E-358B-136466517A14}"/>
+              <a:rPr lang="ko-KR" altLang="en-US"/>
+              <a:t>둘레</a:t>
+            </a:r>
+            <a:r>
+              <a:rPr lang="en-US" altLang="ko-KR"/>
+              <a:t>: 229~235mm </a:t>
+            </a:r>
+            <a:endParaRPr lang="ko-KR" altLang="en-US"/>
+          </a:p>
+        </p:txBody>
+      </p:sp>
+      <p:sp>
+        <p:nvSpPr>
+          <p:cNvPr id="51" name="직사각형 50">
+            <a:extLst>
+              <a:ext uri="{FF2B5EF4-FFF2-40B4-BE49-F238E27FC236}">
+                <a16:creationId xmlns:a16="http://schemas.microsoft.com/office/drawing/2014/main" id="{7C032EC4-924C-5FA6-7815-0E47DBE8AFEE}"/>
               </a:ext>
             </a:extLst>
           </p:cNvPr>
@@ -6937,8 +4945,8 @@
         </p:nvSpPr>
         <p:spPr>
           <a:xfrm>
-            <a:off x="9041547" y="3294419"/>
-            <a:ext cx="551473" cy="295447"/>
+            <a:off x="2615805" y="5193458"/>
+            <a:ext cx="2183533" cy="397933"/>
           </a:xfrm>
           <a:prstGeom prst="rect">
             <a:avLst/>
@@ -6966,8 +4974,602 @@
           <a:p>
             <a:pPr algn="ctr"/>
             <a:r>
+              <a:rPr lang="ko-KR" altLang="en-US"/>
+              <a:t>둘레</a:t>
+            </a:r>
+            <a:r>
+              <a:rPr lang="en-US" altLang="ko-KR"/>
+              <a:t>: 650~670mm </a:t>
+            </a:r>
+            <a:endParaRPr lang="ko-KR" altLang="en-US"/>
+          </a:p>
+        </p:txBody>
+      </p:sp>
+      <p:sp>
+        <p:nvSpPr>
+          <p:cNvPr id="52" name="직사각형 51">
+            <a:extLst>
+              <a:ext uri="{FF2B5EF4-FFF2-40B4-BE49-F238E27FC236}">
+                <a16:creationId xmlns:a16="http://schemas.microsoft.com/office/drawing/2014/main" id="{63C3D00B-8881-5DE1-2C7C-DEEADD6A61A5}"/>
+              </a:ext>
+            </a:extLst>
+          </p:cNvPr>
+          <p:cNvSpPr/>
+          <p:nvPr/>
+        </p:nvSpPr>
+        <p:spPr>
+          <a:xfrm>
+            <a:off x="9324681" y="2185206"/>
+            <a:ext cx="2455797" cy="397933"/>
+          </a:xfrm>
+          <a:prstGeom prst="rect">
+            <a:avLst/>
+          </a:prstGeom>
+        </p:spPr>
+        <p:style>
+          <a:lnRef idx="2">
+            <a:schemeClr val="accent1">
+              <a:shade val="15000"/>
+            </a:schemeClr>
+          </a:lnRef>
+          <a:fillRef idx="1">
+            <a:schemeClr val="accent1"/>
+          </a:fillRef>
+          <a:effectRef idx="0">
+            <a:schemeClr val="accent1"/>
+          </a:effectRef>
+          <a:fontRef idx="minor">
+            <a:schemeClr val="lt1"/>
+          </a:fontRef>
+        </p:style>
+        <p:txBody>
+          <a:bodyPr rtlCol="0" anchor="ctr"/>
+          <a:lstStyle/>
+          <a:p>
+            <a:pPr algn="ctr"/>
+            <a:r>
+              <a:rPr lang="ko-KR" altLang="en-US"/>
+              <a:t>직경</a:t>
+            </a:r>
+            <a:r>
+              <a:rPr lang="en-US" altLang="ko-KR"/>
+              <a:t>: 73~75mm </a:t>
+            </a:r>
+            <a:endParaRPr lang="ko-KR" altLang="en-US"/>
+          </a:p>
+        </p:txBody>
+      </p:sp>
+      <p:sp>
+        <p:nvSpPr>
+          <p:cNvPr id="53" name="직사각형 52">
+            <a:extLst>
+              <a:ext uri="{FF2B5EF4-FFF2-40B4-BE49-F238E27FC236}">
+                <a16:creationId xmlns:a16="http://schemas.microsoft.com/office/drawing/2014/main" id="{9CA211B2-D70C-DB8D-6DA0-40CB2B2779AA}"/>
+              </a:ext>
+            </a:extLst>
+          </p:cNvPr>
+          <p:cNvSpPr/>
+          <p:nvPr/>
+        </p:nvSpPr>
+        <p:spPr>
+          <a:xfrm>
+            <a:off x="2636471" y="4692748"/>
+            <a:ext cx="2097499" cy="397933"/>
+          </a:xfrm>
+          <a:prstGeom prst="rect">
+            <a:avLst/>
+          </a:prstGeom>
+        </p:spPr>
+        <p:style>
+          <a:lnRef idx="2">
+            <a:schemeClr val="accent1">
+              <a:shade val="15000"/>
+            </a:schemeClr>
+          </a:lnRef>
+          <a:fillRef idx="1">
+            <a:schemeClr val="accent1"/>
+          </a:fillRef>
+          <a:effectRef idx="0">
+            <a:schemeClr val="accent1"/>
+          </a:effectRef>
+          <a:fontRef idx="minor">
+            <a:schemeClr val="lt1"/>
+          </a:fontRef>
+        </p:style>
+        <p:txBody>
+          <a:bodyPr rtlCol="0" anchor="ctr"/>
+          <a:lstStyle/>
+          <a:p>
+            <a:pPr algn="ctr"/>
+            <a:r>
+              <a:rPr lang="ko-KR" altLang="en-US"/>
+              <a:t>직경</a:t>
+            </a:r>
+            <a:r>
+              <a:rPr lang="en-US" altLang="ko-KR"/>
+              <a:t>: 207~213mm </a:t>
+            </a:r>
+            <a:endParaRPr lang="ko-KR" altLang="en-US"/>
+          </a:p>
+        </p:txBody>
+      </p:sp>
+      <p:sp>
+        <p:nvSpPr>
+          <p:cNvPr id="54" name="직사각형 53">
+            <a:extLst>
+              <a:ext uri="{FF2B5EF4-FFF2-40B4-BE49-F238E27FC236}">
+                <a16:creationId xmlns:a16="http://schemas.microsoft.com/office/drawing/2014/main" id="{663B41FC-6A13-1638-2E05-8632B3E55291}"/>
+              </a:ext>
+            </a:extLst>
+          </p:cNvPr>
+          <p:cNvSpPr/>
+          <p:nvPr/>
+        </p:nvSpPr>
+        <p:spPr>
+          <a:xfrm>
+            <a:off x="4919564" y="4676938"/>
+            <a:ext cx="2097498" cy="397933"/>
+          </a:xfrm>
+          <a:prstGeom prst="rect">
+            <a:avLst/>
+          </a:prstGeom>
+        </p:spPr>
+        <p:style>
+          <a:lnRef idx="2">
+            <a:schemeClr val="accent1">
+              <a:shade val="15000"/>
+            </a:schemeClr>
+          </a:lnRef>
+          <a:fillRef idx="1">
+            <a:schemeClr val="accent1"/>
+          </a:fillRef>
+          <a:effectRef idx="0">
+            <a:schemeClr val="accent1"/>
+          </a:effectRef>
+          <a:fontRef idx="minor">
+            <a:schemeClr val="lt1"/>
+          </a:fontRef>
+        </p:style>
+        <p:txBody>
+          <a:bodyPr rtlCol="0" anchor="ctr"/>
+          <a:lstStyle/>
+          <a:p>
+            <a:pPr algn="ctr"/>
+            <a:r>
+              <a:rPr lang="ko-KR" altLang="en-US"/>
+              <a:t>직경</a:t>
+            </a:r>
+            <a:r>
+              <a:rPr lang="en-US" altLang="ko-KR"/>
+              <a:t>: 207~213mm </a:t>
+            </a:r>
+            <a:endParaRPr lang="ko-KR" altLang="en-US"/>
+          </a:p>
+        </p:txBody>
+      </p:sp>
+      <p:sp>
+        <p:nvSpPr>
+          <p:cNvPr id="56" name="직사각형 55">
+            <a:extLst>
+              <a:ext uri="{FF2B5EF4-FFF2-40B4-BE49-F238E27FC236}">
+                <a16:creationId xmlns:a16="http://schemas.microsoft.com/office/drawing/2014/main" id="{B930D73D-21C3-889D-48C1-DD6E4F2956F4}"/>
+              </a:ext>
+            </a:extLst>
+          </p:cNvPr>
+          <p:cNvSpPr/>
+          <p:nvPr/>
+        </p:nvSpPr>
+        <p:spPr>
+          <a:xfrm>
+            <a:off x="4977058" y="5184013"/>
+            <a:ext cx="2183533" cy="397933"/>
+          </a:xfrm>
+          <a:prstGeom prst="rect">
+            <a:avLst/>
+          </a:prstGeom>
+        </p:spPr>
+        <p:style>
+          <a:lnRef idx="2">
+            <a:schemeClr val="accent1">
+              <a:shade val="15000"/>
+            </a:schemeClr>
+          </a:lnRef>
+          <a:fillRef idx="1">
+            <a:schemeClr val="accent1"/>
+          </a:fillRef>
+          <a:effectRef idx="0">
+            <a:schemeClr val="accent1"/>
+          </a:effectRef>
+          <a:fontRef idx="minor">
+            <a:schemeClr val="lt1"/>
+          </a:fontRef>
+        </p:style>
+        <p:txBody>
+          <a:bodyPr rtlCol="0" anchor="ctr"/>
+          <a:lstStyle/>
+          <a:p>
+            <a:pPr algn="ctr"/>
+            <a:r>
+              <a:rPr lang="ko-KR" altLang="en-US"/>
+              <a:t>둘레</a:t>
+            </a:r>
+            <a:r>
+              <a:rPr lang="en-US" altLang="ko-KR"/>
+              <a:t>: 650~670mm </a:t>
+            </a:r>
+            <a:endParaRPr lang="ko-KR" altLang="en-US"/>
+          </a:p>
+        </p:txBody>
+      </p:sp>
+      <p:sp>
+        <p:nvSpPr>
+          <p:cNvPr id="57" name="직사각형 56">
+            <a:extLst>
+              <a:ext uri="{FF2B5EF4-FFF2-40B4-BE49-F238E27FC236}">
+                <a16:creationId xmlns:a16="http://schemas.microsoft.com/office/drawing/2014/main" id="{26EF4949-B385-5AD0-9914-1C98A562E22D}"/>
+              </a:ext>
+            </a:extLst>
+          </p:cNvPr>
+          <p:cNvSpPr/>
+          <p:nvPr/>
+        </p:nvSpPr>
+        <p:spPr>
+          <a:xfrm>
+            <a:off x="9737757" y="5193458"/>
+            <a:ext cx="2183533" cy="397933"/>
+          </a:xfrm>
+          <a:prstGeom prst="rect">
+            <a:avLst/>
+          </a:prstGeom>
+        </p:spPr>
+        <p:style>
+          <a:lnRef idx="2">
+            <a:schemeClr val="accent1">
+              <a:shade val="15000"/>
+            </a:schemeClr>
+          </a:lnRef>
+          <a:fillRef idx="1">
+            <a:schemeClr val="accent1"/>
+          </a:fillRef>
+          <a:effectRef idx="0">
+            <a:schemeClr val="accent1"/>
+          </a:effectRef>
+          <a:fontRef idx="minor">
+            <a:schemeClr val="lt1"/>
+          </a:fontRef>
+        </p:style>
+        <p:txBody>
+          <a:bodyPr rtlCol="0" anchor="ctr"/>
+          <a:lstStyle/>
+          <a:p>
+            <a:pPr algn="ctr"/>
+            <a:r>
+              <a:rPr lang="ko-KR" altLang="en-US"/>
+              <a:t>둘레</a:t>
+            </a:r>
+            <a:r>
+              <a:rPr lang="en-US" altLang="ko-KR"/>
+              <a:t>: 680~700mm </a:t>
+            </a:r>
+            <a:endParaRPr lang="ko-KR" altLang="en-US"/>
+          </a:p>
+        </p:txBody>
+      </p:sp>
+      <p:sp>
+        <p:nvSpPr>
+          <p:cNvPr id="58" name="직사각형 57">
+            <a:extLst>
+              <a:ext uri="{FF2B5EF4-FFF2-40B4-BE49-F238E27FC236}">
+                <a16:creationId xmlns:a16="http://schemas.microsoft.com/office/drawing/2014/main" id="{D8F08E73-6593-4B24-22FB-CA95FFE4A7E3}"/>
+              </a:ext>
+            </a:extLst>
+          </p:cNvPr>
+          <p:cNvSpPr/>
+          <p:nvPr/>
+        </p:nvSpPr>
+        <p:spPr>
+          <a:xfrm>
+            <a:off x="9737757" y="4648947"/>
+            <a:ext cx="2113436" cy="397933"/>
+          </a:xfrm>
+          <a:prstGeom prst="rect">
+            <a:avLst/>
+          </a:prstGeom>
+        </p:spPr>
+        <p:style>
+          <a:lnRef idx="2">
+            <a:schemeClr val="accent1">
+              <a:shade val="15000"/>
+            </a:schemeClr>
+          </a:lnRef>
+          <a:fillRef idx="1">
+            <a:schemeClr val="accent1"/>
+          </a:fillRef>
+          <a:effectRef idx="0">
+            <a:schemeClr val="accent1"/>
+          </a:effectRef>
+          <a:fontRef idx="minor">
+            <a:schemeClr val="lt1"/>
+          </a:fontRef>
+        </p:style>
+        <p:txBody>
+          <a:bodyPr rtlCol="0" anchor="ctr"/>
+          <a:lstStyle/>
+          <a:p>
+            <a:pPr algn="ctr"/>
+            <a:r>
+              <a:rPr lang="ko-KR" altLang="en-US"/>
+              <a:t>직경</a:t>
+            </a:r>
+            <a:r>
+              <a:rPr lang="en-US" altLang="ko-KR"/>
+              <a:t>: 217~223mm </a:t>
+            </a:r>
+            <a:endParaRPr lang="ko-KR" altLang="en-US"/>
+          </a:p>
+        </p:txBody>
+      </p:sp>
+      <p:sp>
+        <p:nvSpPr>
+          <p:cNvPr id="59" name="직사각형 58">
+            <a:extLst>
+              <a:ext uri="{FF2B5EF4-FFF2-40B4-BE49-F238E27FC236}">
+                <a16:creationId xmlns:a16="http://schemas.microsoft.com/office/drawing/2014/main" id="{AB15E0BF-D692-A175-084A-6DDA05D4E646}"/>
+              </a:ext>
+            </a:extLst>
+          </p:cNvPr>
+          <p:cNvSpPr/>
+          <p:nvPr/>
+        </p:nvSpPr>
+        <p:spPr>
+          <a:xfrm>
+            <a:off x="6508029" y="5691281"/>
+            <a:ext cx="2113436" cy="397933"/>
+          </a:xfrm>
+          <a:prstGeom prst="rect">
+            <a:avLst/>
+          </a:prstGeom>
+        </p:spPr>
+        <p:style>
+          <a:lnRef idx="2">
+            <a:schemeClr val="accent1">
+              <a:shade val="15000"/>
+            </a:schemeClr>
+          </a:lnRef>
+          <a:fillRef idx="1">
+            <a:schemeClr val="accent1"/>
+          </a:fillRef>
+          <a:effectRef idx="0">
+            <a:schemeClr val="accent1"/>
+          </a:effectRef>
+          <a:fontRef idx="minor">
+            <a:schemeClr val="lt1"/>
+          </a:fontRef>
+        </p:style>
+        <p:txBody>
+          <a:bodyPr rtlCol="0" anchor="ctr"/>
+          <a:lstStyle/>
+          <a:p>
+            <a:pPr algn="ctr"/>
+            <a:r>
+              <a:rPr lang="ko-KR" altLang="en-US"/>
+              <a:t>직경</a:t>
+            </a:r>
+            <a:r>
+              <a:rPr lang="en-US" altLang="ko-KR"/>
+              <a:t>: 239mm </a:t>
+            </a:r>
+            <a:endParaRPr lang="ko-KR" altLang="en-US"/>
+          </a:p>
+        </p:txBody>
+      </p:sp>
+      <p:sp>
+        <p:nvSpPr>
+          <p:cNvPr id="60" name="직사각형 59">
+            <a:extLst>
+              <a:ext uri="{FF2B5EF4-FFF2-40B4-BE49-F238E27FC236}">
+                <a16:creationId xmlns:a16="http://schemas.microsoft.com/office/drawing/2014/main" id="{2626A68A-1D31-0961-DCD4-6D2A12B4332D}"/>
+              </a:ext>
+            </a:extLst>
+          </p:cNvPr>
+          <p:cNvSpPr/>
+          <p:nvPr/>
+        </p:nvSpPr>
+        <p:spPr>
+          <a:xfrm>
+            <a:off x="6494040" y="6272303"/>
+            <a:ext cx="2183533" cy="397933"/>
+          </a:xfrm>
+          <a:prstGeom prst="rect">
+            <a:avLst/>
+          </a:prstGeom>
+        </p:spPr>
+        <p:style>
+          <a:lnRef idx="2">
+            <a:schemeClr val="accent1">
+              <a:shade val="15000"/>
+            </a:schemeClr>
+          </a:lnRef>
+          <a:fillRef idx="1">
+            <a:schemeClr val="accent1"/>
+          </a:fillRef>
+          <a:effectRef idx="0">
+            <a:schemeClr val="accent1"/>
+          </a:effectRef>
+          <a:fontRef idx="minor">
+            <a:schemeClr val="lt1"/>
+          </a:fontRef>
+        </p:style>
+        <p:txBody>
+          <a:bodyPr rtlCol="0" anchor="ctr"/>
+          <a:lstStyle/>
+          <a:p>
+            <a:pPr algn="ctr"/>
+            <a:r>
+              <a:rPr lang="ko-KR" altLang="en-US"/>
+              <a:t>둘레</a:t>
+            </a:r>
+            <a:r>
+              <a:rPr lang="en-US" altLang="ko-KR"/>
+              <a:t>: 750mm </a:t>
+            </a:r>
+            <a:endParaRPr lang="ko-KR" altLang="en-US"/>
+          </a:p>
+        </p:txBody>
+      </p:sp>
+      <p:sp>
+        <p:nvSpPr>
+          <p:cNvPr id="61" name="직사각형 60">
+            <a:extLst>
+              <a:ext uri="{FF2B5EF4-FFF2-40B4-BE49-F238E27FC236}">
+                <a16:creationId xmlns:a16="http://schemas.microsoft.com/office/drawing/2014/main" id="{CC5478E4-3DE8-7B4D-C601-0563093142F1}"/>
+              </a:ext>
+            </a:extLst>
+          </p:cNvPr>
+          <p:cNvSpPr/>
+          <p:nvPr/>
+        </p:nvSpPr>
+        <p:spPr>
+          <a:xfrm>
+            <a:off x="7338311" y="4686107"/>
+            <a:ext cx="2113436" cy="397933"/>
+          </a:xfrm>
+          <a:prstGeom prst="rect">
+            <a:avLst/>
+          </a:prstGeom>
+        </p:spPr>
+        <p:style>
+          <a:lnRef idx="2">
+            <a:schemeClr val="accent1">
+              <a:shade val="15000"/>
+            </a:schemeClr>
+          </a:lnRef>
+          <a:fillRef idx="1">
+            <a:schemeClr val="accent1"/>
+          </a:fillRef>
+          <a:effectRef idx="0">
+            <a:schemeClr val="accent1"/>
+          </a:effectRef>
+          <a:fontRef idx="minor">
+            <a:schemeClr val="lt1"/>
+          </a:fontRef>
+        </p:style>
+        <p:txBody>
+          <a:bodyPr rtlCol="0" anchor="ctr"/>
+          <a:lstStyle/>
+          <a:p>
+            <a:pPr algn="ctr"/>
+            <a:r>
+              <a:rPr lang="ko-KR" altLang="en-US"/>
+              <a:t>직경</a:t>
+            </a:r>
+            <a:r>
+              <a:rPr lang="en-US" altLang="ko-KR"/>
+              <a:t>: 218mm </a:t>
+            </a:r>
+            <a:endParaRPr lang="ko-KR" altLang="en-US"/>
+          </a:p>
+        </p:txBody>
+      </p:sp>
+      <p:sp>
+        <p:nvSpPr>
+          <p:cNvPr id="62" name="직사각형 61">
+            <a:extLst>
+              <a:ext uri="{FF2B5EF4-FFF2-40B4-BE49-F238E27FC236}">
+                <a16:creationId xmlns:a16="http://schemas.microsoft.com/office/drawing/2014/main" id="{A44FD3F0-8894-A183-C2A5-958F06504415}"/>
+              </a:ext>
+            </a:extLst>
+          </p:cNvPr>
+          <p:cNvSpPr/>
+          <p:nvPr/>
+        </p:nvSpPr>
+        <p:spPr>
+          <a:xfrm>
+            <a:off x="7377595" y="5180370"/>
+            <a:ext cx="2183533" cy="397933"/>
+          </a:xfrm>
+          <a:prstGeom prst="rect">
+            <a:avLst/>
+          </a:prstGeom>
+        </p:spPr>
+        <p:style>
+          <a:lnRef idx="2">
+            <a:schemeClr val="accent1">
+              <a:shade val="15000"/>
+            </a:schemeClr>
+          </a:lnRef>
+          <a:fillRef idx="1">
+            <a:schemeClr val="accent1"/>
+          </a:fillRef>
+          <a:effectRef idx="0">
+            <a:schemeClr val="accent1"/>
+          </a:effectRef>
+          <a:fontRef idx="minor">
+            <a:schemeClr val="lt1"/>
+          </a:fontRef>
+        </p:style>
+        <p:txBody>
+          <a:bodyPr rtlCol="0" anchor="ctr"/>
+          <a:lstStyle/>
+          <a:p>
+            <a:pPr algn="ctr"/>
+            <a:r>
+              <a:rPr lang="ko-KR" altLang="en-US"/>
+              <a:t>둘레</a:t>
+            </a:r>
+            <a:r>
+              <a:rPr lang="en-US" altLang="ko-KR"/>
+              <a:t>: 686mm </a:t>
+            </a:r>
+            <a:endParaRPr lang="ko-KR" altLang="en-US"/>
+          </a:p>
+        </p:txBody>
+      </p:sp>
+      <p:sp>
+        <p:nvSpPr>
+          <p:cNvPr id="63" name="직사각형 62">
+            <a:extLst>
+              <a:ext uri="{FF2B5EF4-FFF2-40B4-BE49-F238E27FC236}">
+                <a16:creationId xmlns:a16="http://schemas.microsoft.com/office/drawing/2014/main" id="{DBB0D66C-FFD4-8737-2612-BF8D6083EFF8}"/>
+              </a:ext>
+            </a:extLst>
+          </p:cNvPr>
+          <p:cNvSpPr/>
+          <p:nvPr/>
+        </p:nvSpPr>
+        <p:spPr>
+          <a:xfrm>
+            <a:off x="1205802" y="762269"/>
+            <a:ext cx="551473" cy="324145"/>
+          </a:xfrm>
+          <a:prstGeom prst="rect">
+            <a:avLst/>
+          </a:prstGeom>
+        </p:spPr>
+        <p:style>
+          <a:lnRef idx="2">
+            <a:schemeClr val="accent1">
+              <a:shade val="15000"/>
+            </a:schemeClr>
+          </a:lnRef>
+          <a:fillRef idx="1">
+            <a:schemeClr val="accent1"/>
+          </a:fillRef>
+          <a:effectRef idx="0">
+            <a:schemeClr val="accent1"/>
+          </a:effectRef>
+          <a:fontRef idx="minor">
+            <a:schemeClr val="lt1"/>
+          </a:fontRef>
+        </p:style>
+        <p:txBody>
+          <a:bodyPr rtlCol="0" anchor="ctr"/>
+          <a:lstStyle/>
+          <a:p>
+            <a:pPr algn="ctr"/>
+            <a:r>
               <a:rPr lang="en-US" altLang="ko-KR" sz="1000"/>
-              <a:t>8</a:t>
+              <a:t>1</a:t>
             </a:r>
             <a:r>
               <a:rPr lang="ko-KR" altLang="en-US" sz="1000"/>
@@ -6976,46 +5578,770 @@
           </a:p>
         </p:txBody>
       </p:sp>
-      <p:pic>
-        <p:nvPicPr>
-          <p:cNvPr id="6" name="그림 5">
-            <a:extLst>
-              <a:ext uri="{FF2B5EF4-FFF2-40B4-BE49-F238E27FC236}">
-                <a16:creationId xmlns:a16="http://schemas.microsoft.com/office/drawing/2014/main" id="{3277DD38-30EE-ABAA-3BF3-088C709310BB}"/>
-              </a:ext>
-            </a:extLst>
-          </p:cNvPr>
-          <p:cNvPicPr>
-            <a:picLocks noChangeAspect="1"/>
-          </p:cNvPicPr>
+      <p:sp>
+        <p:nvSpPr>
+          <p:cNvPr id="64" name="직사각형 63">
+            <a:extLst>
+              <a:ext uri="{FF2B5EF4-FFF2-40B4-BE49-F238E27FC236}">
+                <a16:creationId xmlns:a16="http://schemas.microsoft.com/office/drawing/2014/main" id="{EE8C7D93-F443-44DE-D230-8110670698C2}"/>
+              </a:ext>
+            </a:extLst>
+          </p:cNvPr>
+          <p:cNvSpPr/>
           <p:nvPr/>
-        </p:nvPicPr>
-        <p:blipFill>
-          <a:blip r:embed="rId12">
-            <a:extLst>
-              <a:ext uri="{28A0092B-C50C-407E-A947-70E740481C1C}">
-                <a14:useLocalDpi xmlns:a14="http://schemas.microsoft.com/office/drawing/2010/main" val="0"/>
-              </a:ext>
-            </a:extLst>
-          </a:blip>
-          <a:stretch>
-            <a:fillRect/>
-          </a:stretch>
-        </p:blipFill>
-        <p:spPr>
-          <a:xfrm>
-            <a:off x="862133" y="2706516"/>
-            <a:ext cx="324145" cy="324145"/>
-          </a:xfrm>
-          <a:prstGeom prst="rect">
-            <a:avLst/>
-          </a:prstGeom>
-        </p:spPr>
-      </p:pic>
+        </p:nvSpPr>
+        <p:spPr>
+          <a:xfrm>
+            <a:off x="3800033" y="736335"/>
+            <a:ext cx="686254" cy="324145"/>
+          </a:xfrm>
+          <a:prstGeom prst="rect">
+            <a:avLst/>
+          </a:prstGeom>
+        </p:spPr>
+        <p:style>
+          <a:lnRef idx="2">
+            <a:schemeClr val="accent1">
+              <a:shade val="15000"/>
+            </a:schemeClr>
+          </a:lnRef>
+          <a:fillRef idx="1">
+            <a:schemeClr val="accent1"/>
+          </a:fillRef>
+          <a:effectRef idx="0">
+            <a:schemeClr val="accent1"/>
+          </a:effectRef>
+          <a:fontRef idx="minor">
+            <a:schemeClr val="lt1"/>
+          </a:fontRef>
+        </p:style>
+        <p:txBody>
+          <a:bodyPr rtlCol="0" anchor="ctr"/>
+          <a:lstStyle/>
+          <a:p>
+            <a:pPr algn="ctr"/>
+            <a:r>
+              <a:rPr lang="en-US" altLang="ko-KR" sz="1000"/>
+              <a:t>1.335</a:t>
+            </a:r>
+            <a:r>
+              <a:rPr lang="ko-KR" altLang="en-US" sz="1000"/>
+              <a:t>배</a:t>
+            </a:r>
+          </a:p>
+        </p:txBody>
+      </p:sp>
+      <p:sp>
+        <p:nvSpPr>
+          <p:cNvPr id="65" name="직사각형 64">
+            <a:extLst>
+              <a:ext uri="{FF2B5EF4-FFF2-40B4-BE49-F238E27FC236}">
+                <a16:creationId xmlns:a16="http://schemas.microsoft.com/office/drawing/2014/main" id="{57D60489-0CA9-94AA-B7AB-BE4043B84C71}"/>
+              </a:ext>
+            </a:extLst>
+          </p:cNvPr>
+          <p:cNvSpPr/>
+          <p:nvPr/>
+        </p:nvSpPr>
+        <p:spPr>
+          <a:xfrm>
+            <a:off x="5618420" y="635484"/>
+            <a:ext cx="551473" cy="324145"/>
+          </a:xfrm>
+          <a:prstGeom prst="rect">
+            <a:avLst/>
+          </a:prstGeom>
+        </p:spPr>
+        <p:style>
+          <a:lnRef idx="2">
+            <a:schemeClr val="accent1">
+              <a:shade val="15000"/>
+            </a:schemeClr>
+          </a:lnRef>
+          <a:fillRef idx="1">
+            <a:schemeClr val="accent1"/>
+          </a:fillRef>
+          <a:effectRef idx="0">
+            <a:schemeClr val="accent1"/>
+          </a:effectRef>
+          <a:fontRef idx="minor">
+            <a:schemeClr val="lt1"/>
+          </a:fontRef>
+        </p:style>
+        <p:txBody>
+          <a:bodyPr rtlCol="0" anchor="ctr"/>
+          <a:lstStyle/>
+          <a:p>
+            <a:pPr algn="ctr"/>
+            <a:r>
+              <a:rPr lang="en-US" altLang="ko-KR" sz="1000"/>
+              <a:t>1.5</a:t>
+            </a:r>
+            <a:r>
+              <a:rPr lang="ko-KR" altLang="en-US" sz="1000"/>
+              <a:t>배</a:t>
+            </a:r>
+          </a:p>
+        </p:txBody>
+      </p:sp>
+      <p:sp>
+        <p:nvSpPr>
+          <p:cNvPr id="66" name="직사각형 65">
+            <a:extLst>
+              <a:ext uri="{FF2B5EF4-FFF2-40B4-BE49-F238E27FC236}">
+                <a16:creationId xmlns:a16="http://schemas.microsoft.com/office/drawing/2014/main" id="{C849CFE7-9EFA-2C45-AC7A-6EE9FDD0CC71}"/>
+              </a:ext>
+            </a:extLst>
+          </p:cNvPr>
+          <p:cNvSpPr/>
+          <p:nvPr/>
+        </p:nvSpPr>
+        <p:spPr>
+          <a:xfrm>
+            <a:off x="7847173" y="604682"/>
+            <a:ext cx="551473" cy="324145"/>
+          </a:xfrm>
+          <a:prstGeom prst="rect">
+            <a:avLst/>
+          </a:prstGeom>
+        </p:spPr>
+        <p:style>
+          <a:lnRef idx="2">
+            <a:schemeClr val="accent1">
+              <a:shade val="15000"/>
+            </a:schemeClr>
+          </a:lnRef>
+          <a:fillRef idx="1">
+            <a:schemeClr val="accent1"/>
+          </a:fillRef>
+          <a:effectRef idx="0">
+            <a:schemeClr val="accent1"/>
+          </a:effectRef>
+          <a:fontRef idx="minor">
+            <a:schemeClr val="lt1"/>
+          </a:fontRef>
+        </p:style>
+        <p:txBody>
+          <a:bodyPr rtlCol="0" anchor="ctr"/>
+          <a:lstStyle/>
+          <a:p>
+            <a:pPr algn="ctr"/>
+            <a:r>
+              <a:rPr lang="en-US" altLang="ko-KR" sz="1000"/>
+              <a:t>1.5</a:t>
+            </a:r>
+            <a:r>
+              <a:rPr lang="ko-KR" altLang="en-US" sz="1000"/>
+              <a:t>배</a:t>
+            </a:r>
+          </a:p>
+        </p:txBody>
+      </p:sp>
+      <p:sp>
+        <p:nvSpPr>
+          <p:cNvPr id="67" name="직사각형 66">
+            <a:extLst>
+              <a:ext uri="{FF2B5EF4-FFF2-40B4-BE49-F238E27FC236}">
+                <a16:creationId xmlns:a16="http://schemas.microsoft.com/office/drawing/2014/main" id="{643C5C84-4CAA-6F4A-CCA7-36659CE56CED}"/>
+              </a:ext>
+            </a:extLst>
+          </p:cNvPr>
+          <p:cNvSpPr/>
+          <p:nvPr/>
+        </p:nvSpPr>
+        <p:spPr>
+          <a:xfrm>
+            <a:off x="10627809" y="569723"/>
+            <a:ext cx="551473" cy="324145"/>
+          </a:xfrm>
+          <a:prstGeom prst="rect">
+            <a:avLst/>
+          </a:prstGeom>
+        </p:spPr>
+        <p:style>
+          <a:lnRef idx="2">
+            <a:schemeClr val="accent1">
+              <a:shade val="15000"/>
+            </a:schemeClr>
+          </a:lnRef>
+          <a:fillRef idx="1">
+            <a:schemeClr val="accent1"/>
+          </a:fillRef>
+          <a:effectRef idx="0">
+            <a:schemeClr val="accent1"/>
+          </a:effectRef>
+          <a:fontRef idx="minor">
+            <a:schemeClr val="lt1"/>
+          </a:fontRef>
+        </p:style>
+        <p:txBody>
+          <a:bodyPr rtlCol="0" anchor="ctr"/>
+          <a:lstStyle/>
+          <a:p>
+            <a:pPr algn="ctr"/>
+            <a:r>
+              <a:rPr lang="en-US" altLang="ko-KR" sz="1000"/>
+              <a:t>1.75</a:t>
+            </a:r>
+            <a:r>
+              <a:rPr lang="ko-KR" altLang="en-US" sz="1000"/>
+              <a:t>배</a:t>
+            </a:r>
+          </a:p>
+        </p:txBody>
+      </p:sp>
+      <p:sp>
+        <p:nvSpPr>
+          <p:cNvPr id="68" name="직사각형 67">
+            <a:extLst>
+              <a:ext uri="{FF2B5EF4-FFF2-40B4-BE49-F238E27FC236}">
+                <a16:creationId xmlns:a16="http://schemas.microsoft.com/office/drawing/2014/main" id="{5467F0C9-DFBD-BEF0-B676-A5EB75F40178}"/>
+              </a:ext>
+            </a:extLst>
+          </p:cNvPr>
+          <p:cNvSpPr/>
+          <p:nvPr/>
+        </p:nvSpPr>
+        <p:spPr>
+          <a:xfrm>
+            <a:off x="1153987" y="3314191"/>
+            <a:ext cx="551473" cy="324145"/>
+          </a:xfrm>
+          <a:prstGeom prst="rect">
+            <a:avLst/>
+          </a:prstGeom>
+        </p:spPr>
+        <p:style>
+          <a:lnRef idx="2">
+            <a:schemeClr val="accent1">
+              <a:shade val="15000"/>
+            </a:schemeClr>
+          </a:lnRef>
+          <a:fillRef idx="1">
+            <a:schemeClr val="accent1"/>
+          </a:fillRef>
+          <a:effectRef idx="0">
+            <a:schemeClr val="accent1"/>
+          </a:effectRef>
+          <a:fontRef idx="minor">
+            <a:schemeClr val="lt1"/>
+          </a:fontRef>
+        </p:style>
+        <p:txBody>
+          <a:bodyPr rtlCol="0" anchor="ctr"/>
+          <a:lstStyle/>
+          <a:p>
+            <a:pPr algn="ctr"/>
+            <a:r>
+              <a:rPr lang="en-US" altLang="ko-KR" sz="1000"/>
+              <a:t>4.5</a:t>
+            </a:r>
+            <a:r>
+              <a:rPr lang="ko-KR" altLang="en-US" sz="1000"/>
+              <a:t>배</a:t>
+            </a:r>
+          </a:p>
+        </p:txBody>
+      </p:sp>
+      <p:sp>
+        <p:nvSpPr>
+          <p:cNvPr id="69" name="직사각형 68">
+            <a:extLst>
+              <a:ext uri="{FF2B5EF4-FFF2-40B4-BE49-F238E27FC236}">
+                <a16:creationId xmlns:a16="http://schemas.microsoft.com/office/drawing/2014/main" id="{57124871-92F0-2D0D-8D4E-FFBCC03A22C7}"/>
+              </a:ext>
+            </a:extLst>
+          </p:cNvPr>
+          <p:cNvSpPr/>
+          <p:nvPr/>
+        </p:nvSpPr>
+        <p:spPr>
+          <a:xfrm>
+            <a:off x="3660274" y="3247048"/>
+            <a:ext cx="551473" cy="324145"/>
+          </a:xfrm>
+          <a:prstGeom prst="rect">
+            <a:avLst/>
+          </a:prstGeom>
+        </p:spPr>
+        <p:style>
+          <a:lnRef idx="2">
+            <a:schemeClr val="accent1">
+              <a:shade val="15000"/>
+            </a:schemeClr>
+          </a:lnRef>
+          <a:fillRef idx="1">
+            <a:schemeClr val="accent1"/>
+          </a:fillRef>
+          <a:effectRef idx="0">
+            <a:schemeClr val="accent1"/>
+          </a:effectRef>
+          <a:fontRef idx="minor">
+            <a:schemeClr val="lt1"/>
+          </a:fontRef>
+        </p:style>
+        <p:txBody>
+          <a:bodyPr rtlCol="0" anchor="ctr"/>
+          <a:lstStyle/>
+          <a:p>
+            <a:pPr algn="ctr"/>
+            <a:r>
+              <a:rPr lang="en-US" altLang="ko-KR" sz="1000"/>
+              <a:t>5</a:t>
+            </a:r>
+            <a:r>
+              <a:rPr lang="ko-KR" altLang="en-US" sz="1000"/>
+              <a:t>배</a:t>
+            </a:r>
+          </a:p>
+        </p:txBody>
+      </p:sp>
+      <p:sp>
+        <p:nvSpPr>
+          <p:cNvPr id="70" name="직사각형 69">
+            <a:extLst>
+              <a:ext uri="{FF2B5EF4-FFF2-40B4-BE49-F238E27FC236}">
+                <a16:creationId xmlns:a16="http://schemas.microsoft.com/office/drawing/2014/main" id="{1BB32F39-2F38-095B-B53F-CC94F398BE99}"/>
+              </a:ext>
+            </a:extLst>
+          </p:cNvPr>
+          <p:cNvSpPr/>
+          <p:nvPr/>
+        </p:nvSpPr>
+        <p:spPr>
+          <a:xfrm>
+            <a:off x="5972524" y="3174508"/>
+            <a:ext cx="551473" cy="324145"/>
+          </a:xfrm>
+          <a:prstGeom prst="rect">
+            <a:avLst/>
+          </a:prstGeom>
+        </p:spPr>
+        <p:style>
+          <a:lnRef idx="2">
+            <a:schemeClr val="accent1">
+              <a:shade val="15000"/>
+            </a:schemeClr>
+          </a:lnRef>
+          <a:fillRef idx="1">
+            <a:schemeClr val="accent1"/>
+          </a:fillRef>
+          <a:effectRef idx="0">
+            <a:schemeClr val="accent1"/>
+          </a:effectRef>
+          <a:fontRef idx="minor">
+            <a:schemeClr val="lt1"/>
+          </a:fontRef>
+        </p:style>
+        <p:txBody>
+          <a:bodyPr rtlCol="0" anchor="ctr"/>
+          <a:lstStyle/>
+          <a:p>
+            <a:pPr algn="ctr"/>
+            <a:r>
+              <a:rPr lang="en-US" altLang="ko-KR" sz="1000"/>
+              <a:t>5</a:t>
+            </a:r>
+            <a:r>
+              <a:rPr lang="ko-KR" altLang="en-US" sz="1000"/>
+              <a:t>배</a:t>
+            </a:r>
+          </a:p>
+        </p:txBody>
+      </p:sp>
+      <p:sp>
+        <p:nvSpPr>
+          <p:cNvPr id="71" name="직사각형 70">
+            <a:extLst>
+              <a:ext uri="{FF2B5EF4-FFF2-40B4-BE49-F238E27FC236}">
+                <a16:creationId xmlns:a16="http://schemas.microsoft.com/office/drawing/2014/main" id="{08EBC1DA-7A2D-60BA-441A-5D8546A20702}"/>
+              </a:ext>
+            </a:extLst>
+          </p:cNvPr>
+          <p:cNvSpPr/>
+          <p:nvPr/>
+        </p:nvSpPr>
+        <p:spPr>
+          <a:xfrm>
+            <a:off x="10389091" y="3269173"/>
+            <a:ext cx="551473" cy="295447"/>
+          </a:xfrm>
+          <a:prstGeom prst="rect">
+            <a:avLst/>
+          </a:prstGeom>
+        </p:spPr>
+        <p:style>
+          <a:lnRef idx="2">
+            <a:schemeClr val="accent1">
+              <a:shade val="15000"/>
+            </a:schemeClr>
+          </a:lnRef>
+          <a:fillRef idx="1">
+            <a:schemeClr val="accent1"/>
+          </a:fillRef>
+          <a:effectRef idx="0">
+            <a:schemeClr val="accent1"/>
+          </a:effectRef>
+          <a:fontRef idx="minor">
+            <a:schemeClr val="lt1"/>
+          </a:fontRef>
+        </p:style>
+        <p:txBody>
+          <a:bodyPr rtlCol="0" anchor="ctr"/>
+          <a:lstStyle/>
+          <a:p>
+            <a:pPr algn="ctr"/>
+            <a:r>
+              <a:rPr lang="en-US" altLang="ko-KR" sz="1000"/>
+              <a:t>5.15</a:t>
+            </a:r>
+            <a:r>
+              <a:rPr lang="ko-KR" altLang="en-US" sz="1000"/>
+              <a:t>배</a:t>
+            </a:r>
+          </a:p>
+        </p:txBody>
+      </p:sp>
+      <p:sp>
+        <p:nvSpPr>
+          <p:cNvPr id="72" name="직사각형 71">
+            <a:extLst>
+              <a:ext uri="{FF2B5EF4-FFF2-40B4-BE49-F238E27FC236}">
+                <a16:creationId xmlns:a16="http://schemas.microsoft.com/office/drawing/2014/main" id="{428E5295-0EB7-7E63-D229-1BA6B4A94B17}"/>
+              </a:ext>
+            </a:extLst>
+          </p:cNvPr>
+          <p:cNvSpPr/>
+          <p:nvPr/>
+        </p:nvSpPr>
+        <p:spPr>
+          <a:xfrm>
+            <a:off x="8102808" y="3301700"/>
+            <a:ext cx="551473" cy="295447"/>
+          </a:xfrm>
+          <a:prstGeom prst="rect">
+            <a:avLst/>
+          </a:prstGeom>
+        </p:spPr>
+        <p:style>
+          <a:lnRef idx="2">
+            <a:schemeClr val="accent1">
+              <a:shade val="15000"/>
+            </a:schemeClr>
+          </a:lnRef>
+          <a:fillRef idx="1">
+            <a:schemeClr val="accent1"/>
+          </a:fillRef>
+          <a:effectRef idx="0">
+            <a:schemeClr val="accent1"/>
+          </a:effectRef>
+          <a:fontRef idx="minor">
+            <a:schemeClr val="lt1"/>
+          </a:fontRef>
+        </p:style>
+        <p:txBody>
+          <a:bodyPr rtlCol="0" anchor="ctr"/>
+          <a:lstStyle/>
+          <a:p>
+            <a:pPr algn="ctr"/>
+            <a:r>
+              <a:rPr lang="en-US" altLang="ko-KR" sz="1000"/>
+              <a:t>5.1</a:t>
+            </a:r>
+            <a:r>
+              <a:rPr lang="ko-KR" altLang="en-US" sz="1000"/>
+              <a:t>배</a:t>
+            </a:r>
+          </a:p>
+        </p:txBody>
+      </p:sp>
+      <p:sp>
+        <p:nvSpPr>
+          <p:cNvPr id="73" name="직사각형 72">
+            <a:extLst>
+              <a:ext uri="{FF2B5EF4-FFF2-40B4-BE49-F238E27FC236}">
+                <a16:creationId xmlns:a16="http://schemas.microsoft.com/office/drawing/2014/main" id="{D3A0D289-F8CB-0B6E-358B-136466517A14}"/>
+              </a:ext>
+            </a:extLst>
+          </p:cNvPr>
+          <p:cNvSpPr/>
+          <p:nvPr/>
+        </p:nvSpPr>
+        <p:spPr>
+          <a:xfrm>
+            <a:off x="3971107" y="5890247"/>
+            <a:ext cx="551473" cy="295447"/>
+          </a:xfrm>
+          <a:prstGeom prst="rect">
+            <a:avLst/>
+          </a:prstGeom>
+        </p:spPr>
+        <p:style>
+          <a:lnRef idx="2">
+            <a:schemeClr val="accent1">
+              <a:shade val="15000"/>
+            </a:schemeClr>
+          </a:lnRef>
+          <a:fillRef idx="1">
+            <a:schemeClr val="accent1"/>
+          </a:fillRef>
+          <a:effectRef idx="0">
+            <a:schemeClr val="accent1"/>
+          </a:effectRef>
+          <a:fontRef idx="minor">
+            <a:schemeClr val="lt1"/>
+          </a:fontRef>
+        </p:style>
+        <p:txBody>
+          <a:bodyPr rtlCol="0" anchor="ctr"/>
+          <a:lstStyle/>
+          <a:p>
+            <a:pPr algn="ctr"/>
+            <a:r>
+              <a:rPr lang="en-US" altLang="ko-KR" sz="1000"/>
+              <a:t>5.6</a:t>
+            </a:r>
+            <a:r>
+              <a:rPr lang="ko-KR" altLang="en-US" sz="1000"/>
+              <a:t>배</a:t>
+            </a:r>
+          </a:p>
+        </p:txBody>
+      </p:sp>
+      <p:sp>
+        <p:nvSpPr>
+          <p:cNvPr id="3" name="직사각형 2"/>
+          <p:cNvSpPr/>
+          <p:nvPr/>
+        </p:nvSpPr>
+        <p:spPr>
+          <a:xfrm>
+            <a:off x="2680210" y="768785"/>
+            <a:ext cx="911667" cy="250166"/>
+          </a:xfrm>
+          <a:prstGeom prst="rect">
+            <a:avLst/>
+          </a:prstGeom>
+        </p:spPr>
+        <p:style>
+          <a:lnRef idx="2">
+            <a:schemeClr val="accent1">
+              <a:shade val="50000"/>
+            </a:schemeClr>
+          </a:lnRef>
+          <a:fillRef idx="1">
+            <a:schemeClr val="accent1"/>
+          </a:fillRef>
+          <a:effectRef idx="0">
+            <a:schemeClr val="accent1"/>
+          </a:effectRef>
+          <a:fontRef idx="minor">
+            <a:schemeClr val="lt1"/>
+          </a:fontRef>
+        </p:style>
+        <p:txBody>
+          <a:bodyPr rtlCol="0" anchor="ctr"/>
+          <a:lstStyle/>
+          <a:p>
+            <a:pPr algn="ctr"/>
+            <a:r>
+              <a:rPr lang="ko-KR" altLang="en-US" sz="1000" smtClean="0"/>
+              <a:t>포켓볼 기준</a:t>
+            </a:r>
+            <a:endParaRPr lang="ko-KR" altLang="en-US" sz="1000"/>
+          </a:p>
+        </p:txBody>
+      </p:sp>
+      <p:sp>
+        <p:nvSpPr>
+          <p:cNvPr id="55" name="직사각형 54"/>
+          <p:cNvSpPr/>
+          <p:nvPr/>
+        </p:nvSpPr>
+        <p:spPr>
+          <a:xfrm>
+            <a:off x="5118926" y="3236707"/>
+            <a:ext cx="739395" cy="250166"/>
+          </a:xfrm>
+          <a:prstGeom prst="rect">
+            <a:avLst/>
+          </a:prstGeom>
+        </p:spPr>
+        <p:style>
+          <a:lnRef idx="2">
+            <a:schemeClr val="accent1">
+              <a:shade val="50000"/>
+            </a:schemeClr>
+          </a:lnRef>
+          <a:fillRef idx="1">
+            <a:schemeClr val="accent1"/>
+          </a:fillRef>
+          <a:effectRef idx="0">
+            <a:schemeClr val="accent1"/>
+          </a:effectRef>
+          <a:fontRef idx="minor">
+            <a:schemeClr val="lt1"/>
+          </a:fontRef>
+        </p:style>
+        <p:txBody>
+          <a:bodyPr rtlCol="0" anchor="ctr"/>
+          <a:lstStyle/>
+          <a:p>
+            <a:pPr algn="ctr"/>
+            <a:r>
+              <a:rPr lang="en-US" altLang="ko-KR" sz="1000" smtClean="0"/>
+              <a:t>5</a:t>
+            </a:r>
+            <a:r>
+              <a:rPr lang="ko-KR" altLang="en-US" sz="1000" smtClean="0"/>
+              <a:t>호 기준</a:t>
+            </a:r>
+            <a:endParaRPr lang="ko-KR" altLang="en-US" sz="1000"/>
+          </a:p>
+        </p:txBody>
+      </p:sp>
+      <p:sp>
+        <p:nvSpPr>
+          <p:cNvPr id="74" name="직사각형 73"/>
+          <p:cNvSpPr/>
+          <p:nvPr/>
+        </p:nvSpPr>
+        <p:spPr>
+          <a:xfrm>
+            <a:off x="2816201" y="3271425"/>
+            <a:ext cx="739395" cy="250166"/>
+          </a:xfrm>
+          <a:prstGeom prst="rect">
+            <a:avLst/>
+          </a:prstGeom>
+        </p:spPr>
+        <p:style>
+          <a:lnRef idx="2">
+            <a:schemeClr val="accent1">
+              <a:shade val="50000"/>
+            </a:schemeClr>
+          </a:lnRef>
+          <a:fillRef idx="1">
+            <a:schemeClr val="accent1"/>
+          </a:fillRef>
+          <a:effectRef idx="0">
+            <a:schemeClr val="accent1"/>
+          </a:effectRef>
+          <a:fontRef idx="minor">
+            <a:schemeClr val="lt1"/>
+          </a:fontRef>
+        </p:style>
+        <p:txBody>
+          <a:bodyPr rtlCol="0" anchor="ctr"/>
+          <a:lstStyle/>
+          <a:p>
+            <a:pPr algn="ctr"/>
+            <a:r>
+              <a:rPr lang="en-US" altLang="ko-KR" sz="1000" smtClean="0"/>
+              <a:t>5</a:t>
+            </a:r>
+            <a:r>
+              <a:rPr lang="ko-KR" altLang="en-US" sz="1000" smtClean="0"/>
+              <a:t>호 기준</a:t>
+            </a:r>
+            <a:endParaRPr lang="ko-KR" altLang="en-US" sz="1000"/>
+          </a:p>
+        </p:txBody>
+      </p:sp>
+      <p:sp>
+        <p:nvSpPr>
+          <p:cNvPr id="75" name="직사각형 74"/>
+          <p:cNvSpPr/>
+          <p:nvPr/>
+        </p:nvSpPr>
+        <p:spPr>
+          <a:xfrm>
+            <a:off x="3916656" y="6272303"/>
+            <a:ext cx="739395" cy="250166"/>
+          </a:xfrm>
+          <a:prstGeom prst="rect">
+            <a:avLst/>
+          </a:prstGeom>
+        </p:spPr>
+        <p:style>
+          <a:lnRef idx="2">
+            <a:schemeClr val="accent1">
+              <a:shade val="50000"/>
+            </a:schemeClr>
+          </a:lnRef>
+          <a:fillRef idx="1">
+            <a:schemeClr val="accent1"/>
+          </a:fillRef>
+          <a:effectRef idx="0">
+            <a:schemeClr val="accent1"/>
+          </a:effectRef>
+          <a:fontRef idx="minor">
+            <a:schemeClr val="lt1"/>
+          </a:fontRef>
+        </p:style>
+        <p:txBody>
+          <a:bodyPr rtlCol="0" anchor="ctr"/>
+          <a:lstStyle/>
+          <a:p>
+            <a:pPr algn="ctr"/>
+            <a:r>
+              <a:rPr lang="en-US" altLang="ko-KR" sz="1000"/>
+              <a:t>7</a:t>
+            </a:r>
+            <a:r>
+              <a:rPr lang="ko-KR" altLang="en-US" sz="1000" smtClean="0"/>
+              <a:t>호 기준</a:t>
+            </a:r>
+            <a:endParaRPr lang="ko-KR" altLang="en-US" sz="1000"/>
+          </a:p>
+        </p:txBody>
+      </p:sp>
+      <p:sp>
+        <p:nvSpPr>
+          <p:cNvPr id="4" name="직사각형 3"/>
+          <p:cNvSpPr/>
+          <p:nvPr/>
+        </p:nvSpPr>
+        <p:spPr>
+          <a:xfrm>
+            <a:off x="5230168" y="1878053"/>
+            <a:ext cx="1327973" cy="242912"/>
+          </a:xfrm>
+          <a:prstGeom prst="rect">
+            <a:avLst/>
+          </a:prstGeom>
+        </p:spPr>
+        <p:style>
+          <a:lnRef idx="1">
+            <a:schemeClr val="accent1"/>
+          </a:lnRef>
+          <a:fillRef idx="2">
+            <a:schemeClr val="accent1"/>
+          </a:fillRef>
+          <a:effectRef idx="1">
+            <a:schemeClr val="accent1"/>
+          </a:effectRef>
+          <a:fontRef idx="minor">
+            <a:schemeClr val="dk1"/>
+          </a:fontRef>
+        </p:style>
+        <p:txBody>
+          <a:bodyPr rtlCol="0" anchor="ctr"/>
+          <a:lstStyle/>
+          <a:p>
+            <a:pPr algn="ctr"/>
+            <a:r>
+              <a:rPr lang="ko-KR" altLang="en-US" sz="1000" smtClean="0"/>
+              <a:t>원으로 가정한 둘레</a:t>
+            </a:r>
+            <a:endParaRPr lang="ko-KR" altLang="en-US" sz="1000"/>
+          </a:p>
+        </p:txBody>
+      </p:sp>
     </p:spTree>
     <p:extLst>
       <p:ext uri="{BB962C8B-B14F-4D97-AF65-F5344CB8AC3E}">
-        <p14:creationId xmlns:p14="http://schemas.microsoft.com/office/powerpoint/2010/main" val="2523319744"/>
+        <p14:creationId xmlns:p14="http://schemas.microsoft.com/office/powerpoint/2010/main" val="2296664783"/>
       </p:ext>
     </p:extLst>
   </p:cSld>
@@ -7047,7 +6373,7 @@
           <p:cNvPr id="2" name="제목 1">
             <a:extLst>
               <a:ext uri="{FF2B5EF4-FFF2-40B4-BE49-F238E27FC236}">
-                <a16:creationId xmlns:a16="http://schemas.microsoft.com/office/drawing/2014/main" id="{E2ED14EF-2472-85A2-F871-3A9FE8DD3551}"/>
+                <a16:creationId xmlns:a16="http://schemas.microsoft.com/office/drawing/2014/main" id="{82D0E276-BDBD-B3D5-0B49-1DF4ADE89E97}"/>
               </a:ext>
             </a:extLst>
           </p:cNvPr>
@@ -7058,123 +6384,31 @@
             <p:ph type="title"/>
           </p:nvPr>
         </p:nvSpPr>
-        <p:spPr/>
-        <p:txBody>
-          <a:bodyPr/>
-          <a:lstStyle/>
-          <a:p>
-            <a:r>
-              <a:rPr lang="ko-KR" altLang="en-US"/>
-              <a:t>점수 계산 제안</a:t>
-            </a:r>
-          </a:p>
-        </p:txBody>
-      </p:sp>
-      <p:sp>
-        <p:nvSpPr>
-          <p:cNvPr id="3" name="내용 개체 틀 2">
-            <a:extLst>
-              <a:ext uri="{FF2B5EF4-FFF2-40B4-BE49-F238E27FC236}">
-                <a16:creationId xmlns:a16="http://schemas.microsoft.com/office/drawing/2014/main" id="{51DE23CD-BBAC-E833-7241-7358EC26B12D}"/>
-              </a:ext>
-            </a:extLst>
-          </p:cNvPr>
-          <p:cNvSpPr>
-            <a:spLocks noGrp="1"/>
-          </p:cNvSpPr>
-          <p:nvPr>
-            <p:ph idx="1"/>
-          </p:nvPr>
-        </p:nvSpPr>
-        <p:spPr/>
-        <p:txBody>
-          <a:bodyPr/>
-          <a:lstStyle/>
-          <a:p>
-            <a:r>
-              <a:rPr lang="ko-KR" altLang="en-US"/>
-              <a:t>점수 지급을 조금 더 높게 잡아 점수 득점을 즐거움을 제공한다</a:t>
-            </a:r>
-            <a:r>
-              <a:rPr lang="en-US" altLang="ko-KR"/>
-              <a:t>.</a:t>
-            </a:r>
-          </a:p>
-          <a:p>
-            <a:r>
-              <a:rPr lang="en-US" altLang="ko-KR"/>
-              <a:t>n</a:t>
-            </a:r>
-            <a:r>
-              <a:rPr lang="ko-KR" altLang="en-US"/>
-              <a:t>번째 공 두 개를 합칠 시</a:t>
-            </a:r>
-            <a:r>
-              <a:rPr lang="en-US" altLang="ko-KR"/>
-              <a:t>:</a:t>
-            </a:r>
-          </a:p>
-          <a:p>
-            <a:pPr lvl="1"/>
-            <a:r>
-              <a:rPr lang="en-US" altLang="ko-KR"/>
-              <a:t>[</a:t>
-            </a:r>
-            <a:r>
-              <a:rPr lang="ko-KR" altLang="en-US"/>
-              <a:t>제안 점수 계산식</a:t>
-            </a:r>
-            <a:r>
-              <a:rPr lang="en-US" altLang="ko-KR"/>
-              <a:t>] </a:t>
-            </a:r>
-            <a:r>
-              <a:rPr lang="en-US" altLang="ko-KR" b="1"/>
-              <a:t>n(n+1) </a:t>
-            </a:r>
-            <a:r>
-              <a:rPr lang="en-US" altLang="ko-KR"/>
-              <a:t>[</a:t>
-            </a:r>
-            <a:r>
-              <a:rPr lang="ko-KR" altLang="en-US"/>
-              <a:t>원작 점수 계산식</a:t>
-            </a:r>
-            <a:r>
-              <a:rPr lang="en-US" altLang="ko-KR"/>
-              <a:t>] </a:t>
-            </a:r>
-            <a:r>
-              <a:rPr lang="en-US" altLang="ko-KR" b="1"/>
-              <a:t>n(n+1)÷2 </a:t>
-            </a:r>
-            <a:endParaRPr lang="en-US" altLang="ko-KR"/>
-          </a:p>
-          <a:p>
-            <a:r>
-              <a:rPr lang="ko-KR" altLang="en-US"/>
-              <a:t>이후 공의 크기의 배율만큼 점수 획득</a:t>
-            </a:r>
-            <a:endParaRPr lang="en-US" altLang="ko-KR"/>
-          </a:p>
-          <a:p>
-            <a:r>
-              <a:rPr lang="en-US" altLang="ko-KR"/>
-              <a:t>)</a:t>
-            </a:r>
-            <a:r>
-              <a:rPr lang="ko-KR" altLang="en-US"/>
-              <a:t>예시</a:t>
+        <p:spPr>
+          <a:xfrm>
+            <a:off x="574101" y="136634"/>
+            <a:ext cx="10515600" cy="1325563"/>
+          </a:xfrm>
+        </p:spPr>
+        <p:txBody>
+          <a:bodyPr>
+            <a:normAutofit/>
+          </a:bodyPr>
+          <a:lstStyle/>
+          <a:p>
+            <a:r>
+              <a:rPr lang="ko-KR" altLang="en-US"/>
+              <a:t>제안하는 공의 배율</a:t>
             </a:r>
           </a:p>
         </p:txBody>
       </p:sp>
       <p:pic>
         <p:nvPicPr>
-          <p:cNvPr id="4" name="그림 3">
-            <a:extLst>
-              <a:ext uri="{FF2B5EF4-FFF2-40B4-BE49-F238E27FC236}">
-                <a16:creationId xmlns:a16="http://schemas.microsoft.com/office/drawing/2014/main" id="{031BFD51-A860-BDCB-47DA-67D6D7E21110}"/>
+          <p:cNvPr id="7" name="그림 6">
+            <a:extLst>
+              <a:ext uri="{FF2B5EF4-FFF2-40B4-BE49-F238E27FC236}">
+                <a16:creationId xmlns:a16="http://schemas.microsoft.com/office/drawing/2014/main" id="{2783CD56-55EB-0A67-2467-E61368349E35}"/>
               </a:ext>
             </a:extLst>
           </p:cNvPr>
@@ -7197,20 +6431,344 @@
         </p:blipFill>
         <p:spPr>
           <a:xfrm>
-            <a:off x="1450289" y="4492698"/>
-            <a:ext cx="324145" cy="324145"/>
+            <a:off x="6406241" y="2052159"/>
+            <a:ext cx="958689" cy="958689"/>
           </a:xfrm>
           <a:prstGeom prst="rect">
             <a:avLst/>
           </a:prstGeom>
         </p:spPr>
       </p:pic>
-      <p:sp>
-        <p:nvSpPr>
-          <p:cNvPr id="5" name="직사각형 4">
-            <a:extLst>
-              <a:ext uri="{FF2B5EF4-FFF2-40B4-BE49-F238E27FC236}">
-                <a16:creationId xmlns:a16="http://schemas.microsoft.com/office/drawing/2014/main" id="{C4557006-7236-7378-CB9E-13385B0FE8C7}"/>
+      <p:pic>
+        <p:nvPicPr>
+          <p:cNvPr id="10" name="그림 9">
+            <a:extLst>
+              <a:ext uri="{FF2B5EF4-FFF2-40B4-BE49-F238E27FC236}">
+                <a16:creationId xmlns:a16="http://schemas.microsoft.com/office/drawing/2014/main" id="{80B4682D-1805-4B3E-DB54-3279A9F3D1B9}"/>
+              </a:ext>
+            </a:extLst>
+          </p:cNvPr>
+          <p:cNvPicPr>
+            <a:picLocks noChangeAspect="1"/>
+          </p:cNvPicPr>
+          <p:nvPr/>
+        </p:nvPicPr>
+        <p:blipFill>
+          <a:blip r:embed="rId3">
+            <a:extLst>
+              <a:ext uri="{28A0092B-C50C-407E-A947-70E740481C1C}">
+                <a14:useLocalDpi xmlns:a14="http://schemas.microsoft.com/office/drawing/2010/main" val="0"/>
+              </a:ext>
+            </a:extLst>
+          </a:blip>
+          <a:stretch>
+            <a:fillRect/>
+          </a:stretch>
+        </p:blipFill>
+        <p:spPr>
+          <a:xfrm>
+            <a:off x="8077683" y="3952606"/>
+            <a:ext cx="2573566" cy="2573566"/>
+          </a:xfrm>
+          <a:prstGeom prst="rect">
+            <a:avLst/>
+          </a:prstGeom>
+        </p:spPr>
+      </p:pic>
+      <p:pic>
+        <p:nvPicPr>
+          <p:cNvPr id="13" name="그림 12">
+            <a:extLst>
+              <a:ext uri="{FF2B5EF4-FFF2-40B4-BE49-F238E27FC236}">
+                <a16:creationId xmlns:a16="http://schemas.microsoft.com/office/drawing/2014/main" id="{17F8B443-37EC-AD0E-9D8C-6830172ED408}"/>
+              </a:ext>
+            </a:extLst>
+          </p:cNvPr>
+          <p:cNvPicPr>
+            <a:picLocks noChangeAspect="1"/>
+          </p:cNvPicPr>
+          <p:nvPr/>
+        </p:nvPicPr>
+        <p:blipFill>
+          <a:blip r:embed="rId4">
+            <a:extLst>
+              <a:ext uri="{28A0092B-C50C-407E-A947-70E740481C1C}">
+                <a14:useLocalDpi xmlns:a14="http://schemas.microsoft.com/office/drawing/2010/main" val="0"/>
+              </a:ext>
+            </a:extLst>
+          </a:blip>
+          <a:stretch>
+            <a:fillRect/>
+          </a:stretch>
+        </p:blipFill>
+        <p:spPr>
+          <a:xfrm>
+            <a:off x="10065697" y="1672406"/>
+            <a:ext cx="1496681" cy="1496681"/>
+          </a:xfrm>
+          <a:prstGeom prst="rect">
+            <a:avLst/>
+          </a:prstGeom>
+        </p:spPr>
+      </p:pic>
+      <p:pic>
+        <p:nvPicPr>
+          <p:cNvPr id="16" name="그림 15">
+            <a:extLst>
+              <a:ext uri="{FF2B5EF4-FFF2-40B4-BE49-F238E27FC236}">
+                <a16:creationId xmlns:a16="http://schemas.microsoft.com/office/drawing/2014/main" id="{FB756FA1-B798-98AE-9E9E-6B4BB87E76D7}"/>
+              </a:ext>
+            </a:extLst>
+          </p:cNvPr>
+          <p:cNvPicPr>
+            <a:picLocks noChangeAspect="1"/>
+          </p:cNvPicPr>
+          <p:nvPr/>
+        </p:nvPicPr>
+        <p:blipFill>
+          <a:blip r:embed="rId5" cstate="hqprint">
+            <a:extLst>
+              <a:ext uri="{28A0092B-C50C-407E-A947-70E740481C1C}">
+                <a14:useLocalDpi xmlns:a14="http://schemas.microsoft.com/office/drawing/2010/main" val="0"/>
+              </a:ext>
+            </a:extLst>
+          </a:blip>
+          <a:stretch>
+            <a:fillRect/>
+          </a:stretch>
+        </p:blipFill>
+        <p:spPr>
+          <a:xfrm>
+            <a:off x="2279608" y="2656469"/>
+            <a:ext cx="424240" cy="424240"/>
+          </a:xfrm>
+          <a:prstGeom prst="rect">
+            <a:avLst/>
+          </a:prstGeom>
+        </p:spPr>
+      </p:pic>
+      <p:pic>
+        <p:nvPicPr>
+          <p:cNvPr id="19" name="그림 18">
+            <a:extLst>
+              <a:ext uri="{FF2B5EF4-FFF2-40B4-BE49-F238E27FC236}">
+                <a16:creationId xmlns:a16="http://schemas.microsoft.com/office/drawing/2014/main" id="{4C6EB0D6-571F-ED32-0277-D02FAE83E916}"/>
+              </a:ext>
+            </a:extLst>
+          </p:cNvPr>
+          <p:cNvPicPr>
+            <a:picLocks noChangeAspect="1"/>
+          </p:cNvPicPr>
+          <p:nvPr/>
+        </p:nvPicPr>
+        <p:blipFill>
+          <a:blip r:embed="rId6">
+            <a:extLst>
+              <a:ext uri="{28A0092B-C50C-407E-A947-70E740481C1C}">
+                <a14:useLocalDpi xmlns:a14="http://schemas.microsoft.com/office/drawing/2010/main" val="0"/>
+              </a:ext>
+            </a:extLst>
+          </a:blip>
+          <a:stretch>
+            <a:fillRect/>
+          </a:stretch>
+        </p:blipFill>
+        <p:spPr>
+          <a:xfrm>
+            <a:off x="2561135" y="4450984"/>
+            <a:ext cx="1856273" cy="1856273"/>
+          </a:xfrm>
+          <a:prstGeom prst="rect">
+            <a:avLst/>
+          </a:prstGeom>
+        </p:spPr>
+      </p:pic>
+      <p:pic>
+        <p:nvPicPr>
+          <p:cNvPr id="25" name="그림 24">
+            <a:extLst>
+              <a:ext uri="{FF2B5EF4-FFF2-40B4-BE49-F238E27FC236}">
+                <a16:creationId xmlns:a16="http://schemas.microsoft.com/office/drawing/2014/main" id="{D7FCBE06-A89E-BF1B-DBF0-3A54C04B26EB}"/>
+              </a:ext>
+            </a:extLst>
+          </p:cNvPr>
+          <p:cNvPicPr>
+            <a:picLocks noChangeAspect="1"/>
+          </p:cNvPicPr>
+          <p:nvPr/>
+        </p:nvPicPr>
+        <p:blipFill>
+          <a:blip r:embed="rId7">
+            <a:extLst>
+              <a:ext uri="{28A0092B-C50C-407E-A947-70E740481C1C}">
+                <a14:useLocalDpi xmlns:a14="http://schemas.microsoft.com/office/drawing/2010/main" val="0"/>
+              </a:ext>
+            </a:extLst>
+          </a:blip>
+          <a:stretch>
+            <a:fillRect/>
+          </a:stretch>
+        </p:blipFill>
+        <p:spPr>
+          <a:xfrm>
+            <a:off x="8240104" y="1824285"/>
+            <a:ext cx="1124362" cy="1124362"/>
+          </a:xfrm>
+          <a:prstGeom prst="rect">
+            <a:avLst/>
+          </a:prstGeom>
+        </p:spPr>
+      </p:pic>
+      <p:pic>
+        <p:nvPicPr>
+          <p:cNvPr id="28" name="그림 27">
+            <a:extLst>
+              <a:ext uri="{FF2B5EF4-FFF2-40B4-BE49-F238E27FC236}">
+                <a16:creationId xmlns:a16="http://schemas.microsoft.com/office/drawing/2014/main" id="{0CF4974F-B55D-2BEB-DA80-D9F7B11376D0}"/>
+              </a:ext>
+            </a:extLst>
+          </p:cNvPr>
+          <p:cNvPicPr>
+            <a:picLocks noChangeAspect="1"/>
+          </p:cNvPicPr>
+          <p:nvPr/>
+        </p:nvPicPr>
+        <p:blipFill>
+          <a:blip r:embed="rId8">
+            <a:extLst>
+              <a:ext uri="{28A0092B-C50C-407E-A947-70E740481C1C}">
+                <a14:useLocalDpi xmlns:a14="http://schemas.microsoft.com/office/drawing/2010/main" val="0"/>
+              </a:ext>
+            </a:extLst>
+          </a:blip>
+          <a:stretch>
+            <a:fillRect/>
+          </a:stretch>
+        </p:blipFill>
+        <p:spPr>
+          <a:xfrm>
+            <a:off x="5259935" y="4067725"/>
+            <a:ext cx="2177653" cy="2177653"/>
+          </a:xfrm>
+          <a:prstGeom prst="rect">
+            <a:avLst/>
+          </a:prstGeom>
+        </p:spPr>
+      </p:pic>
+      <p:pic>
+        <p:nvPicPr>
+          <p:cNvPr id="31" name="그림 30">
+            <a:extLst>
+              <a:ext uri="{FF2B5EF4-FFF2-40B4-BE49-F238E27FC236}">
+                <a16:creationId xmlns:a16="http://schemas.microsoft.com/office/drawing/2014/main" id="{6F4EAFC2-21F5-EC79-35B3-D623629B4CC0}"/>
+              </a:ext>
+            </a:extLst>
+          </p:cNvPr>
+          <p:cNvPicPr>
+            <a:picLocks noChangeAspect="1"/>
+          </p:cNvPicPr>
+          <p:nvPr/>
+        </p:nvPicPr>
+        <p:blipFill>
+          <a:blip r:embed="rId9" cstate="hqprint">
+            <a:extLst>
+              <a:ext uri="{28A0092B-C50C-407E-A947-70E740481C1C}">
+                <a14:useLocalDpi xmlns:a14="http://schemas.microsoft.com/office/drawing/2010/main" val="0"/>
+              </a:ext>
+            </a:extLst>
+          </a:blip>
+          <a:stretch>
+            <a:fillRect/>
+          </a:stretch>
+        </p:blipFill>
+        <p:spPr>
+          <a:xfrm>
+            <a:off x="4812623" y="2222509"/>
+            <a:ext cx="793668" cy="793668"/>
+          </a:xfrm>
+          <a:prstGeom prst="rect">
+            <a:avLst/>
+          </a:prstGeom>
+        </p:spPr>
+      </p:pic>
+      <p:pic>
+        <p:nvPicPr>
+          <p:cNvPr id="35" name="그림 34">
+            <a:extLst>
+              <a:ext uri="{FF2B5EF4-FFF2-40B4-BE49-F238E27FC236}">
+                <a16:creationId xmlns:a16="http://schemas.microsoft.com/office/drawing/2014/main" id="{A5EEB2CE-338A-503A-C78B-7277278A8F13}"/>
+              </a:ext>
+            </a:extLst>
+          </p:cNvPr>
+          <p:cNvPicPr>
+            <a:picLocks noChangeAspect="1"/>
+          </p:cNvPicPr>
+          <p:nvPr/>
+        </p:nvPicPr>
+        <p:blipFill>
+          <a:blip r:embed="rId10" cstate="hqprint">
+            <a:extLst>
+              <a:ext uri="{28A0092B-C50C-407E-A947-70E740481C1C}">
+                <a14:useLocalDpi xmlns:a14="http://schemas.microsoft.com/office/drawing/2010/main" val="0"/>
+              </a:ext>
+            </a:extLst>
+          </a:blip>
+          <a:stretch>
+            <a:fillRect/>
+          </a:stretch>
+        </p:blipFill>
+        <p:spPr>
+          <a:xfrm>
+            <a:off x="3509034" y="2392397"/>
+            <a:ext cx="602358" cy="602358"/>
+          </a:xfrm>
+          <a:prstGeom prst="rect">
+            <a:avLst/>
+          </a:prstGeom>
+        </p:spPr>
+      </p:pic>
+      <p:pic>
+        <p:nvPicPr>
+          <p:cNvPr id="42" name="그림 41">
+            <a:extLst>
+              <a:ext uri="{FF2B5EF4-FFF2-40B4-BE49-F238E27FC236}">
+                <a16:creationId xmlns:a16="http://schemas.microsoft.com/office/drawing/2014/main" id="{44984C31-3F31-B45E-DB94-BF27422BEE18}"/>
+              </a:ext>
+            </a:extLst>
+          </p:cNvPr>
+          <p:cNvPicPr>
+            <a:picLocks noChangeAspect="1"/>
+          </p:cNvPicPr>
+          <p:nvPr/>
+        </p:nvPicPr>
+        <p:blipFill>
+          <a:blip r:embed="rId11">
+            <a:extLst>
+              <a:ext uri="{28A0092B-C50C-407E-A947-70E740481C1C}">
+                <a14:useLocalDpi xmlns:a14="http://schemas.microsoft.com/office/drawing/2010/main" val="0"/>
+              </a:ext>
+            </a:extLst>
+          </a:blip>
+          <a:stretch>
+            <a:fillRect/>
+          </a:stretch>
+        </p:blipFill>
+        <p:spPr>
+          <a:xfrm>
+            <a:off x="404088" y="4357972"/>
+            <a:ext cx="1516298" cy="1516298"/>
+          </a:xfrm>
+          <a:prstGeom prst="rect">
+            <a:avLst/>
+          </a:prstGeom>
+        </p:spPr>
+      </p:pic>
+      <p:sp>
+        <p:nvSpPr>
+          <p:cNvPr id="63" name="직사각형 62">
+            <a:extLst>
+              <a:ext uri="{FF2B5EF4-FFF2-40B4-BE49-F238E27FC236}">
+                <a16:creationId xmlns:a16="http://schemas.microsoft.com/office/drawing/2014/main" id="{DBB0D66C-FFD4-8737-2612-BF8D6083EFF8}"/>
               </a:ext>
             </a:extLst>
           </p:cNvPr>
@@ -7219,7 +6777,7 @@
         </p:nvSpPr>
         <p:spPr>
           <a:xfrm>
-            <a:off x="1336626" y="5046384"/>
+            <a:off x="778535" y="1952620"/>
             <a:ext cx="551473" cy="324145"/>
           </a:xfrm>
           <a:prstGeom prst="rect">
@@ -7249,57 +6807,21 @@
             <a:pPr algn="ctr"/>
             <a:r>
               <a:rPr lang="en-US" altLang="ko-KR" sz="1000"/>
-              <a:t>3</a:t>
+              <a:t>1</a:t>
             </a:r>
             <a:r>
               <a:rPr lang="ko-KR" altLang="en-US" sz="1000"/>
-              <a:t>점</a:t>
-            </a:r>
-          </a:p>
-        </p:txBody>
-      </p:sp>
-      <p:pic>
-        <p:nvPicPr>
-          <p:cNvPr id="6" name="그림 5">
-            <a:extLst>
-              <a:ext uri="{FF2B5EF4-FFF2-40B4-BE49-F238E27FC236}">
-                <a16:creationId xmlns:a16="http://schemas.microsoft.com/office/drawing/2014/main" id="{557C9918-B367-93FB-9CE5-4CAA924169B3}"/>
-              </a:ext>
-            </a:extLst>
-          </p:cNvPr>
-          <p:cNvPicPr>
-            <a:picLocks noChangeAspect="1"/>
-          </p:cNvPicPr>
-          <p:nvPr/>
-        </p:nvPicPr>
-        <p:blipFill>
-          <a:blip r:embed="rId3">
-            <a:extLst>
-              <a:ext uri="{28A0092B-C50C-407E-A947-70E740481C1C}">
-                <a14:useLocalDpi xmlns:a14="http://schemas.microsoft.com/office/drawing/2010/main" val="0"/>
-              </a:ext>
-            </a:extLst>
-          </a:blip>
-          <a:stretch>
-            <a:fillRect/>
-          </a:stretch>
-        </p:blipFill>
-        <p:spPr>
-          <a:xfrm>
-            <a:off x="2482198" y="4564792"/>
-            <a:ext cx="424240" cy="424240"/>
-          </a:xfrm>
-          <a:prstGeom prst="rect">
-            <a:avLst/>
-          </a:prstGeom>
-        </p:spPr>
-      </p:pic>
-      <p:sp>
-        <p:nvSpPr>
-          <p:cNvPr id="7" name="직사각형 6">
-            <a:extLst>
-              <a:ext uri="{FF2B5EF4-FFF2-40B4-BE49-F238E27FC236}">
-                <a16:creationId xmlns:a16="http://schemas.microsoft.com/office/drawing/2014/main" id="{4BB14D4A-791B-8FC1-9CF4-9011C94C386E}"/>
+              <a:t>배</a:t>
+            </a:r>
+          </a:p>
+        </p:txBody>
+      </p:sp>
+      <p:sp>
+        <p:nvSpPr>
+          <p:cNvPr id="64" name="직사각형 63">
+            <a:extLst>
+              <a:ext uri="{FF2B5EF4-FFF2-40B4-BE49-F238E27FC236}">
+                <a16:creationId xmlns:a16="http://schemas.microsoft.com/office/drawing/2014/main" id="{EE8C7D93-F443-44DE-D230-8110670698C2}"/>
               </a:ext>
             </a:extLst>
           </p:cNvPr>
@@ -7308,8 +6830,8 @@
         </p:nvSpPr>
         <p:spPr>
           <a:xfrm>
-            <a:off x="2426734" y="5233481"/>
-            <a:ext cx="551473" cy="324145"/>
+            <a:off x="2153771" y="1960575"/>
+            <a:ext cx="686254" cy="324145"/>
           </a:xfrm>
           <a:prstGeom prst="rect">
             <a:avLst/>
@@ -7338,57 +6860,21 @@
             <a:pPr algn="ctr"/>
             <a:r>
               <a:rPr lang="en-US" altLang="ko-KR" sz="1000"/>
-              <a:t>6</a:t>
+              <a:t>1.5</a:t>
             </a:r>
             <a:r>
               <a:rPr lang="ko-KR" altLang="en-US" sz="1000"/>
-              <a:t>점</a:t>
-            </a:r>
-          </a:p>
-        </p:txBody>
-      </p:sp>
-      <p:pic>
-        <p:nvPicPr>
-          <p:cNvPr id="8" name="그림 7">
-            <a:extLst>
-              <a:ext uri="{FF2B5EF4-FFF2-40B4-BE49-F238E27FC236}">
-                <a16:creationId xmlns:a16="http://schemas.microsoft.com/office/drawing/2014/main" id="{3E3A138E-8233-4F2B-395C-0F69122FAEC3}"/>
-              </a:ext>
-            </a:extLst>
-          </p:cNvPr>
-          <p:cNvPicPr>
-            <a:picLocks noChangeAspect="1"/>
-          </p:cNvPicPr>
-          <p:nvPr/>
-        </p:nvPicPr>
-        <p:blipFill>
-          <a:blip r:embed="rId4">
-            <a:extLst>
-              <a:ext uri="{28A0092B-C50C-407E-A947-70E740481C1C}">
-                <a14:useLocalDpi xmlns:a14="http://schemas.microsoft.com/office/drawing/2010/main" val="0"/>
-              </a:ext>
-            </a:extLst>
-          </a:blip>
-          <a:stretch>
-            <a:fillRect/>
-          </a:stretch>
-        </p:blipFill>
-        <p:spPr>
-          <a:xfrm>
-            <a:off x="3474233" y="4553587"/>
-            <a:ext cx="602358" cy="602358"/>
-          </a:xfrm>
-          <a:prstGeom prst="rect">
-            <a:avLst/>
-          </a:prstGeom>
-        </p:spPr>
-      </p:pic>
-      <p:sp>
-        <p:nvSpPr>
-          <p:cNvPr id="9" name="직사각형 8">
-            <a:extLst>
-              <a:ext uri="{FF2B5EF4-FFF2-40B4-BE49-F238E27FC236}">
-                <a16:creationId xmlns:a16="http://schemas.microsoft.com/office/drawing/2014/main" id="{CC52CB9E-90A1-BE53-F401-811C9B904385}"/>
+              <a:t>배</a:t>
+            </a:r>
+          </a:p>
+        </p:txBody>
+      </p:sp>
+      <p:sp>
+        <p:nvSpPr>
+          <p:cNvPr id="65" name="직사각형 64">
+            <a:extLst>
+              <a:ext uri="{FF2B5EF4-FFF2-40B4-BE49-F238E27FC236}">
+                <a16:creationId xmlns:a16="http://schemas.microsoft.com/office/drawing/2014/main" id="{57D60489-0CA9-94AA-B7AB-BE4043B84C71}"/>
               </a:ext>
             </a:extLst>
           </p:cNvPr>
@@ -7397,7 +6883,7 @@
         </p:nvSpPr>
         <p:spPr>
           <a:xfrm>
-            <a:off x="3499676" y="5379889"/>
+            <a:off x="3507998" y="1765224"/>
             <a:ext cx="551473" cy="324145"/>
           </a:xfrm>
           <a:prstGeom prst="rect">
@@ -7427,57 +6913,21 @@
             <a:pPr algn="ctr"/>
             <a:r>
               <a:rPr lang="en-US" altLang="ko-KR" sz="1000"/>
-              <a:t>12</a:t>
+              <a:t>2.1</a:t>
             </a:r>
             <a:r>
               <a:rPr lang="ko-KR" altLang="en-US" sz="1000"/>
-              <a:t>점</a:t>
-            </a:r>
-          </a:p>
-        </p:txBody>
-      </p:sp>
-      <p:pic>
-        <p:nvPicPr>
-          <p:cNvPr id="10" name="그림 9">
-            <a:extLst>
-              <a:ext uri="{FF2B5EF4-FFF2-40B4-BE49-F238E27FC236}">
-                <a16:creationId xmlns:a16="http://schemas.microsoft.com/office/drawing/2014/main" id="{15F809AC-57A8-0911-6A80-65DEABAA38A4}"/>
-              </a:ext>
-            </a:extLst>
-          </p:cNvPr>
-          <p:cNvPicPr>
-            <a:picLocks noChangeAspect="1"/>
-          </p:cNvPicPr>
-          <p:nvPr/>
-        </p:nvPicPr>
-        <p:blipFill>
-          <a:blip r:embed="rId5">
-            <a:extLst>
-              <a:ext uri="{28A0092B-C50C-407E-A947-70E740481C1C}">
-                <a14:useLocalDpi xmlns:a14="http://schemas.microsoft.com/office/drawing/2010/main" val="0"/>
-              </a:ext>
-            </a:extLst>
-          </a:blip>
-          <a:stretch>
-            <a:fillRect/>
-          </a:stretch>
-        </p:blipFill>
-        <p:spPr>
-          <a:xfrm>
-            <a:off x="4638983" y="4534757"/>
-            <a:ext cx="793668" cy="793668"/>
-          </a:xfrm>
-          <a:prstGeom prst="rect">
-            <a:avLst/>
-          </a:prstGeom>
-        </p:spPr>
-      </p:pic>
-      <p:sp>
-        <p:nvSpPr>
-          <p:cNvPr id="11" name="직사각형 10">
-            <a:extLst>
-              <a:ext uri="{FF2B5EF4-FFF2-40B4-BE49-F238E27FC236}">
-                <a16:creationId xmlns:a16="http://schemas.microsoft.com/office/drawing/2014/main" id="{840E54AF-F892-B2A8-9DA2-B745EB376FF5}"/>
+              <a:t>배</a:t>
+            </a:r>
+          </a:p>
+        </p:txBody>
+      </p:sp>
+      <p:sp>
+        <p:nvSpPr>
+          <p:cNvPr id="66" name="직사각형 65">
+            <a:extLst>
+              <a:ext uri="{FF2B5EF4-FFF2-40B4-BE49-F238E27FC236}">
+                <a16:creationId xmlns:a16="http://schemas.microsoft.com/office/drawing/2014/main" id="{C849CFE7-9EFA-2C45-AC7A-6EE9FDD0CC71}"/>
               </a:ext>
             </a:extLst>
           </p:cNvPr>
@@ -7486,7 +6936,7 @@
         </p:nvSpPr>
         <p:spPr>
           <a:xfrm>
-            <a:off x="4761480" y="5549278"/>
+            <a:off x="4962062" y="1595105"/>
             <a:ext cx="551473" cy="324145"/>
           </a:xfrm>
           <a:prstGeom prst="rect">
@@ -7516,57 +6966,21 @@
             <a:pPr algn="ctr"/>
             <a:r>
               <a:rPr lang="en-US" altLang="ko-KR" sz="1000"/>
-              <a:t>20</a:t>
+              <a:t>2.5</a:t>
             </a:r>
             <a:r>
               <a:rPr lang="ko-KR" altLang="en-US" sz="1000"/>
-              <a:t>점</a:t>
-            </a:r>
-          </a:p>
-        </p:txBody>
-      </p:sp>
-      <p:pic>
-        <p:nvPicPr>
-          <p:cNvPr id="12" name="그림 11">
-            <a:extLst>
-              <a:ext uri="{FF2B5EF4-FFF2-40B4-BE49-F238E27FC236}">
-                <a16:creationId xmlns:a16="http://schemas.microsoft.com/office/drawing/2014/main" id="{1E6F99A3-6CEF-9FB7-D870-80D7D26034A6}"/>
-              </a:ext>
-            </a:extLst>
-          </p:cNvPr>
-          <p:cNvPicPr>
-            <a:picLocks noChangeAspect="1"/>
-          </p:cNvPicPr>
-          <p:nvPr/>
-        </p:nvPicPr>
-        <p:blipFill>
-          <a:blip r:embed="rId6">
-            <a:extLst>
-              <a:ext uri="{28A0092B-C50C-407E-A947-70E740481C1C}">
-                <a14:useLocalDpi xmlns:a14="http://schemas.microsoft.com/office/drawing/2010/main" val="0"/>
-              </a:ext>
-            </a:extLst>
-          </a:blip>
-          <a:stretch>
-            <a:fillRect/>
-          </a:stretch>
-        </p:blipFill>
-        <p:spPr>
-          <a:xfrm>
-            <a:off x="5740354" y="4509356"/>
-            <a:ext cx="958689" cy="958689"/>
-          </a:xfrm>
-          <a:prstGeom prst="rect">
-            <a:avLst/>
-          </a:prstGeom>
-        </p:spPr>
-      </p:pic>
-      <p:sp>
-        <p:nvSpPr>
-          <p:cNvPr id="14" name="직사각형 13">
-            <a:extLst>
-              <a:ext uri="{FF2B5EF4-FFF2-40B4-BE49-F238E27FC236}">
-                <a16:creationId xmlns:a16="http://schemas.microsoft.com/office/drawing/2014/main" id="{11611B07-6566-D4B4-1261-6B3B536BB652}"/>
+              <a:t>배</a:t>
+            </a:r>
+          </a:p>
+        </p:txBody>
+      </p:sp>
+      <p:sp>
+        <p:nvSpPr>
+          <p:cNvPr id="67" name="직사각형 66">
+            <a:extLst>
+              <a:ext uri="{FF2B5EF4-FFF2-40B4-BE49-F238E27FC236}">
+                <a16:creationId xmlns:a16="http://schemas.microsoft.com/office/drawing/2014/main" id="{643C5C84-4CAA-6F4A-CCA7-36659CE56CED}"/>
               </a:ext>
             </a:extLst>
           </p:cNvPr>
@@ -7575,7 +6989,7 @@
         </p:nvSpPr>
         <p:spPr>
           <a:xfrm>
-            <a:off x="6023284" y="5663569"/>
+            <a:off x="6564910" y="1467098"/>
             <a:ext cx="551473" cy="324145"/>
           </a:xfrm>
           <a:prstGeom prst="rect">
@@ -7605,57 +7019,21 @@
             <a:pPr algn="ctr"/>
             <a:r>
               <a:rPr lang="en-US" altLang="ko-KR" sz="1000"/>
-              <a:t>30</a:t>
+              <a:t>3</a:t>
             </a:r>
             <a:r>
               <a:rPr lang="ko-KR" altLang="en-US" sz="1000"/>
-              <a:t>점</a:t>
-            </a:r>
-          </a:p>
-        </p:txBody>
-      </p:sp>
-      <p:pic>
-        <p:nvPicPr>
-          <p:cNvPr id="15" name="그림 14">
-            <a:extLst>
-              <a:ext uri="{FF2B5EF4-FFF2-40B4-BE49-F238E27FC236}">
-                <a16:creationId xmlns:a16="http://schemas.microsoft.com/office/drawing/2014/main" id="{EE8CCB34-6F54-11EA-70E7-E7DC78EE831C}"/>
-              </a:ext>
-            </a:extLst>
-          </p:cNvPr>
-          <p:cNvPicPr>
-            <a:picLocks noChangeAspect="1"/>
-          </p:cNvPicPr>
-          <p:nvPr/>
-        </p:nvPicPr>
-        <p:blipFill>
-          <a:blip r:embed="rId7">
-            <a:extLst>
-              <a:ext uri="{28A0092B-C50C-407E-A947-70E740481C1C}">
-                <a14:useLocalDpi xmlns:a14="http://schemas.microsoft.com/office/drawing/2010/main" val="0"/>
-              </a:ext>
-            </a:extLst>
-          </a:blip>
-          <a:stretch>
-            <a:fillRect/>
-          </a:stretch>
-        </p:blipFill>
-        <p:spPr>
-          <a:xfrm>
-            <a:off x="7209804" y="4380078"/>
-            <a:ext cx="1124362" cy="1124362"/>
-          </a:xfrm>
-          <a:prstGeom prst="rect">
-            <a:avLst/>
-          </a:prstGeom>
-        </p:spPr>
-      </p:pic>
-      <p:sp>
-        <p:nvSpPr>
-          <p:cNvPr id="16" name="직사각형 15">
-            <a:extLst>
-              <a:ext uri="{FF2B5EF4-FFF2-40B4-BE49-F238E27FC236}">
-                <a16:creationId xmlns:a16="http://schemas.microsoft.com/office/drawing/2014/main" id="{B98C2EAF-DB26-4BD9-C4E4-C13E2CC3E0AC}"/>
+              <a:t>배</a:t>
+            </a:r>
+          </a:p>
+        </p:txBody>
+      </p:sp>
+      <p:sp>
+        <p:nvSpPr>
+          <p:cNvPr id="68" name="직사각형 67">
+            <a:extLst>
+              <a:ext uri="{FF2B5EF4-FFF2-40B4-BE49-F238E27FC236}">
+                <a16:creationId xmlns:a16="http://schemas.microsoft.com/office/drawing/2014/main" id="{5467F0C9-DFBD-BEF0-B676-A5EB75F40178}"/>
               </a:ext>
             </a:extLst>
           </p:cNvPr>
@@ -7664,7 +7042,7 @@
         </p:nvSpPr>
         <p:spPr>
           <a:xfrm>
-            <a:off x="7337795" y="5670418"/>
+            <a:off x="8443494" y="1174271"/>
             <a:ext cx="551473" cy="324145"/>
           </a:xfrm>
           <a:prstGeom prst="rect">
@@ -7694,19 +7072,320 @@
             <a:pPr algn="ctr"/>
             <a:r>
               <a:rPr lang="en-US" altLang="ko-KR" sz="1000"/>
-              <a:t>42</a:t>
+              <a:t>3.8</a:t>
             </a:r>
             <a:r>
               <a:rPr lang="ko-KR" altLang="en-US" sz="1000"/>
-              <a:t>점</a:t>
-            </a:r>
-          </a:p>
-        </p:txBody>
-      </p:sp>
+              <a:t>배</a:t>
+            </a:r>
+          </a:p>
+        </p:txBody>
+      </p:sp>
+      <p:sp>
+        <p:nvSpPr>
+          <p:cNvPr id="69" name="직사각형 68">
+            <a:extLst>
+              <a:ext uri="{FF2B5EF4-FFF2-40B4-BE49-F238E27FC236}">
+                <a16:creationId xmlns:a16="http://schemas.microsoft.com/office/drawing/2014/main" id="{57124871-92F0-2D0D-8D4E-FFBCC03A22C7}"/>
+              </a:ext>
+            </a:extLst>
+          </p:cNvPr>
+          <p:cNvSpPr/>
+          <p:nvPr/>
+        </p:nvSpPr>
+        <p:spPr>
+          <a:xfrm>
+            <a:off x="10538228" y="1091262"/>
+            <a:ext cx="551473" cy="324145"/>
+          </a:xfrm>
+          <a:prstGeom prst="rect">
+            <a:avLst/>
+          </a:prstGeom>
+        </p:spPr>
+        <p:style>
+          <a:lnRef idx="2">
+            <a:schemeClr val="accent1">
+              <a:shade val="15000"/>
+            </a:schemeClr>
+          </a:lnRef>
+          <a:fillRef idx="1">
+            <a:schemeClr val="accent1"/>
+          </a:fillRef>
+          <a:effectRef idx="0">
+            <a:schemeClr val="accent1"/>
+          </a:effectRef>
+          <a:fontRef idx="minor">
+            <a:schemeClr val="lt1"/>
+          </a:fontRef>
+        </p:style>
+        <p:txBody>
+          <a:bodyPr rtlCol="0" anchor="ctr"/>
+          <a:lstStyle/>
+          <a:p>
+            <a:pPr algn="ctr"/>
+            <a:r>
+              <a:rPr lang="en-US" altLang="ko-KR" sz="1000"/>
+              <a:t>4.7</a:t>
+            </a:r>
+            <a:r>
+              <a:rPr lang="ko-KR" altLang="en-US" sz="1000"/>
+              <a:t>배</a:t>
+            </a:r>
+          </a:p>
+        </p:txBody>
+      </p:sp>
+      <p:sp>
+        <p:nvSpPr>
+          <p:cNvPr id="70" name="직사각형 69">
+            <a:extLst>
+              <a:ext uri="{FF2B5EF4-FFF2-40B4-BE49-F238E27FC236}">
+                <a16:creationId xmlns:a16="http://schemas.microsoft.com/office/drawing/2014/main" id="{1BB32F39-2F38-095B-B53F-CC94F398BE99}"/>
+              </a:ext>
+            </a:extLst>
+          </p:cNvPr>
+          <p:cNvSpPr/>
+          <p:nvPr/>
+        </p:nvSpPr>
+        <p:spPr>
+          <a:xfrm>
+            <a:off x="778536" y="3589866"/>
+            <a:ext cx="551473" cy="324145"/>
+          </a:xfrm>
+          <a:prstGeom prst="rect">
+            <a:avLst/>
+          </a:prstGeom>
+        </p:spPr>
+        <p:style>
+          <a:lnRef idx="2">
+            <a:schemeClr val="accent1">
+              <a:shade val="15000"/>
+            </a:schemeClr>
+          </a:lnRef>
+          <a:fillRef idx="1">
+            <a:schemeClr val="accent1"/>
+          </a:fillRef>
+          <a:effectRef idx="0">
+            <a:schemeClr val="accent1"/>
+          </a:effectRef>
+          <a:fontRef idx="minor">
+            <a:schemeClr val="lt1"/>
+          </a:fontRef>
+        </p:style>
+        <p:txBody>
+          <a:bodyPr rtlCol="0" anchor="ctr"/>
+          <a:lstStyle/>
+          <a:p>
+            <a:pPr algn="ctr"/>
+            <a:r>
+              <a:rPr lang="en-US" altLang="ko-KR" sz="1000"/>
+              <a:t>4.9</a:t>
+            </a:r>
+            <a:r>
+              <a:rPr lang="ko-KR" altLang="en-US" sz="1000"/>
+              <a:t>배</a:t>
+            </a:r>
+          </a:p>
+        </p:txBody>
+      </p:sp>
+      <p:sp>
+        <p:nvSpPr>
+          <p:cNvPr id="71" name="직사각형 70">
+            <a:extLst>
+              <a:ext uri="{FF2B5EF4-FFF2-40B4-BE49-F238E27FC236}">
+                <a16:creationId xmlns:a16="http://schemas.microsoft.com/office/drawing/2014/main" id="{08EBC1DA-7A2D-60BA-441A-5D8546A20702}"/>
+              </a:ext>
+            </a:extLst>
+          </p:cNvPr>
+          <p:cNvSpPr/>
+          <p:nvPr/>
+        </p:nvSpPr>
+        <p:spPr>
+          <a:xfrm>
+            <a:off x="6004442" y="3379297"/>
+            <a:ext cx="551473" cy="295447"/>
+          </a:xfrm>
+          <a:prstGeom prst="rect">
+            <a:avLst/>
+          </a:prstGeom>
+        </p:spPr>
+        <p:style>
+          <a:lnRef idx="2">
+            <a:schemeClr val="accent1">
+              <a:shade val="15000"/>
+            </a:schemeClr>
+          </a:lnRef>
+          <a:fillRef idx="1">
+            <a:schemeClr val="accent1"/>
+          </a:fillRef>
+          <a:effectRef idx="0">
+            <a:schemeClr val="accent1"/>
+          </a:effectRef>
+          <a:fontRef idx="minor">
+            <a:schemeClr val="lt1"/>
+          </a:fontRef>
+        </p:style>
+        <p:txBody>
+          <a:bodyPr rtlCol="0" anchor="ctr"/>
+          <a:lstStyle/>
+          <a:p>
+            <a:pPr algn="ctr"/>
+            <a:r>
+              <a:rPr lang="en-US" altLang="ko-KR" sz="1000"/>
+              <a:t>6.8</a:t>
+            </a:r>
+            <a:r>
+              <a:rPr lang="ko-KR" altLang="en-US" sz="1000"/>
+              <a:t>배</a:t>
+            </a:r>
+          </a:p>
+        </p:txBody>
+      </p:sp>
+      <p:sp>
+        <p:nvSpPr>
+          <p:cNvPr id="72" name="직사각형 71">
+            <a:extLst>
+              <a:ext uri="{FF2B5EF4-FFF2-40B4-BE49-F238E27FC236}">
+                <a16:creationId xmlns:a16="http://schemas.microsoft.com/office/drawing/2014/main" id="{428E5295-0EB7-7E63-D229-1BA6B4A94B17}"/>
+              </a:ext>
+            </a:extLst>
+          </p:cNvPr>
+          <p:cNvSpPr/>
+          <p:nvPr/>
+        </p:nvSpPr>
+        <p:spPr>
+          <a:xfrm>
+            <a:off x="3138183" y="3657159"/>
+            <a:ext cx="551473" cy="295447"/>
+          </a:xfrm>
+          <a:prstGeom prst="rect">
+            <a:avLst/>
+          </a:prstGeom>
+        </p:spPr>
+        <p:style>
+          <a:lnRef idx="2">
+            <a:schemeClr val="accent1">
+              <a:shade val="15000"/>
+            </a:schemeClr>
+          </a:lnRef>
+          <a:fillRef idx="1">
+            <a:schemeClr val="accent1"/>
+          </a:fillRef>
+          <a:effectRef idx="0">
+            <a:schemeClr val="accent1"/>
+          </a:effectRef>
+          <a:fontRef idx="minor">
+            <a:schemeClr val="lt1"/>
+          </a:fontRef>
+        </p:style>
+        <p:txBody>
+          <a:bodyPr rtlCol="0" anchor="ctr"/>
+          <a:lstStyle/>
+          <a:p>
+            <a:pPr algn="ctr"/>
+            <a:r>
+              <a:rPr lang="en-US" altLang="ko-KR" sz="1000"/>
+              <a:t>5.7</a:t>
+            </a:r>
+            <a:r>
+              <a:rPr lang="ko-KR" altLang="en-US" sz="1000"/>
+              <a:t>배</a:t>
+            </a:r>
+          </a:p>
+        </p:txBody>
+      </p:sp>
+      <p:sp>
+        <p:nvSpPr>
+          <p:cNvPr id="73" name="직사각형 72">
+            <a:extLst>
+              <a:ext uri="{FF2B5EF4-FFF2-40B4-BE49-F238E27FC236}">
+                <a16:creationId xmlns:a16="http://schemas.microsoft.com/office/drawing/2014/main" id="{D3A0D289-F8CB-0B6E-358B-136466517A14}"/>
+              </a:ext>
+            </a:extLst>
+          </p:cNvPr>
+          <p:cNvSpPr/>
+          <p:nvPr/>
+        </p:nvSpPr>
+        <p:spPr>
+          <a:xfrm>
+            <a:off x="9041547" y="3294419"/>
+            <a:ext cx="551473" cy="295447"/>
+          </a:xfrm>
+          <a:prstGeom prst="rect">
+            <a:avLst/>
+          </a:prstGeom>
+        </p:spPr>
+        <p:style>
+          <a:lnRef idx="2">
+            <a:schemeClr val="accent1">
+              <a:shade val="15000"/>
+            </a:schemeClr>
+          </a:lnRef>
+          <a:fillRef idx="1">
+            <a:schemeClr val="accent1"/>
+          </a:fillRef>
+          <a:effectRef idx="0">
+            <a:schemeClr val="accent1"/>
+          </a:effectRef>
+          <a:fontRef idx="minor">
+            <a:schemeClr val="lt1"/>
+          </a:fontRef>
+        </p:style>
+        <p:txBody>
+          <a:bodyPr rtlCol="0" anchor="ctr"/>
+          <a:lstStyle/>
+          <a:p>
+            <a:pPr algn="ctr"/>
+            <a:r>
+              <a:rPr lang="en-US" altLang="ko-KR" sz="1000"/>
+              <a:t>8</a:t>
+            </a:r>
+            <a:r>
+              <a:rPr lang="ko-KR" altLang="en-US" sz="1000"/>
+              <a:t>배</a:t>
+            </a:r>
+          </a:p>
+        </p:txBody>
+      </p:sp>
+      <p:pic>
+        <p:nvPicPr>
+          <p:cNvPr id="6" name="그림 5">
+            <a:extLst>
+              <a:ext uri="{FF2B5EF4-FFF2-40B4-BE49-F238E27FC236}">
+                <a16:creationId xmlns:a16="http://schemas.microsoft.com/office/drawing/2014/main" id="{3277DD38-30EE-ABAA-3BF3-088C709310BB}"/>
+              </a:ext>
+            </a:extLst>
+          </p:cNvPr>
+          <p:cNvPicPr>
+            <a:picLocks noChangeAspect="1"/>
+          </p:cNvPicPr>
+          <p:nvPr/>
+        </p:nvPicPr>
+        <p:blipFill>
+          <a:blip r:embed="rId12" cstate="hqprint">
+            <a:extLst>
+              <a:ext uri="{28A0092B-C50C-407E-A947-70E740481C1C}">
+                <a14:useLocalDpi xmlns:a14="http://schemas.microsoft.com/office/drawing/2010/main" val="0"/>
+              </a:ext>
+            </a:extLst>
+          </a:blip>
+          <a:stretch>
+            <a:fillRect/>
+          </a:stretch>
+        </p:blipFill>
+        <p:spPr>
+          <a:xfrm>
+            <a:off x="862133" y="2706516"/>
+            <a:ext cx="324145" cy="324145"/>
+          </a:xfrm>
+          <a:prstGeom prst="rect">
+            <a:avLst/>
+          </a:prstGeom>
+        </p:spPr>
+      </p:pic>
     </p:spTree>
     <p:extLst>
       <p:ext uri="{BB962C8B-B14F-4D97-AF65-F5344CB8AC3E}">
-        <p14:creationId xmlns:p14="http://schemas.microsoft.com/office/powerpoint/2010/main" val="1055797805"/>
+        <p14:creationId xmlns:p14="http://schemas.microsoft.com/office/powerpoint/2010/main" val="2523319744"/>
       </p:ext>
     </p:extLst>
   </p:cSld>
@@ -7738,7 +7417,7 @@
           <p:cNvPr id="2" name="제목 1">
             <a:extLst>
               <a:ext uri="{FF2B5EF4-FFF2-40B4-BE49-F238E27FC236}">
-                <a16:creationId xmlns:a16="http://schemas.microsoft.com/office/drawing/2014/main" id="{0CA77C12-8D43-D591-64AC-4A12023904A3}"/>
+                <a16:creationId xmlns:a16="http://schemas.microsoft.com/office/drawing/2014/main" id="{E2ED14EF-2472-85A2-F871-3A9FE8DD3551}"/>
               </a:ext>
             </a:extLst>
           </p:cNvPr>
@@ -7756,7 +7435,7 @@
           <a:p>
             <a:r>
               <a:rPr lang="ko-KR" altLang="en-US"/>
-              <a:t>상자 크기 제안</a:t>
+              <a:t>점수 계산 제안</a:t>
             </a:r>
           </a:p>
         </p:txBody>
@@ -7766,7 +7445,7 @@
           <p:cNvPr id="3" name="내용 개체 틀 2">
             <a:extLst>
               <a:ext uri="{FF2B5EF4-FFF2-40B4-BE49-F238E27FC236}">
-                <a16:creationId xmlns:a16="http://schemas.microsoft.com/office/drawing/2014/main" id="{5279729A-7B70-CC31-04E8-B217EA673079}"/>
+                <a16:creationId xmlns:a16="http://schemas.microsoft.com/office/drawing/2014/main" id="{51DE23CD-BBAC-E833-7241-7358EC26B12D}"/>
               </a:ext>
             </a:extLst>
           </p:cNvPr>
@@ -7784,106 +7463,88 @@
           <a:p>
             <a:r>
               <a:rPr lang="ko-KR" altLang="en-US"/>
-              <a:t>가로는 첫번째 공의 크기의 </a:t>
+              <a:t>점수 지급을 조금 더 높게 잡아 점수 득점을 즐거움을 제공한다</a:t>
             </a:r>
             <a:r>
               <a:rPr lang="en-US" altLang="ko-KR"/>
-              <a:t>15</a:t>
-            </a:r>
-            <a:r>
-              <a:rPr lang="ko-KR" altLang="en-US"/>
-              <a:t>배</a:t>
+              <a:t>.</a:t>
+            </a:r>
+          </a:p>
+          <a:p>
+            <a:r>
+              <a:rPr lang="en-US" altLang="ko-KR"/>
+              <a:t>n</a:t>
+            </a:r>
+            <a:r>
+              <a:rPr lang="ko-KR" altLang="en-US"/>
+              <a:t>번째 공 두 개를 합칠 시</a:t>
+            </a:r>
+            <a:r>
+              <a:rPr lang="en-US" altLang="ko-KR"/>
+              <a:t>:</a:t>
+            </a:r>
+          </a:p>
+          <a:p>
+            <a:pPr lvl="1"/>
+            <a:r>
+              <a:rPr lang="en-US" altLang="ko-KR"/>
+              <a:t>[</a:t>
+            </a:r>
+            <a:r>
+              <a:rPr lang="ko-KR" altLang="en-US"/>
+              <a:t>제안 점수 계산식</a:t>
+            </a:r>
+            <a:r>
+              <a:rPr lang="en-US" altLang="ko-KR"/>
+              <a:t>] </a:t>
+            </a:r>
+            <a:r>
+              <a:rPr lang="en-US" altLang="ko-KR" b="1"/>
+              <a:t>n(n+1) </a:t>
+            </a:r>
+            <a:r>
+              <a:rPr lang="en-US" altLang="ko-KR"/>
+              <a:t>[</a:t>
+            </a:r>
+            <a:r>
+              <a:rPr lang="ko-KR" altLang="en-US"/>
+              <a:t>원작 점수 계산식</a:t>
+            </a:r>
+            <a:r>
+              <a:rPr lang="en-US" altLang="ko-KR"/>
+              <a:t>] </a:t>
+            </a:r>
+            <a:r>
+              <a:rPr lang="en-US" altLang="ko-KR" b="1"/>
+              <a:t>n(n+1)÷2 </a:t>
             </a:r>
             <a:endParaRPr lang="en-US" altLang="ko-KR"/>
           </a:p>
           <a:p>
             <a:r>
-              <a:rPr lang="ko-KR" altLang="en-US"/>
-              <a:t>세로는 첫번째 공의  크기의 </a:t>
-            </a:r>
+              <a:rPr lang="ko-KR" altLang="en-US" smtClean="0"/>
+              <a:t>최대 만 단위</a:t>
+            </a:r>
+            <a:endParaRPr lang="en-US" altLang="ko-KR"/>
+          </a:p>
+          <a:p>
             <a:r>
               <a:rPr lang="en-US" altLang="ko-KR"/>
-              <a:t>20</a:t>
-            </a:r>
-            <a:r>
-              <a:rPr lang="ko-KR" altLang="en-US"/>
-              <a:t>배</a:t>
-            </a:r>
-            <a:endParaRPr lang="en-US" altLang="ko-KR"/>
-          </a:p>
-          <a:p>
-            <a:r>
-              <a:rPr lang="ko-KR" altLang="en-US" sz="2400"/>
-              <a:t>최종 공의 크기가 상자의 가로 길이보다 </a:t>
-            </a:r>
-            <a:endParaRPr lang="en-US" altLang="ko-KR" sz="2400"/>
-          </a:p>
-          <a:p>
-            <a:pPr marL="0" indent="0">
-              <a:buNone/>
-            </a:pPr>
-            <a:r>
-              <a:rPr lang="ko-KR" altLang="en-US" sz="2400"/>
-              <a:t>  절반 정도로 크면</a:t>
-            </a:r>
-            <a:r>
-              <a:rPr lang="en-US" altLang="ko-KR" sz="2400"/>
-              <a:t> </a:t>
-            </a:r>
-            <a:r>
-              <a:rPr lang="ko-KR" altLang="en-US" sz="2400"/>
-              <a:t>빈공간이 생기면서</a:t>
-            </a:r>
-            <a:endParaRPr lang="en-US" altLang="ko-KR" sz="2400"/>
-          </a:p>
-          <a:p>
-            <a:pPr marL="0" indent="0">
-              <a:buNone/>
-            </a:pPr>
-            <a:r>
-              <a:rPr lang="en-US" altLang="ko-KR" sz="2400"/>
-              <a:t>  </a:t>
-            </a:r>
-            <a:r>
-              <a:rPr lang="ko-KR" altLang="en-US" sz="2400"/>
-              <a:t>장애물 요소로 작용해</a:t>
-            </a:r>
-            <a:r>
-              <a:rPr lang="en-US" altLang="ko-KR" sz="2400"/>
-              <a:t>,</a:t>
-            </a:r>
-            <a:r>
-              <a:rPr lang="ko-KR" altLang="en-US" sz="2400"/>
-              <a:t> 완성이후 플레이가</a:t>
-            </a:r>
-            <a:endParaRPr lang="en-US" altLang="ko-KR" sz="2400"/>
-          </a:p>
-          <a:p>
-            <a:pPr marL="0" indent="0">
-              <a:buNone/>
-            </a:pPr>
-            <a:r>
-              <a:rPr lang="en-US" altLang="ko-KR" sz="2400"/>
-              <a:t>  </a:t>
-            </a:r>
-            <a:r>
-              <a:rPr lang="ko-KR" altLang="en-US" sz="2400"/>
-              <a:t>힘들어질 것으로 보인다</a:t>
-            </a:r>
-            <a:r>
-              <a:rPr lang="en-US" altLang="ko-KR" sz="2400"/>
-              <a:t>.</a:t>
-            </a:r>
-            <a:endParaRPr lang="ko-KR" altLang="en-US" sz="2400"/>
+              <a:t>)</a:t>
+            </a:r>
+            <a:r>
+              <a:rPr lang="ko-KR" altLang="en-US"/>
+              <a:t>예시</a:t>
+            </a:r>
           </a:p>
         </p:txBody>
       </p:sp>
       <p:pic>
         <p:nvPicPr>
-          <p:cNvPr id="5" name="그림 4">
-            <a:extLst>
-              <a:ext uri="{FF2B5EF4-FFF2-40B4-BE49-F238E27FC236}">
-                <a16:creationId xmlns:a16="http://schemas.microsoft.com/office/drawing/2014/main" id="{4603B7FE-AB5E-76E5-11CF-62FFA567EF69}"/>
+          <p:cNvPr id="4" name="그림 3">
+            <a:extLst>
+              <a:ext uri="{FF2B5EF4-FFF2-40B4-BE49-F238E27FC236}">
+                <a16:creationId xmlns:a16="http://schemas.microsoft.com/office/drawing/2014/main" id="{031BFD51-A860-BDCB-47DA-67D6D7E21110}"/>
               </a:ext>
             </a:extLst>
           </p:cNvPr>
@@ -7893,7 +7554,7 @@
           <p:nvPr/>
         </p:nvPicPr>
         <p:blipFill>
-          <a:blip r:embed="rId2">
+          <a:blip r:embed="rId2" cstate="hqprint">
             <a:extLst>
               <a:ext uri="{28A0092B-C50C-407E-A947-70E740481C1C}">
                 <a14:useLocalDpi xmlns:a14="http://schemas.microsoft.com/office/drawing/2010/main" val="0"/>
@@ -7906,18 +7567,544 @@
         </p:blipFill>
         <p:spPr>
           <a:xfrm>
-            <a:off x="7498501" y="1106487"/>
-            <a:ext cx="4000290" cy="4645025"/>
+            <a:off x="1486869" y="5305972"/>
+            <a:ext cx="324145" cy="324145"/>
           </a:xfrm>
           <a:prstGeom prst="rect">
             <a:avLst/>
           </a:prstGeom>
         </p:spPr>
       </p:pic>
+      <p:sp>
+        <p:nvSpPr>
+          <p:cNvPr id="5" name="직사각형 4">
+            <a:extLst>
+              <a:ext uri="{FF2B5EF4-FFF2-40B4-BE49-F238E27FC236}">
+                <a16:creationId xmlns:a16="http://schemas.microsoft.com/office/drawing/2014/main" id="{C4557006-7236-7378-CB9E-13385B0FE8C7}"/>
+              </a:ext>
+            </a:extLst>
+          </p:cNvPr>
+          <p:cNvSpPr/>
+          <p:nvPr/>
+        </p:nvSpPr>
+        <p:spPr>
+          <a:xfrm>
+            <a:off x="1146724" y="5818100"/>
+            <a:ext cx="931274" cy="324145"/>
+          </a:xfrm>
+          <a:prstGeom prst="rect">
+            <a:avLst/>
+          </a:prstGeom>
+        </p:spPr>
+        <p:style>
+          <a:lnRef idx="2">
+            <a:schemeClr val="accent1">
+              <a:shade val="15000"/>
+            </a:schemeClr>
+          </a:lnRef>
+          <a:fillRef idx="1">
+            <a:schemeClr val="accent1"/>
+          </a:fillRef>
+          <a:effectRef idx="0">
+            <a:schemeClr val="accent1"/>
+          </a:effectRef>
+          <a:fontRef idx="minor">
+            <a:schemeClr val="lt1"/>
+          </a:fontRef>
+        </p:style>
+        <p:txBody>
+          <a:bodyPr rtlCol="0" anchor="ctr"/>
+          <a:lstStyle/>
+          <a:p>
+            <a:pPr algn="ctr"/>
+            <a:r>
+              <a:rPr lang="ko-KR" altLang="en-US" sz="1000" smtClean="0"/>
+              <a:t>결과값</a:t>
+            </a:r>
+            <a:r>
+              <a:rPr lang="en-US" altLang="ko-KR" sz="1000" smtClean="0"/>
+              <a:t>: 3</a:t>
+            </a:r>
+            <a:r>
+              <a:rPr lang="ko-KR" altLang="en-US" sz="1000"/>
+              <a:t>점</a:t>
+            </a:r>
+          </a:p>
+        </p:txBody>
+      </p:sp>
+      <p:pic>
+        <p:nvPicPr>
+          <p:cNvPr id="6" name="그림 5">
+            <a:extLst>
+              <a:ext uri="{FF2B5EF4-FFF2-40B4-BE49-F238E27FC236}">
+                <a16:creationId xmlns:a16="http://schemas.microsoft.com/office/drawing/2014/main" id="{557C9918-B367-93FB-9CE5-4CAA924169B3}"/>
+              </a:ext>
+            </a:extLst>
+          </p:cNvPr>
+          <p:cNvPicPr>
+            <a:picLocks noChangeAspect="1"/>
+          </p:cNvPicPr>
+          <p:nvPr/>
+        </p:nvPicPr>
+        <p:blipFill>
+          <a:blip r:embed="rId3" cstate="hqprint">
+            <a:extLst>
+              <a:ext uri="{28A0092B-C50C-407E-A947-70E740481C1C}">
+                <a14:useLocalDpi xmlns:a14="http://schemas.microsoft.com/office/drawing/2010/main" val="0"/>
+              </a:ext>
+            </a:extLst>
+          </a:blip>
+          <a:stretch>
+            <a:fillRect/>
+          </a:stretch>
+        </p:blipFill>
+        <p:spPr>
+          <a:xfrm>
+            <a:off x="2607936" y="5205877"/>
+            <a:ext cx="424240" cy="424240"/>
+          </a:xfrm>
+          <a:prstGeom prst="rect">
+            <a:avLst/>
+          </a:prstGeom>
+        </p:spPr>
+      </p:pic>
+      <p:sp>
+        <p:nvSpPr>
+          <p:cNvPr id="7" name="직사각형 6">
+            <a:extLst>
+              <a:ext uri="{FF2B5EF4-FFF2-40B4-BE49-F238E27FC236}">
+                <a16:creationId xmlns:a16="http://schemas.microsoft.com/office/drawing/2014/main" id="{4BB14D4A-791B-8FC1-9CF4-9011C94C386E}"/>
+              </a:ext>
+            </a:extLst>
+          </p:cNvPr>
+          <p:cNvSpPr/>
+          <p:nvPr/>
+        </p:nvSpPr>
+        <p:spPr>
+          <a:xfrm>
+            <a:off x="2240594" y="5791055"/>
+            <a:ext cx="1095469" cy="324145"/>
+          </a:xfrm>
+          <a:prstGeom prst="rect">
+            <a:avLst/>
+          </a:prstGeom>
+        </p:spPr>
+        <p:style>
+          <a:lnRef idx="2">
+            <a:schemeClr val="accent1">
+              <a:shade val="15000"/>
+            </a:schemeClr>
+          </a:lnRef>
+          <a:fillRef idx="1">
+            <a:schemeClr val="accent1"/>
+          </a:fillRef>
+          <a:effectRef idx="0">
+            <a:schemeClr val="accent1"/>
+          </a:effectRef>
+          <a:fontRef idx="minor">
+            <a:schemeClr val="lt1"/>
+          </a:fontRef>
+        </p:style>
+        <p:txBody>
+          <a:bodyPr rtlCol="0" anchor="ctr"/>
+          <a:lstStyle/>
+          <a:p>
+            <a:pPr algn="ctr"/>
+            <a:r>
+              <a:rPr lang="ko-KR" altLang="en-US" sz="1000" smtClean="0"/>
+              <a:t>결과값</a:t>
+            </a:r>
+            <a:r>
+              <a:rPr lang="en-US" altLang="ko-KR" sz="1000" smtClean="0"/>
+              <a:t>: 6</a:t>
+            </a:r>
+            <a:r>
+              <a:rPr lang="ko-KR" altLang="en-US" sz="1000"/>
+              <a:t>점</a:t>
+            </a:r>
+          </a:p>
+        </p:txBody>
+      </p:sp>
+      <p:pic>
+        <p:nvPicPr>
+          <p:cNvPr id="8" name="그림 7">
+            <a:extLst>
+              <a:ext uri="{FF2B5EF4-FFF2-40B4-BE49-F238E27FC236}">
+                <a16:creationId xmlns:a16="http://schemas.microsoft.com/office/drawing/2014/main" id="{3E3A138E-8233-4F2B-395C-0F69122FAEC3}"/>
+              </a:ext>
+            </a:extLst>
+          </p:cNvPr>
+          <p:cNvPicPr>
+            <a:picLocks noChangeAspect="1"/>
+          </p:cNvPicPr>
+          <p:nvPr/>
+        </p:nvPicPr>
+        <p:blipFill>
+          <a:blip r:embed="rId4" cstate="hqprint">
+            <a:extLst>
+              <a:ext uri="{28A0092B-C50C-407E-A947-70E740481C1C}">
+                <a14:useLocalDpi xmlns:a14="http://schemas.microsoft.com/office/drawing/2010/main" val="0"/>
+              </a:ext>
+            </a:extLst>
+          </a:blip>
+          <a:stretch>
+            <a:fillRect/>
+          </a:stretch>
+        </p:blipFill>
+        <p:spPr>
+          <a:xfrm>
+            <a:off x="3826140" y="5017227"/>
+            <a:ext cx="602358" cy="602358"/>
+          </a:xfrm>
+          <a:prstGeom prst="rect">
+            <a:avLst/>
+          </a:prstGeom>
+        </p:spPr>
+      </p:pic>
+      <p:sp>
+        <p:nvSpPr>
+          <p:cNvPr id="9" name="직사각형 8">
+            <a:extLst>
+              <a:ext uri="{FF2B5EF4-FFF2-40B4-BE49-F238E27FC236}">
+                <a16:creationId xmlns:a16="http://schemas.microsoft.com/office/drawing/2014/main" id="{CC52CB9E-90A1-BE53-F401-811C9B904385}"/>
+              </a:ext>
+            </a:extLst>
+          </p:cNvPr>
+          <p:cNvSpPr/>
+          <p:nvPr/>
+        </p:nvSpPr>
+        <p:spPr>
+          <a:xfrm>
+            <a:off x="3527308" y="5791054"/>
+            <a:ext cx="990221" cy="324145"/>
+          </a:xfrm>
+          <a:prstGeom prst="rect">
+            <a:avLst/>
+          </a:prstGeom>
+        </p:spPr>
+        <p:style>
+          <a:lnRef idx="2">
+            <a:schemeClr val="accent1">
+              <a:shade val="15000"/>
+            </a:schemeClr>
+          </a:lnRef>
+          <a:fillRef idx="1">
+            <a:schemeClr val="accent1"/>
+          </a:fillRef>
+          <a:effectRef idx="0">
+            <a:schemeClr val="accent1"/>
+          </a:effectRef>
+          <a:fontRef idx="minor">
+            <a:schemeClr val="lt1"/>
+          </a:fontRef>
+        </p:style>
+        <p:txBody>
+          <a:bodyPr rtlCol="0" anchor="ctr"/>
+          <a:lstStyle/>
+          <a:p>
+            <a:pPr algn="ctr"/>
+            <a:r>
+              <a:rPr lang="ko-KR" altLang="en-US" sz="1000" smtClean="0"/>
+              <a:t>결과값</a:t>
+            </a:r>
+            <a:r>
+              <a:rPr lang="en-US" altLang="ko-KR" sz="1000" smtClean="0"/>
+              <a:t>: 12</a:t>
+            </a:r>
+            <a:r>
+              <a:rPr lang="ko-KR" altLang="en-US" sz="1000"/>
+              <a:t>점</a:t>
+            </a:r>
+          </a:p>
+        </p:txBody>
+      </p:sp>
+      <p:pic>
+        <p:nvPicPr>
+          <p:cNvPr id="10" name="그림 9">
+            <a:extLst>
+              <a:ext uri="{FF2B5EF4-FFF2-40B4-BE49-F238E27FC236}">
+                <a16:creationId xmlns:a16="http://schemas.microsoft.com/office/drawing/2014/main" id="{15F809AC-57A8-0911-6A80-65DEABAA38A4}"/>
+              </a:ext>
+            </a:extLst>
+          </p:cNvPr>
+          <p:cNvPicPr>
+            <a:picLocks noChangeAspect="1"/>
+          </p:cNvPicPr>
+          <p:nvPr/>
+        </p:nvPicPr>
+        <p:blipFill>
+          <a:blip r:embed="rId5" cstate="hqprint">
+            <a:extLst>
+              <a:ext uri="{28A0092B-C50C-407E-A947-70E740481C1C}">
+                <a14:useLocalDpi xmlns:a14="http://schemas.microsoft.com/office/drawing/2010/main" val="0"/>
+              </a:ext>
+            </a:extLst>
+          </a:blip>
+          <a:stretch>
+            <a:fillRect/>
+          </a:stretch>
+        </p:blipFill>
+        <p:spPr>
+          <a:xfrm>
+            <a:off x="4781324" y="4894730"/>
+            <a:ext cx="793668" cy="793668"/>
+          </a:xfrm>
+          <a:prstGeom prst="rect">
+            <a:avLst/>
+          </a:prstGeom>
+        </p:spPr>
+      </p:pic>
+      <p:sp>
+        <p:nvSpPr>
+          <p:cNvPr id="11" name="직사각형 10">
+            <a:extLst>
+              <a:ext uri="{FF2B5EF4-FFF2-40B4-BE49-F238E27FC236}">
+                <a16:creationId xmlns:a16="http://schemas.microsoft.com/office/drawing/2014/main" id="{840E54AF-F892-B2A8-9DA2-B745EB376FF5}"/>
+              </a:ext>
+            </a:extLst>
+          </p:cNvPr>
+          <p:cNvSpPr/>
+          <p:nvPr/>
+        </p:nvSpPr>
+        <p:spPr>
+          <a:xfrm>
+            <a:off x="4638983" y="5791053"/>
+            <a:ext cx="925055" cy="324145"/>
+          </a:xfrm>
+          <a:prstGeom prst="rect">
+            <a:avLst/>
+          </a:prstGeom>
+        </p:spPr>
+        <p:style>
+          <a:lnRef idx="2">
+            <a:schemeClr val="accent1">
+              <a:shade val="15000"/>
+            </a:schemeClr>
+          </a:lnRef>
+          <a:fillRef idx="1">
+            <a:schemeClr val="accent1"/>
+          </a:fillRef>
+          <a:effectRef idx="0">
+            <a:schemeClr val="accent1"/>
+          </a:effectRef>
+          <a:fontRef idx="minor">
+            <a:schemeClr val="lt1"/>
+          </a:fontRef>
+        </p:style>
+        <p:txBody>
+          <a:bodyPr rtlCol="0" anchor="ctr"/>
+          <a:lstStyle/>
+          <a:p>
+            <a:pPr algn="ctr"/>
+            <a:r>
+              <a:rPr lang="ko-KR" altLang="en-US" sz="1000" smtClean="0"/>
+              <a:t>결과값</a:t>
+            </a:r>
+            <a:r>
+              <a:rPr lang="en-US" altLang="ko-KR" sz="1000" smtClean="0"/>
+              <a:t>: 20</a:t>
+            </a:r>
+            <a:r>
+              <a:rPr lang="ko-KR" altLang="en-US" sz="1000"/>
+              <a:t>점</a:t>
+            </a:r>
+          </a:p>
+        </p:txBody>
+      </p:sp>
+      <p:pic>
+        <p:nvPicPr>
+          <p:cNvPr id="12" name="그림 11">
+            <a:extLst>
+              <a:ext uri="{FF2B5EF4-FFF2-40B4-BE49-F238E27FC236}">
+                <a16:creationId xmlns:a16="http://schemas.microsoft.com/office/drawing/2014/main" id="{1E6F99A3-6CEF-9FB7-D870-80D7D26034A6}"/>
+              </a:ext>
+            </a:extLst>
+          </p:cNvPr>
+          <p:cNvPicPr>
+            <a:picLocks noChangeAspect="1"/>
+          </p:cNvPicPr>
+          <p:nvPr/>
+        </p:nvPicPr>
+        <p:blipFill>
+          <a:blip r:embed="rId6">
+            <a:extLst>
+              <a:ext uri="{28A0092B-C50C-407E-A947-70E740481C1C}">
+                <a14:useLocalDpi xmlns:a14="http://schemas.microsoft.com/office/drawing/2010/main" val="0"/>
+              </a:ext>
+            </a:extLst>
+          </a:blip>
+          <a:stretch>
+            <a:fillRect/>
+          </a:stretch>
+        </p:blipFill>
+        <p:spPr>
+          <a:xfrm>
+            <a:off x="5971572" y="4756289"/>
+            <a:ext cx="958689" cy="958689"/>
+          </a:xfrm>
+          <a:prstGeom prst="rect">
+            <a:avLst/>
+          </a:prstGeom>
+        </p:spPr>
+      </p:pic>
+      <p:sp>
+        <p:nvSpPr>
+          <p:cNvPr id="14" name="직사각형 13">
+            <a:extLst>
+              <a:ext uri="{FF2B5EF4-FFF2-40B4-BE49-F238E27FC236}">
+                <a16:creationId xmlns:a16="http://schemas.microsoft.com/office/drawing/2014/main" id="{11611B07-6566-D4B4-1261-6B3B536BB652}"/>
+              </a:ext>
+            </a:extLst>
+          </p:cNvPr>
+          <p:cNvSpPr/>
+          <p:nvPr/>
+        </p:nvSpPr>
+        <p:spPr>
+          <a:xfrm>
+            <a:off x="5993420" y="5816271"/>
+            <a:ext cx="868589" cy="324145"/>
+          </a:xfrm>
+          <a:prstGeom prst="rect">
+            <a:avLst/>
+          </a:prstGeom>
+        </p:spPr>
+        <p:style>
+          <a:lnRef idx="2">
+            <a:schemeClr val="accent1">
+              <a:shade val="15000"/>
+            </a:schemeClr>
+          </a:lnRef>
+          <a:fillRef idx="1">
+            <a:schemeClr val="accent1"/>
+          </a:fillRef>
+          <a:effectRef idx="0">
+            <a:schemeClr val="accent1"/>
+          </a:effectRef>
+          <a:fontRef idx="minor">
+            <a:schemeClr val="lt1"/>
+          </a:fontRef>
+        </p:style>
+        <p:txBody>
+          <a:bodyPr rtlCol="0" anchor="ctr"/>
+          <a:lstStyle/>
+          <a:p>
+            <a:pPr algn="ctr"/>
+            <a:r>
+              <a:rPr lang="ko-KR" altLang="en-US" sz="1000"/>
+              <a:t>결</a:t>
+            </a:r>
+            <a:r>
+              <a:rPr lang="ko-KR" altLang="en-US" sz="1000" smtClean="0"/>
+              <a:t>과값</a:t>
+            </a:r>
+            <a:r>
+              <a:rPr lang="en-US" altLang="ko-KR" sz="1000" smtClean="0"/>
+              <a:t>:30</a:t>
+            </a:r>
+            <a:r>
+              <a:rPr lang="ko-KR" altLang="en-US" sz="1000"/>
+              <a:t>점</a:t>
+            </a:r>
+          </a:p>
+        </p:txBody>
+      </p:sp>
+      <p:pic>
+        <p:nvPicPr>
+          <p:cNvPr id="15" name="그림 14">
+            <a:extLst>
+              <a:ext uri="{FF2B5EF4-FFF2-40B4-BE49-F238E27FC236}">
+                <a16:creationId xmlns:a16="http://schemas.microsoft.com/office/drawing/2014/main" id="{EE8CCB34-6F54-11EA-70E7-E7DC78EE831C}"/>
+              </a:ext>
+            </a:extLst>
+          </p:cNvPr>
+          <p:cNvPicPr>
+            <a:picLocks noChangeAspect="1"/>
+          </p:cNvPicPr>
+          <p:nvPr/>
+        </p:nvPicPr>
+        <p:blipFill>
+          <a:blip r:embed="rId7">
+            <a:extLst>
+              <a:ext uri="{28A0092B-C50C-407E-A947-70E740481C1C}">
+                <a14:useLocalDpi xmlns:a14="http://schemas.microsoft.com/office/drawing/2010/main" val="0"/>
+              </a:ext>
+            </a:extLst>
+          </a:blip>
+          <a:stretch>
+            <a:fillRect/>
+          </a:stretch>
+        </p:blipFill>
+        <p:spPr>
+          <a:xfrm>
+            <a:off x="7583750" y="4448744"/>
+            <a:ext cx="1124362" cy="1124362"/>
+          </a:xfrm>
+          <a:prstGeom prst="rect">
+            <a:avLst/>
+          </a:prstGeom>
+        </p:spPr>
+      </p:pic>
+      <p:sp>
+        <p:nvSpPr>
+          <p:cNvPr id="16" name="직사각형 15">
+            <a:extLst>
+              <a:ext uri="{FF2B5EF4-FFF2-40B4-BE49-F238E27FC236}">
+                <a16:creationId xmlns:a16="http://schemas.microsoft.com/office/drawing/2014/main" id="{B98C2EAF-DB26-4BD9-C4E4-C13E2CC3E0AC}"/>
+              </a:ext>
+            </a:extLst>
+          </p:cNvPr>
+          <p:cNvSpPr/>
+          <p:nvPr/>
+        </p:nvSpPr>
+        <p:spPr>
+          <a:xfrm>
+            <a:off x="7642298" y="5816271"/>
+            <a:ext cx="977071" cy="324145"/>
+          </a:xfrm>
+          <a:prstGeom prst="rect">
+            <a:avLst/>
+          </a:prstGeom>
+        </p:spPr>
+        <p:style>
+          <a:lnRef idx="2">
+            <a:schemeClr val="accent1">
+              <a:shade val="15000"/>
+            </a:schemeClr>
+          </a:lnRef>
+          <a:fillRef idx="1">
+            <a:schemeClr val="accent1"/>
+          </a:fillRef>
+          <a:effectRef idx="0">
+            <a:schemeClr val="accent1"/>
+          </a:effectRef>
+          <a:fontRef idx="minor">
+            <a:schemeClr val="lt1"/>
+          </a:fontRef>
+        </p:style>
+        <p:txBody>
+          <a:bodyPr rtlCol="0" anchor="ctr"/>
+          <a:lstStyle/>
+          <a:p>
+            <a:pPr algn="ctr"/>
+            <a:r>
+              <a:rPr lang="ko-KR" altLang="en-US" sz="1000" smtClean="0"/>
+              <a:t>결과값</a:t>
+            </a:r>
+            <a:r>
+              <a:rPr lang="en-US" altLang="ko-KR" sz="1000" smtClean="0"/>
+              <a:t>: 42</a:t>
+            </a:r>
+            <a:r>
+              <a:rPr lang="ko-KR" altLang="en-US" sz="1000"/>
+              <a:t>점</a:t>
+            </a:r>
+          </a:p>
+        </p:txBody>
+      </p:sp>
     </p:spTree>
     <p:extLst>
       <p:ext uri="{BB962C8B-B14F-4D97-AF65-F5344CB8AC3E}">
-        <p14:creationId xmlns:p14="http://schemas.microsoft.com/office/powerpoint/2010/main" val="1002913203"/>
+        <p14:creationId xmlns:p14="http://schemas.microsoft.com/office/powerpoint/2010/main" val="1055797805"/>
       </p:ext>
     </p:extLst>
   </p:cSld>
@@ -7949,7 +8136,7 @@
           <p:cNvPr id="2" name="제목 1">
             <a:extLst>
               <a:ext uri="{FF2B5EF4-FFF2-40B4-BE49-F238E27FC236}">
-                <a16:creationId xmlns:a16="http://schemas.microsoft.com/office/drawing/2014/main" id="{898A81B6-BE1C-9A12-8123-BA9FC51529E9}"/>
+                <a16:creationId xmlns:a16="http://schemas.microsoft.com/office/drawing/2014/main" id="{0CA77C12-8D43-D591-64AC-4A12023904A3}"/>
               </a:ext>
             </a:extLst>
           </p:cNvPr>
@@ -7967,7 +8154,222 @@
           <a:p>
             <a:r>
               <a:rPr lang="ko-KR" altLang="en-US"/>
-              <a:t>추가 고려 요소</a:t>
+              <a:t>상자 크기 제안</a:t>
+            </a:r>
+          </a:p>
+        </p:txBody>
+      </p:sp>
+      <p:sp>
+        <p:nvSpPr>
+          <p:cNvPr id="3" name="내용 개체 틀 2">
+            <a:extLst>
+              <a:ext uri="{FF2B5EF4-FFF2-40B4-BE49-F238E27FC236}">
+                <a16:creationId xmlns:a16="http://schemas.microsoft.com/office/drawing/2014/main" id="{5279729A-7B70-CC31-04E8-B217EA673079}"/>
+              </a:ext>
+            </a:extLst>
+          </p:cNvPr>
+          <p:cNvSpPr>
+            <a:spLocks noGrp="1"/>
+          </p:cNvSpPr>
+          <p:nvPr>
+            <p:ph idx="1"/>
+          </p:nvPr>
+        </p:nvSpPr>
+        <p:spPr/>
+        <p:txBody>
+          <a:bodyPr/>
+          <a:lstStyle/>
+          <a:p>
+            <a:r>
+              <a:rPr lang="ko-KR" altLang="en-US"/>
+              <a:t>가로는 첫번째 공의 크기의 </a:t>
+            </a:r>
+            <a:r>
+              <a:rPr lang="en-US" altLang="ko-KR"/>
+              <a:t>15</a:t>
+            </a:r>
+            <a:r>
+              <a:rPr lang="ko-KR" altLang="en-US"/>
+              <a:t>배</a:t>
+            </a:r>
+            <a:endParaRPr lang="en-US" altLang="ko-KR"/>
+          </a:p>
+          <a:p>
+            <a:r>
+              <a:rPr lang="ko-KR" altLang="en-US"/>
+              <a:t>세로는 첫번째 공의  크기의 </a:t>
+            </a:r>
+            <a:r>
+              <a:rPr lang="en-US" altLang="ko-KR"/>
+              <a:t>20</a:t>
+            </a:r>
+            <a:r>
+              <a:rPr lang="ko-KR" altLang="en-US"/>
+              <a:t>배</a:t>
+            </a:r>
+            <a:endParaRPr lang="en-US" altLang="ko-KR"/>
+          </a:p>
+          <a:p>
+            <a:r>
+              <a:rPr lang="ko-KR" altLang="en-US" sz="2400"/>
+              <a:t>최종 공의 크기가 상자의 가로 길이보다 </a:t>
+            </a:r>
+            <a:endParaRPr lang="en-US" altLang="ko-KR" sz="2400"/>
+          </a:p>
+          <a:p>
+            <a:pPr marL="0" indent="0">
+              <a:buNone/>
+            </a:pPr>
+            <a:r>
+              <a:rPr lang="ko-KR" altLang="en-US" sz="2400"/>
+              <a:t>  절반 정도로 크면</a:t>
+            </a:r>
+            <a:r>
+              <a:rPr lang="en-US" altLang="ko-KR" sz="2400"/>
+              <a:t> </a:t>
+            </a:r>
+            <a:r>
+              <a:rPr lang="ko-KR" altLang="en-US" sz="2400"/>
+              <a:t>빈공간이 생기면서</a:t>
+            </a:r>
+            <a:endParaRPr lang="en-US" altLang="ko-KR" sz="2400"/>
+          </a:p>
+          <a:p>
+            <a:pPr marL="0" indent="0">
+              <a:buNone/>
+            </a:pPr>
+            <a:r>
+              <a:rPr lang="en-US" altLang="ko-KR" sz="2400"/>
+              <a:t>  </a:t>
+            </a:r>
+            <a:r>
+              <a:rPr lang="ko-KR" altLang="en-US" sz="2400"/>
+              <a:t>장애물 요소로 작용해</a:t>
+            </a:r>
+            <a:r>
+              <a:rPr lang="en-US" altLang="ko-KR" sz="2400"/>
+              <a:t>,</a:t>
+            </a:r>
+            <a:r>
+              <a:rPr lang="ko-KR" altLang="en-US" sz="2400"/>
+              <a:t> 완성이후 플레이가</a:t>
+            </a:r>
+            <a:endParaRPr lang="en-US" altLang="ko-KR" sz="2400"/>
+          </a:p>
+          <a:p>
+            <a:pPr marL="0" indent="0">
+              <a:buNone/>
+            </a:pPr>
+            <a:r>
+              <a:rPr lang="en-US" altLang="ko-KR" sz="2400"/>
+              <a:t>  </a:t>
+            </a:r>
+            <a:r>
+              <a:rPr lang="ko-KR" altLang="en-US" sz="2400"/>
+              <a:t>힘들어질 것으로 보인다</a:t>
+            </a:r>
+            <a:r>
+              <a:rPr lang="en-US" altLang="ko-KR" sz="2400"/>
+              <a:t>.</a:t>
+            </a:r>
+            <a:endParaRPr lang="ko-KR" altLang="en-US" sz="2400"/>
+          </a:p>
+        </p:txBody>
+      </p:sp>
+      <p:pic>
+        <p:nvPicPr>
+          <p:cNvPr id="5" name="그림 4">
+            <a:extLst>
+              <a:ext uri="{FF2B5EF4-FFF2-40B4-BE49-F238E27FC236}">
+                <a16:creationId xmlns:a16="http://schemas.microsoft.com/office/drawing/2014/main" id="{4603B7FE-AB5E-76E5-11CF-62FFA567EF69}"/>
+              </a:ext>
+            </a:extLst>
+          </p:cNvPr>
+          <p:cNvPicPr>
+            <a:picLocks noChangeAspect="1"/>
+          </p:cNvPicPr>
+          <p:nvPr/>
+        </p:nvPicPr>
+        <p:blipFill>
+          <a:blip r:embed="rId2">
+            <a:extLst>
+              <a:ext uri="{28A0092B-C50C-407E-A947-70E740481C1C}">
+                <a14:useLocalDpi xmlns:a14="http://schemas.microsoft.com/office/drawing/2010/main" val="0"/>
+              </a:ext>
+            </a:extLst>
+          </a:blip>
+          <a:stretch>
+            <a:fillRect/>
+          </a:stretch>
+        </p:blipFill>
+        <p:spPr>
+          <a:xfrm>
+            <a:off x="7498501" y="1106487"/>
+            <a:ext cx="4000290" cy="4645025"/>
+          </a:xfrm>
+          <a:prstGeom prst="rect">
+            <a:avLst/>
+          </a:prstGeom>
+        </p:spPr>
+      </p:pic>
+    </p:spTree>
+    <p:extLst>
+      <p:ext uri="{BB962C8B-B14F-4D97-AF65-F5344CB8AC3E}">
+        <p14:creationId xmlns:p14="http://schemas.microsoft.com/office/powerpoint/2010/main" val="1002913203"/>
+      </p:ext>
+    </p:extLst>
+  </p:cSld>
+  <p:clrMapOvr>
+    <a:masterClrMapping/>
+  </p:clrMapOvr>
+</p:sld>
+</file>
+
+<file path=ppt/slides/slide9.xml><?xml version="1.0" encoding="utf-8"?>
+<p:sld xmlns:a="http://schemas.openxmlformats.org/drawingml/2006/main" xmlns:r="http://schemas.openxmlformats.org/officeDocument/2006/relationships" xmlns:p="http://schemas.openxmlformats.org/presentationml/2006/main">
+  <p:cSld>
+    <p:spTree>
+      <p:nvGrpSpPr>
+        <p:cNvPr id="1" name=""/>
+        <p:cNvGrpSpPr/>
+        <p:nvPr/>
+      </p:nvGrpSpPr>
+      <p:grpSpPr>
+        <a:xfrm>
+          <a:off x="0" y="0"/>
+          <a:ext cx="0" cy="0"/>
+          <a:chOff x="0" y="0"/>
+          <a:chExt cx="0" cy="0"/>
+        </a:xfrm>
+      </p:grpSpPr>
+      <p:sp>
+        <p:nvSpPr>
+          <p:cNvPr id="2" name="제목 1">
+            <a:extLst>
+              <a:ext uri="{FF2B5EF4-FFF2-40B4-BE49-F238E27FC236}">
+                <a16:creationId xmlns:a16="http://schemas.microsoft.com/office/drawing/2014/main" id="{898A81B6-BE1C-9A12-8123-BA9FC51529E9}"/>
+              </a:ext>
+            </a:extLst>
+          </p:cNvPr>
+          <p:cNvSpPr>
+            <a:spLocks noGrp="1"/>
+          </p:cNvSpPr>
+          <p:nvPr>
+            <p:ph type="title"/>
+          </p:nvPr>
+        </p:nvSpPr>
+        <p:spPr/>
+        <p:txBody>
+          <a:bodyPr/>
+          <a:lstStyle/>
+          <a:p>
+            <a:r>
+              <a:rPr lang="ko-KR" altLang="en-US" smtClean="0"/>
+              <a:t>나중에 고려할 </a:t>
+            </a:r>
+            <a:r>
+              <a:rPr lang="ko-KR" altLang="en-US"/>
+              <a:t>요소</a:t>
             </a:r>
           </a:p>
         </p:txBody>
